--- a/Resources/Panaseer_Presentation.pptx
+++ b/Resources/Panaseer_Presentation.pptx
@@ -5,7 +5,7 @@
     <p:sldMasterId id="2147483660" r:id="rId1"/>
   </p:sldMasterIdLst>
   <p:notesMasterIdLst>
-    <p:notesMasterId r:id="rId22"/>
+    <p:notesMasterId r:id="rId30"/>
   </p:notesMasterIdLst>
   <p:sldIdLst>
     <p:sldId id="256" r:id="rId2"/>
@@ -14,46 +14,54 @@
     <p:sldId id="259" r:id="rId5"/>
     <p:sldId id="260" r:id="rId6"/>
     <p:sldId id="261" r:id="rId7"/>
-    <p:sldId id="262" r:id="rId8"/>
-    <p:sldId id="263" r:id="rId9"/>
-    <p:sldId id="264" r:id="rId10"/>
-    <p:sldId id="265" r:id="rId11"/>
-    <p:sldId id="266" r:id="rId12"/>
-    <p:sldId id="267" r:id="rId13"/>
-    <p:sldId id="268" r:id="rId14"/>
-    <p:sldId id="269" r:id="rId15"/>
-    <p:sldId id="270" r:id="rId16"/>
-    <p:sldId id="271" r:id="rId17"/>
-    <p:sldId id="272" r:id="rId18"/>
-    <p:sldId id="273" r:id="rId19"/>
-    <p:sldId id="274" r:id="rId20"/>
-    <p:sldId id="275" r:id="rId21"/>
+    <p:sldId id="276" r:id="rId8"/>
+    <p:sldId id="262" r:id="rId9"/>
+    <p:sldId id="263" r:id="rId10"/>
+    <p:sldId id="264" r:id="rId11"/>
+    <p:sldId id="265" r:id="rId12"/>
+    <p:sldId id="266" r:id="rId13"/>
+    <p:sldId id="282" r:id="rId14"/>
+    <p:sldId id="267" r:id="rId15"/>
+    <p:sldId id="283" r:id="rId16"/>
+    <p:sldId id="268" r:id="rId17"/>
+    <p:sldId id="269" r:id="rId18"/>
+    <p:sldId id="270" r:id="rId19"/>
+    <p:sldId id="271" r:id="rId20"/>
+    <p:sldId id="272" r:id="rId21"/>
+    <p:sldId id="273" r:id="rId22"/>
+    <p:sldId id="274" r:id="rId23"/>
+    <p:sldId id="275" r:id="rId24"/>
+    <p:sldId id="277" r:id="rId25"/>
+    <p:sldId id="278" r:id="rId26"/>
+    <p:sldId id="279" r:id="rId27"/>
+    <p:sldId id="280" r:id="rId28"/>
+    <p:sldId id="281" r:id="rId29"/>
   </p:sldIdLst>
   <p:sldSz cx="9144000" cy="5143500" type="screen16x9"/>
   <p:notesSz cx="6858000" cy="9144000"/>
   <p:embeddedFontLst>
     <p:embeddedFont>
       <p:font typeface="Average" panose="020B0604020202020204" charset="0"/>
-      <p:regular r:id="rId23"/>
+      <p:regular r:id="rId31"/>
     </p:embeddedFont>
     <p:embeddedFont>
       <p:font typeface="Oswald" panose="00000500000000000000" pitchFamily="2" charset="0"/>
-      <p:regular r:id="rId24"/>
-      <p:bold r:id="rId25"/>
+      <p:regular r:id="rId32"/>
+      <p:bold r:id="rId33"/>
     </p:embeddedFont>
     <p:embeddedFont>
       <p:font typeface="Roboto" panose="02000000000000000000" pitchFamily="2" charset="0"/>
-      <p:regular r:id="rId26"/>
-      <p:bold r:id="rId27"/>
-      <p:italic r:id="rId28"/>
-      <p:boldItalic r:id="rId29"/>
+      <p:regular r:id="rId34"/>
+      <p:bold r:id="rId35"/>
+      <p:italic r:id="rId36"/>
+      <p:boldItalic r:id="rId37"/>
     </p:embeddedFont>
     <p:embeddedFont>
       <p:font typeface="Roboto Medium" panose="02000000000000000000" pitchFamily="2" charset="0"/>
-      <p:regular r:id="rId30"/>
-      <p:bold r:id="rId31"/>
-      <p:italic r:id="rId32"/>
-      <p:boldItalic r:id="rId33"/>
+      <p:regular r:id="rId38"/>
+      <p:bold r:id="rId39"/>
+      <p:italic r:id="rId40"/>
+      <p:boldItalic r:id="rId41"/>
     </p:embeddedFont>
   </p:embeddedFontLst>
   <p:defaultTextStyle>
@@ -774,8 +782,8 @@
         </p:nvSpPr>
         <p:spPr>
           <a:xfrm>
-            <a:off x="381188" y="685800"/>
-            <a:ext cx="6096300" cy="3429000"/>
+            <a:off x="381000" y="685800"/>
+            <a:ext cx="6096000" cy="3429000"/>
           </a:xfrm>
           <a:custGeom>
             <a:avLst/>
@@ -850,6 +858,110 @@
 </file>
 
 <file path=ppt/notesSlides/notesSlide10.xml><?xml version="1.0" encoding="utf-8"?>
+<p:notes xmlns:a="http://schemas.openxmlformats.org/drawingml/2006/main" xmlns:r="http://schemas.openxmlformats.org/officeDocument/2006/relationships" xmlns:p="http://schemas.openxmlformats.org/presentationml/2006/main" showMasterSp="0" showMasterPhAnim="0">
+  <p:cSld>
+    <p:spTree>
+      <p:nvGrpSpPr>
+        <p:cNvPr id="1" name="Shape 142"/>
+        <p:cNvGrpSpPr/>
+        <p:nvPr/>
+      </p:nvGrpSpPr>
+      <p:grpSpPr>
+        <a:xfrm>
+          <a:off x="0" y="0"/>
+          <a:ext cx="0" cy="0"/>
+          <a:chOff x="0" y="0"/>
+          <a:chExt cx="0" cy="0"/>
+        </a:xfrm>
+      </p:grpSpPr>
+      <p:sp>
+        <p:nvSpPr>
+          <p:cNvPr id="143" name="Google Shape;143;g1ab98980ae0_0_994:notes"/>
+          <p:cNvSpPr>
+            <a:spLocks noGrp="1" noRot="1" noChangeAspect="1"/>
+          </p:cNvSpPr>
+          <p:nvPr>
+            <p:ph type="sldImg" idx="2"/>
+          </p:nvPr>
+        </p:nvSpPr>
+        <p:spPr>
+          <a:xfrm>
+            <a:off x="381188" y="685800"/>
+            <a:ext cx="6096300" cy="3429000"/>
+          </a:xfrm>
+          <a:custGeom>
+            <a:avLst/>
+            <a:gdLst/>
+            <a:ahLst/>
+            <a:cxnLst/>
+            <a:rect l="l" t="t" r="r" b="b"/>
+            <a:pathLst>
+              <a:path w="120000" h="120000" extrusionOk="0">
+                <a:moveTo>
+                  <a:pt x="0" y="0"/>
+                </a:moveTo>
+                <a:lnTo>
+                  <a:pt x="120000" y="0"/>
+                </a:lnTo>
+                <a:lnTo>
+                  <a:pt x="120000" y="120000"/>
+                </a:lnTo>
+                <a:lnTo>
+                  <a:pt x="0" y="120000"/>
+                </a:lnTo>
+                <a:close/>
+              </a:path>
+            </a:pathLst>
+          </a:custGeom>
+        </p:spPr>
+      </p:sp>
+      <p:sp>
+        <p:nvSpPr>
+          <p:cNvPr id="144" name="Google Shape;144;g1ab98980ae0_0_994:notes"/>
+          <p:cNvSpPr txBox="1">
+            <a:spLocks noGrp="1"/>
+          </p:cNvSpPr>
+          <p:nvPr>
+            <p:ph type="body" idx="1"/>
+          </p:nvPr>
+        </p:nvSpPr>
+        <p:spPr>
+          <a:xfrm>
+            <a:off x="685800" y="4343400"/>
+            <a:ext cx="5486400" cy="4114800"/>
+          </a:xfrm>
+          <a:prstGeom prst="rect">
+            <a:avLst/>
+          </a:prstGeom>
+        </p:spPr>
+        <p:txBody>
+          <a:bodyPr spcFirstLastPara="1" wrap="square" lIns="91425" tIns="91425" rIns="91425" bIns="91425" anchor="t" anchorCtr="0">
+            <a:noAutofit/>
+          </a:bodyPr>
+          <a:lstStyle/>
+          <a:p>
+            <a:pPr marL="0" lvl="0" indent="0" algn="l" rtl="0">
+              <a:spcBef>
+                <a:spcPts val="0"/>
+              </a:spcBef>
+              <a:spcAft>
+                <a:spcPts val="0"/>
+              </a:spcAft>
+              <a:buNone/>
+            </a:pPr>
+            <a:endParaRPr/>
+          </a:p>
+        </p:txBody>
+      </p:sp>
+    </p:spTree>
+  </p:cSld>
+  <p:clrMapOvr>
+    <a:masterClrMapping/>
+  </p:clrMapOvr>
+</p:notes>
+</file>
+
+<file path=ppt/notesSlides/notesSlide11.xml><?xml version="1.0" encoding="utf-8"?>
 <p:notes xmlns:a="http://schemas.openxmlformats.org/drawingml/2006/main" xmlns:r="http://schemas.openxmlformats.org/officeDocument/2006/relationships" xmlns:p="http://schemas.openxmlformats.org/presentationml/2006/main" showMasterSp="0" showMasterPhAnim="0">
   <p:cSld>
     <p:spTree>
@@ -953,7 +1065,7 @@
 </p:notes>
 </file>
 
-<file path=ppt/notesSlides/notesSlide11.xml><?xml version="1.0" encoding="utf-8"?>
+<file path=ppt/notesSlides/notesSlide12.xml><?xml version="1.0" encoding="utf-8"?>
 <p:notes xmlns:a="http://schemas.openxmlformats.org/drawingml/2006/main" xmlns:r="http://schemas.openxmlformats.org/officeDocument/2006/relationships" xmlns:p="http://schemas.openxmlformats.org/presentationml/2006/main" showMasterSp="0" showMasterPhAnim="0">
   <p:cSld>
     <p:spTree>
@@ -982,8 +1094,8 @@
         </p:nvSpPr>
         <p:spPr>
           <a:xfrm>
-            <a:off x="381188" y="685800"/>
-            <a:ext cx="6096300" cy="3429000"/>
+            <a:off x="381000" y="685800"/>
+            <a:ext cx="6096000" cy="3429000"/>
           </a:xfrm>
           <a:custGeom>
             <a:avLst/>
@@ -1045,7 +1157,11 @@
               </a:spcAft>
               <a:buNone/>
             </a:pPr>
-            <a:endParaRPr/>
+            <a:r>
+              <a:rPr lang="en-US" b="1" dirty="0"/>
+              <a:t>Ask audience if they guess what’s the most common complaint?</a:t>
+            </a:r>
+            <a:endParaRPr b="1" dirty="0"/>
           </a:p>
         </p:txBody>
       </p:sp>
@@ -1057,7 +1173,120 @@
 </p:notes>
 </file>
 
-<file path=ppt/notesSlides/notesSlide12.xml><?xml version="1.0" encoding="utf-8"?>
+<file path=ppt/notesSlides/notesSlide13.xml><?xml version="1.0" encoding="utf-8"?>
+<p:notes xmlns:a="http://schemas.openxmlformats.org/drawingml/2006/main" xmlns:r="http://schemas.openxmlformats.org/officeDocument/2006/relationships" xmlns:p="http://schemas.openxmlformats.org/presentationml/2006/main" showMasterSp="0" showMasterPhAnim="0">
+  <p:cSld>
+    <p:spTree>
+      <p:nvGrpSpPr>
+        <p:cNvPr id="1" name="Shape 165"/>
+        <p:cNvGrpSpPr/>
+        <p:nvPr/>
+      </p:nvGrpSpPr>
+      <p:grpSpPr>
+        <a:xfrm>
+          <a:off x="0" y="0"/>
+          <a:ext cx="0" cy="0"/>
+          <a:chOff x="0" y="0"/>
+          <a:chExt cx="0" cy="0"/>
+        </a:xfrm>
+      </p:grpSpPr>
+      <p:sp>
+        <p:nvSpPr>
+          <p:cNvPr id="166" name="Google Shape;166;g1ab98980ae0_0_1064:notes"/>
+          <p:cNvSpPr>
+            <a:spLocks noGrp="1" noRot="1" noChangeAspect="1"/>
+          </p:cNvSpPr>
+          <p:nvPr>
+            <p:ph type="sldImg" idx="2"/>
+          </p:nvPr>
+        </p:nvSpPr>
+        <p:spPr>
+          <a:xfrm>
+            <a:off x="381000" y="685800"/>
+            <a:ext cx="6096000" cy="3429000"/>
+          </a:xfrm>
+          <a:custGeom>
+            <a:avLst/>
+            <a:gdLst/>
+            <a:ahLst/>
+            <a:cxnLst/>
+            <a:rect l="l" t="t" r="r" b="b"/>
+            <a:pathLst>
+              <a:path w="120000" h="120000" extrusionOk="0">
+                <a:moveTo>
+                  <a:pt x="0" y="0"/>
+                </a:moveTo>
+                <a:lnTo>
+                  <a:pt x="120000" y="0"/>
+                </a:lnTo>
+                <a:lnTo>
+                  <a:pt x="120000" y="120000"/>
+                </a:lnTo>
+                <a:lnTo>
+                  <a:pt x="0" y="120000"/>
+                </a:lnTo>
+                <a:close/>
+              </a:path>
+            </a:pathLst>
+          </a:custGeom>
+        </p:spPr>
+      </p:sp>
+      <p:sp>
+        <p:nvSpPr>
+          <p:cNvPr id="167" name="Google Shape;167;g1ab98980ae0_0_1064:notes"/>
+          <p:cNvSpPr txBox="1">
+            <a:spLocks noGrp="1"/>
+          </p:cNvSpPr>
+          <p:nvPr>
+            <p:ph type="body" idx="1"/>
+          </p:nvPr>
+        </p:nvSpPr>
+        <p:spPr>
+          <a:xfrm>
+            <a:off x="685800" y="4343400"/>
+            <a:ext cx="5486400" cy="4114800"/>
+          </a:xfrm>
+          <a:prstGeom prst="rect">
+            <a:avLst/>
+          </a:prstGeom>
+        </p:spPr>
+        <p:txBody>
+          <a:bodyPr spcFirstLastPara="1" wrap="square" lIns="91425" tIns="91425" rIns="91425" bIns="91425" anchor="t" anchorCtr="0">
+            <a:noAutofit/>
+          </a:bodyPr>
+          <a:lstStyle/>
+          <a:p>
+            <a:pPr marL="0" lvl="0" indent="0" algn="l" rtl="0">
+              <a:spcBef>
+                <a:spcPts val="0"/>
+              </a:spcBef>
+              <a:spcAft>
+                <a:spcPts val="0"/>
+              </a:spcAft>
+              <a:buNone/>
+            </a:pPr>
+            <a:r>
+              <a:rPr lang="en-US" dirty="0"/>
+              <a:t>Ask the audience what are some complaints they’ve experienced? Does this surprise you?</a:t>
+            </a:r>
+            <a:endParaRPr dirty="0"/>
+          </a:p>
+        </p:txBody>
+      </p:sp>
+    </p:spTree>
+    <p:extLst>
+      <p:ext uri="{BB962C8B-B14F-4D97-AF65-F5344CB8AC3E}">
+        <p14:creationId xmlns:p14="http://schemas.microsoft.com/office/powerpoint/2010/main" val="1112376779"/>
+      </p:ext>
+    </p:extLst>
+  </p:cSld>
+  <p:clrMapOvr>
+    <a:masterClrMapping/>
+  </p:clrMapOvr>
+</p:notes>
+</file>
+
+<file path=ppt/notesSlides/notesSlide14.xml><?xml version="1.0" encoding="utf-8"?>
 <p:notes xmlns:a="http://schemas.openxmlformats.org/drawingml/2006/main" xmlns:r="http://schemas.openxmlformats.org/officeDocument/2006/relationships" xmlns:p="http://schemas.openxmlformats.org/presentationml/2006/main" showMasterSp="0" showMasterPhAnim="0">
   <p:cSld>
     <p:spTree>
@@ -1086,8 +1315,8 @@
         </p:nvSpPr>
         <p:spPr>
           <a:xfrm>
-            <a:off x="381188" y="685800"/>
-            <a:ext cx="6096300" cy="3429000"/>
+            <a:off x="381000" y="685800"/>
+            <a:ext cx="6096000" cy="3429000"/>
           </a:xfrm>
           <a:custGeom>
             <a:avLst/>
@@ -1161,7 +1390,116 @@
 </p:notes>
 </file>
 
-<file path=ppt/notesSlides/notesSlide13.xml><?xml version="1.0" encoding="utf-8"?>
+<file path=ppt/notesSlides/notesSlide15.xml><?xml version="1.0" encoding="utf-8"?>
+<p:notes xmlns:a="http://schemas.openxmlformats.org/drawingml/2006/main" xmlns:r="http://schemas.openxmlformats.org/officeDocument/2006/relationships" xmlns:p="http://schemas.openxmlformats.org/presentationml/2006/main" showMasterSp="0" showMasterPhAnim="0">
+  <p:cSld>
+    <p:spTree>
+      <p:nvGrpSpPr>
+        <p:cNvPr id="1" name="Shape 172"/>
+        <p:cNvGrpSpPr/>
+        <p:nvPr/>
+      </p:nvGrpSpPr>
+      <p:grpSpPr>
+        <a:xfrm>
+          <a:off x="0" y="0"/>
+          <a:ext cx="0" cy="0"/>
+          <a:chOff x="0" y="0"/>
+          <a:chExt cx="0" cy="0"/>
+        </a:xfrm>
+      </p:grpSpPr>
+      <p:sp>
+        <p:nvSpPr>
+          <p:cNvPr id="173" name="Google Shape;173;g1ab98980ae0_0_1071:notes"/>
+          <p:cNvSpPr>
+            <a:spLocks noGrp="1" noRot="1" noChangeAspect="1"/>
+          </p:cNvSpPr>
+          <p:nvPr>
+            <p:ph type="sldImg" idx="2"/>
+          </p:nvPr>
+        </p:nvSpPr>
+        <p:spPr>
+          <a:xfrm>
+            <a:off x="381000" y="685800"/>
+            <a:ext cx="6096000" cy="3429000"/>
+          </a:xfrm>
+          <a:custGeom>
+            <a:avLst/>
+            <a:gdLst/>
+            <a:ahLst/>
+            <a:cxnLst/>
+            <a:rect l="l" t="t" r="r" b="b"/>
+            <a:pathLst>
+              <a:path w="120000" h="120000" extrusionOk="0">
+                <a:moveTo>
+                  <a:pt x="0" y="0"/>
+                </a:moveTo>
+                <a:lnTo>
+                  <a:pt x="120000" y="0"/>
+                </a:lnTo>
+                <a:lnTo>
+                  <a:pt x="120000" y="120000"/>
+                </a:lnTo>
+                <a:lnTo>
+                  <a:pt x="0" y="120000"/>
+                </a:lnTo>
+                <a:close/>
+              </a:path>
+            </a:pathLst>
+          </a:custGeom>
+        </p:spPr>
+      </p:sp>
+      <p:sp>
+        <p:nvSpPr>
+          <p:cNvPr id="174" name="Google Shape;174;g1ab98980ae0_0_1071:notes"/>
+          <p:cNvSpPr txBox="1">
+            <a:spLocks noGrp="1"/>
+          </p:cNvSpPr>
+          <p:nvPr>
+            <p:ph type="body" idx="1"/>
+          </p:nvPr>
+        </p:nvSpPr>
+        <p:spPr>
+          <a:xfrm>
+            <a:off x="685800" y="4343400"/>
+            <a:ext cx="5486400" cy="4114800"/>
+          </a:xfrm>
+          <a:prstGeom prst="rect">
+            <a:avLst/>
+          </a:prstGeom>
+        </p:spPr>
+        <p:txBody>
+          <a:bodyPr spcFirstLastPara="1" wrap="square" lIns="91425" tIns="91425" rIns="91425" bIns="91425" anchor="t" anchorCtr="0">
+            <a:noAutofit/>
+          </a:bodyPr>
+          <a:lstStyle/>
+          <a:p>
+            <a:pPr marL="0" lvl="0" indent="0" algn="l" rtl="0">
+              <a:spcBef>
+                <a:spcPts val="0"/>
+              </a:spcBef>
+              <a:spcAft>
+                <a:spcPts val="0"/>
+              </a:spcAft>
+              <a:buNone/>
+            </a:pPr>
+            <a:endParaRPr/>
+          </a:p>
+        </p:txBody>
+      </p:sp>
+    </p:spTree>
+    <p:extLst>
+      <p:ext uri="{BB962C8B-B14F-4D97-AF65-F5344CB8AC3E}">
+        <p14:creationId xmlns:p14="http://schemas.microsoft.com/office/powerpoint/2010/main" val="1321619776"/>
+      </p:ext>
+    </p:extLst>
+  </p:cSld>
+  <p:clrMapOvr>
+    <a:masterClrMapping/>
+  </p:clrMapOvr>
+</p:notes>
+</file>
+
+<file path=ppt/notesSlides/notesSlide16.xml><?xml version="1.0" encoding="utf-8"?>
 <p:notes xmlns:a="http://schemas.openxmlformats.org/drawingml/2006/main" xmlns:r="http://schemas.openxmlformats.org/officeDocument/2006/relationships" xmlns:p="http://schemas.openxmlformats.org/presentationml/2006/main" showMasterSp="0" showMasterPhAnim="0">
   <p:cSld>
     <p:spTree>
@@ -1265,7 +1603,7 @@
 </p:notes>
 </file>
 
-<file path=ppt/notesSlides/notesSlide14.xml><?xml version="1.0" encoding="utf-8"?>
+<file path=ppt/notesSlides/notesSlide17.xml><?xml version="1.0" encoding="utf-8"?>
 <p:notes xmlns:a="http://schemas.openxmlformats.org/drawingml/2006/main" xmlns:r="http://schemas.openxmlformats.org/officeDocument/2006/relationships" xmlns:p="http://schemas.openxmlformats.org/presentationml/2006/main" showMasterSp="0" showMasterPhAnim="0">
   <p:cSld>
     <p:spTree>
@@ -1369,7 +1707,7 @@
 </p:notes>
 </file>
 
-<file path=ppt/notesSlides/notesSlide15.xml><?xml version="1.0" encoding="utf-8"?>
+<file path=ppt/notesSlides/notesSlide18.xml><?xml version="1.0" encoding="utf-8"?>
 <p:notes xmlns:a="http://schemas.openxmlformats.org/drawingml/2006/main" xmlns:r="http://schemas.openxmlformats.org/officeDocument/2006/relationships" xmlns:p="http://schemas.openxmlformats.org/presentationml/2006/main" showMasterSp="0" showMasterPhAnim="0">
   <p:cSld>
     <p:spTree>
@@ -1466,6 +1804,115 @@
         </p:txBody>
       </p:sp>
     </p:spTree>
+  </p:cSld>
+  <p:clrMapOvr>
+    <a:masterClrMapping/>
+  </p:clrMapOvr>
+</p:notes>
+</file>
+
+<file path=ppt/notesSlides/notesSlide19.xml><?xml version="1.0" encoding="utf-8"?>
+<p:notes xmlns:a="http://schemas.openxmlformats.org/drawingml/2006/main" xmlns:r="http://schemas.openxmlformats.org/officeDocument/2006/relationships" xmlns:p="http://schemas.openxmlformats.org/presentationml/2006/main" showMasterSp="0" showMasterPhAnim="0">
+  <p:cSld>
+    <p:spTree>
+      <p:nvGrpSpPr>
+        <p:cNvPr id="1" name="Shape 193"/>
+        <p:cNvGrpSpPr/>
+        <p:nvPr/>
+      </p:nvGrpSpPr>
+      <p:grpSpPr>
+        <a:xfrm>
+          <a:off x="0" y="0"/>
+          <a:ext cx="0" cy="0"/>
+          <a:chOff x="0" y="0"/>
+          <a:chExt cx="0" cy="0"/>
+        </a:xfrm>
+      </p:grpSpPr>
+      <p:sp>
+        <p:nvSpPr>
+          <p:cNvPr id="194" name="Google Shape;194;g1ab98980ae0_0_1046:notes"/>
+          <p:cNvSpPr>
+            <a:spLocks noGrp="1" noRot="1" noChangeAspect="1"/>
+          </p:cNvSpPr>
+          <p:nvPr>
+            <p:ph type="sldImg" idx="2"/>
+          </p:nvPr>
+        </p:nvSpPr>
+        <p:spPr>
+          <a:xfrm>
+            <a:off x="381000" y="685800"/>
+            <a:ext cx="6096000" cy="3429000"/>
+          </a:xfrm>
+          <a:custGeom>
+            <a:avLst/>
+            <a:gdLst/>
+            <a:ahLst/>
+            <a:cxnLst/>
+            <a:rect l="l" t="t" r="r" b="b"/>
+            <a:pathLst>
+              <a:path w="120000" h="120000" extrusionOk="0">
+                <a:moveTo>
+                  <a:pt x="0" y="0"/>
+                </a:moveTo>
+                <a:lnTo>
+                  <a:pt x="120000" y="0"/>
+                </a:lnTo>
+                <a:lnTo>
+                  <a:pt x="120000" y="120000"/>
+                </a:lnTo>
+                <a:lnTo>
+                  <a:pt x="0" y="120000"/>
+                </a:lnTo>
+                <a:close/>
+              </a:path>
+            </a:pathLst>
+          </a:custGeom>
+        </p:spPr>
+      </p:sp>
+      <p:sp>
+        <p:nvSpPr>
+          <p:cNvPr id="195" name="Google Shape;195;g1ab98980ae0_0_1046:notes"/>
+          <p:cNvSpPr txBox="1">
+            <a:spLocks noGrp="1"/>
+          </p:cNvSpPr>
+          <p:nvPr>
+            <p:ph type="body" idx="1"/>
+          </p:nvPr>
+        </p:nvSpPr>
+        <p:spPr>
+          <a:xfrm>
+            <a:off x="685800" y="4343400"/>
+            <a:ext cx="5486400" cy="4114800"/>
+          </a:xfrm>
+          <a:prstGeom prst="rect">
+            <a:avLst/>
+          </a:prstGeom>
+        </p:spPr>
+        <p:txBody>
+          <a:bodyPr spcFirstLastPara="1" wrap="square" lIns="91425" tIns="91425" rIns="91425" bIns="91425" anchor="t" anchorCtr="0">
+            <a:noAutofit/>
+          </a:bodyPr>
+          <a:lstStyle/>
+          <a:p>
+            <a:pPr marL="0" lvl="0" indent="0" algn="l" rtl="0">
+              <a:spcBef>
+                <a:spcPts val="0"/>
+              </a:spcBef>
+              <a:spcAft>
+                <a:spcPts val="0"/>
+              </a:spcAft>
+              <a:buNone/>
+            </a:pPr>
+            <a:endParaRPr/>
+          </a:p>
+        </p:txBody>
+      </p:sp>
+    </p:spTree>
+    <p:extLst>
+      <p:ext uri="{BB962C8B-B14F-4D97-AF65-F5344CB8AC3E}">
+        <p14:creationId xmlns:p14="http://schemas.microsoft.com/office/powerpoint/2010/main" val="979303450"/>
+      </p:ext>
+    </p:extLst>
   </p:cSld>
   <p:clrMapOvr>
     <a:masterClrMapping/>
@@ -1570,6 +2017,442 @@
         </p:txBody>
       </p:sp>
     </p:spTree>
+  </p:cSld>
+  <p:clrMapOvr>
+    <a:masterClrMapping/>
+  </p:clrMapOvr>
+</p:notes>
+</file>
+
+<file path=ppt/notesSlides/notesSlide20.xml><?xml version="1.0" encoding="utf-8"?>
+<p:notes xmlns:a="http://schemas.openxmlformats.org/drawingml/2006/main" xmlns:r="http://schemas.openxmlformats.org/officeDocument/2006/relationships" xmlns:p="http://schemas.openxmlformats.org/presentationml/2006/main" showMasterSp="0" showMasterPhAnim="0">
+  <p:cSld>
+    <p:spTree>
+      <p:nvGrpSpPr>
+        <p:cNvPr id="1" name="Shape 84"/>
+        <p:cNvGrpSpPr/>
+        <p:nvPr/>
+      </p:nvGrpSpPr>
+      <p:grpSpPr>
+        <a:xfrm>
+          <a:off x="0" y="0"/>
+          <a:ext cx="0" cy="0"/>
+          <a:chOff x="0" y="0"/>
+          <a:chExt cx="0" cy="0"/>
+        </a:xfrm>
+      </p:grpSpPr>
+      <p:sp>
+        <p:nvSpPr>
+          <p:cNvPr id="85" name="Google Shape;85;g1ab98980ae0_0_1:notes"/>
+          <p:cNvSpPr>
+            <a:spLocks noGrp="1" noRot="1" noChangeAspect="1"/>
+          </p:cNvSpPr>
+          <p:nvPr>
+            <p:ph type="sldImg" idx="2"/>
+          </p:nvPr>
+        </p:nvSpPr>
+        <p:spPr>
+          <a:xfrm>
+            <a:off x="381000" y="685800"/>
+            <a:ext cx="6096000" cy="3429000"/>
+          </a:xfrm>
+          <a:custGeom>
+            <a:avLst/>
+            <a:gdLst/>
+            <a:ahLst/>
+            <a:cxnLst/>
+            <a:rect l="l" t="t" r="r" b="b"/>
+            <a:pathLst>
+              <a:path w="120000" h="120000" extrusionOk="0">
+                <a:moveTo>
+                  <a:pt x="0" y="0"/>
+                </a:moveTo>
+                <a:lnTo>
+                  <a:pt x="120000" y="0"/>
+                </a:lnTo>
+                <a:lnTo>
+                  <a:pt x="120000" y="120000"/>
+                </a:lnTo>
+                <a:lnTo>
+                  <a:pt x="0" y="120000"/>
+                </a:lnTo>
+                <a:close/>
+              </a:path>
+            </a:pathLst>
+          </a:custGeom>
+        </p:spPr>
+      </p:sp>
+      <p:sp>
+        <p:nvSpPr>
+          <p:cNvPr id="86" name="Google Shape;86;g1ab98980ae0_0_1:notes"/>
+          <p:cNvSpPr txBox="1">
+            <a:spLocks noGrp="1"/>
+          </p:cNvSpPr>
+          <p:nvPr>
+            <p:ph type="body" idx="1"/>
+          </p:nvPr>
+        </p:nvSpPr>
+        <p:spPr>
+          <a:xfrm>
+            <a:off x="685800" y="4343400"/>
+            <a:ext cx="5486400" cy="4114800"/>
+          </a:xfrm>
+          <a:prstGeom prst="rect">
+            <a:avLst/>
+          </a:prstGeom>
+        </p:spPr>
+        <p:txBody>
+          <a:bodyPr spcFirstLastPara="1" wrap="square" lIns="91425" tIns="91425" rIns="91425" bIns="91425" anchor="t" anchorCtr="0">
+            <a:noAutofit/>
+          </a:bodyPr>
+          <a:lstStyle/>
+          <a:p>
+            <a:pPr marL="0" lvl="0" indent="0" algn="l" rtl="0">
+              <a:spcBef>
+                <a:spcPts val="0"/>
+              </a:spcBef>
+              <a:spcAft>
+                <a:spcPts val="0"/>
+              </a:spcAft>
+              <a:buNone/>
+            </a:pPr>
+            <a:endParaRPr/>
+          </a:p>
+        </p:txBody>
+      </p:sp>
+    </p:spTree>
+    <p:extLst>
+      <p:ext uri="{BB962C8B-B14F-4D97-AF65-F5344CB8AC3E}">
+        <p14:creationId xmlns:p14="http://schemas.microsoft.com/office/powerpoint/2010/main" val="3499057296"/>
+      </p:ext>
+    </p:extLst>
+  </p:cSld>
+  <p:clrMapOvr>
+    <a:masterClrMapping/>
+  </p:clrMapOvr>
+</p:notes>
+</file>
+
+<file path=ppt/notesSlides/notesSlide21.xml><?xml version="1.0" encoding="utf-8"?>
+<p:notes xmlns:a="http://schemas.openxmlformats.org/drawingml/2006/main" xmlns:r="http://schemas.openxmlformats.org/officeDocument/2006/relationships" xmlns:p="http://schemas.openxmlformats.org/presentationml/2006/main" showMasterSp="0" showMasterPhAnim="0">
+  <p:cSld>
+    <p:spTree>
+      <p:nvGrpSpPr>
+        <p:cNvPr id="1" name="Shape 193"/>
+        <p:cNvGrpSpPr/>
+        <p:nvPr/>
+      </p:nvGrpSpPr>
+      <p:grpSpPr>
+        <a:xfrm>
+          <a:off x="0" y="0"/>
+          <a:ext cx="0" cy="0"/>
+          <a:chOff x="0" y="0"/>
+          <a:chExt cx="0" cy="0"/>
+        </a:xfrm>
+      </p:grpSpPr>
+      <p:sp>
+        <p:nvSpPr>
+          <p:cNvPr id="194" name="Google Shape;194;g1ab98980ae0_0_1046:notes"/>
+          <p:cNvSpPr>
+            <a:spLocks noGrp="1" noRot="1" noChangeAspect="1"/>
+          </p:cNvSpPr>
+          <p:nvPr>
+            <p:ph type="sldImg" idx="2"/>
+          </p:nvPr>
+        </p:nvSpPr>
+        <p:spPr>
+          <a:xfrm>
+            <a:off x="381000" y="685800"/>
+            <a:ext cx="6096000" cy="3429000"/>
+          </a:xfrm>
+          <a:custGeom>
+            <a:avLst/>
+            <a:gdLst/>
+            <a:ahLst/>
+            <a:cxnLst/>
+            <a:rect l="l" t="t" r="r" b="b"/>
+            <a:pathLst>
+              <a:path w="120000" h="120000" extrusionOk="0">
+                <a:moveTo>
+                  <a:pt x="0" y="0"/>
+                </a:moveTo>
+                <a:lnTo>
+                  <a:pt x="120000" y="0"/>
+                </a:lnTo>
+                <a:lnTo>
+                  <a:pt x="120000" y="120000"/>
+                </a:lnTo>
+                <a:lnTo>
+                  <a:pt x="0" y="120000"/>
+                </a:lnTo>
+                <a:close/>
+              </a:path>
+            </a:pathLst>
+          </a:custGeom>
+        </p:spPr>
+      </p:sp>
+      <p:sp>
+        <p:nvSpPr>
+          <p:cNvPr id="195" name="Google Shape;195;g1ab98980ae0_0_1046:notes"/>
+          <p:cNvSpPr txBox="1">
+            <a:spLocks noGrp="1"/>
+          </p:cNvSpPr>
+          <p:nvPr>
+            <p:ph type="body" idx="1"/>
+          </p:nvPr>
+        </p:nvSpPr>
+        <p:spPr>
+          <a:xfrm>
+            <a:off x="685800" y="4343400"/>
+            <a:ext cx="5486400" cy="4114800"/>
+          </a:xfrm>
+          <a:prstGeom prst="rect">
+            <a:avLst/>
+          </a:prstGeom>
+        </p:spPr>
+        <p:txBody>
+          <a:bodyPr spcFirstLastPara="1" wrap="square" lIns="91425" tIns="91425" rIns="91425" bIns="91425" anchor="t" anchorCtr="0">
+            <a:noAutofit/>
+          </a:bodyPr>
+          <a:lstStyle/>
+          <a:p>
+            <a:pPr marL="0" lvl="0" indent="0" algn="l" rtl="0">
+              <a:spcBef>
+                <a:spcPts val="0"/>
+              </a:spcBef>
+              <a:spcAft>
+                <a:spcPts val="0"/>
+              </a:spcAft>
+              <a:buNone/>
+            </a:pPr>
+            <a:endParaRPr/>
+          </a:p>
+        </p:txBody>
+      </p:sp>
+    </p:spTree>
+    <p:extLst>
+      <p:ext uri="{BB962C8B-B14F-4D97-AF65-F5344CB8AC3E}">
+        <p14:creationId xmlns:p14="http://schemas.microsoft.com/office/powerpoint/2010/main" val="3907892471"/>
+      </p:ext>
+    </p:extLst>
+  </p:cSld>
+  <p:clrMapOvr>
+    <a:masterClrMapping/>
+  </p:clrMapOvr>
+</p:notes>
+</file>
+
+<file path=ppt/notesSlides/notesSlide22.xml><?xml version="1.0" encoding="utf-8"?>
+<p:notes xmlns:a="http://schemas.openxmlformats.org/drawingml/2006/main" xmlns:r="http://schemas.openxmlformats.org/officeDocument/2006/relationships" xmlns:p="http://schemas.openxmlformats.org/presentationml/2006/main" showMasterSp="0" showMasterPhAnim="0">
+  <p:cSld>
+    <p:spTree>
+      <p:nvGrpSpPr>
+        <p:cNvPr id="1" name="Shape 84"/>
+        <p:cNvGrpSpPr/>
+        <p:nvPr/>
+      </p:nvGrpSpPr>
+      <p:grpSpPr>
+        <a:xfrm>
+          <a:off x="0" y="0"/>
+          <a:ext cx="0" cy="0"/>
+          <a:chOff x="0" y="0"/>
+          <a:chExt cx="0" cy="0"/>
+        </a:xfrm>
+      </p:grpSpPr>
+      <p:sp>
+        <p:nvSpPr>
+          <p:cNvPr id="85" name="Google Shape;85;g1ab98980ae0_0_1:notes"/>
+          <p:cNvSpPr>
+            <a:spLocks noGrp="1" noRot="1" noChangeAspect="1"/>
+          </p:cNvSpPr>
+          <p:nvPr>
+            <p:ph type="sldImg" idx="2"/>
+          </p:nvPr>
+        </p:nvSpPr>
+        <p:spPr>
+          <a:xfrm>
+            <a:off x="381000" y="685800"/>
+            <a:ext cx="6096000" cy="3429000"/>
+          </a:xfrm>
+          <a:custGeom>
+            <a:avLst/>
+            <a:gdLst/>
+            <a:ahLst/>
+            <a:cxnLst/>
+            <a:rect l="l" t="t" r="r" b="b"/>
+            <a:pathLst>
+              <a:path w="120000" h="120000" extrusionOk="0">
+                <a:moveTo>
+                  <a:pt x="0" y="0"/>
+                </a:moveTo>
+                <a:lnTo>
+                  <a:pt x="120000" y="0"/>
+                </a:lnTo>
+                <a:lnTo>
+                  <a:pt x="120000" y="120000"/>
+                </a:lnTo>
+                <a:lnTo>
+                  <a:pt x="0" y="120000"/>
+                </a:lnTo>
+                <a:close/>
+              </a:path>
+            </a:pathLst>
+          </a:custGeom>
+        </p:spPr>
+      </p:sp>
+      <p:sp>
+        <p:nvSpPr>
+          <p:cNvPr id="86" name="Google Shape;86;g1ab98980ae0_0_1:notes"/>
+          <p:cNvSpPr txBox="1">
+            <a:spLocks noGrp="1"/>
+          </p:cNvSpPr>
+          <p:nvPr>
+            <p:ph type="body" idx="1"/>
+          </p:nvPr>
+        </p:nvSpPr>
+        <p:spPr>
+          <a:xfrm>
+            <a:off x="685800" y="4343400"/>
+            <a:ext cx="5486400" cy="4114800"/>
+          </a:xfrm>
+          <a:prstGeom prst="rect">
+            <a:avLst/>
+          </a:prstGeom>
+        </p:spPr>
+        <p:txBody>
+          <a:bodyPr spcFirstLastPara="1" wrap="square" lIns="91425" tIns="91425" rIns="91425" bIns="91425" anchor="t" anchorCtr="0">
+            <a:noAutofit/>
+          </a:bodyPr>
+          <a:lstStyle/>
+          <a:p>
+            <a:pPr marL="0" lvl="0" indent="0" algn="l" rtl="0">
+              <a:spcBef>
+                <a:spcPts val="0"/>
+              </a:spcBef>
+              <a:spcAft>
+                <a:spcPts val="0"/>
+              </a:spcAft>
+              <a:buNone/>
+            </a:pPr>
+            <a:endParaRPr/>
+          </a:p>
+        </p:txBody>
+      </p:sp>
+    </p:spTree>
+    <p:extLst>
+      <p:ext uri="{BB962C8B-B14F-4D97-AF65-F5344CB8AC3E}">
+        <p14:creationId xmlns:p14="http://schemas.microsoft.com/office/powerpoint/2010/main" val="1567306488"/>
+      </p:ext>
+    </p:extLst>
+  </p:cSld>
+  <p:clrMapOvr>
+    <a:masterClrMapping/>
+  </p:clrMapOvr>
+</p:notes>
+</file>
+
+<file path=ppt/notesSlides/notesSlide23.xml><?xml version="1.0" encoding="utf-8"?>
+<p:notes xmlns:a="http://schemas.openxmlformats.org/drawingml/2006/main" xmlns:r="http://schemas.openxmlformats.org/officeDocument/2006/relationships" xmlns:p="http://schemas.openxmlformats.org/presentationml/2006/main" showMasterSp="0" showMasterPhAnim="0">
+  <p:cSld>
+    <p:spTree>
+      <p:nvGrpSpPr>
+        <p:cNvPr id="1" name="Shape 68"/>
+        <p:cNvGrpSpPr/>
+        <p:nvPr/>
+      </p:nvGrpSpPr>
+      <p:grpSpPr>
+        <a:xfrm>
+          <a:off x="0" y="0"/>
+          <a:ext cx="0" cy="0"/>
+          <a:chOff x="0" y="0"/>
+          <a:chExt cx="0" cy="0"/>
+        </a:xfrm>
+      </p:grpSpPr>
+      <p:sp>
+        <p:nvSpPr>
+          <p:cNvPr id="69" name="Google Shape;69;gc6f980f91_0_122:notes"/>
+          <p:cNvSpPr>
+            <a:spLocks noGrp="1" noRot="1" noChangeAspect="1"/>
+          </p:cNvSpPr>
+          <p:nvPr>
+            <p:ph type="sldImg" idx="2"/>
+          </p:nvPr>
+        </p:nvSpPr>
+        <p:spPr>
+          <a:xfrm>
+            <a:off x="381000" y="685800"/>
+            <a:ext cx="6096000" cy="3429000"/>
+          </a:xfrm>
+          <a:custGeom>
+            <a:avLst/>
+            <a:gdLst/>
+            <a:ahLst/>
+            <a:cxnLst/>
+            <a:rect l="l" t="t" r="r" b="b"/>
+            <a:pathLst>
+              <a:path w="120000" h="120000" extrusionOk="0">
+                <a:moveTo>
+                  <a:pt x="0" y="0"/>
+                </a:moveTo>
+                <a:lnTo>
+                  <a:pt x="120000" y="0"/>
+                </a:lnTo>
+                <a:lnTo>
+                  <a:pt x="120000" y="120000"/>
+                </a:lnTo>
+                <a:lnTo>
+                  <a:pt x="0" y="120000"/>
+                </a:lnTo>
+                <a:close/>
+              </a:path>
+            </a:pathLst>
+          </a:custGeom>
+        </p:spPr>
+      </p:sp>
+      <p:sp>
+        <p:nvSpPr>
+          <p:cNvPr id="70" name="Google Shape;70;gc6f980f91_0_122:notes"/>
+          <p:cNvSpPr txBox="1">
+            <a:spLocks noGrp="1"/>
+          </p:cNvSpPr>
+          <p:nvPr>
+            <p:ph type="body" idx="1"/>
+          </p:nvPr>
+        </p:nvSpPr>
+        <p:spPr>
+          <a:xfrm>
+            <a:off x="685800" y="4343400"/>
+            <a:ext cx="5486400" cy="4114800"/>
+          </a:xfrm>
+          <a:prstGeom prst="rect">
+            <a:avLst/>
+          </a:prstGeom>
+        </p:spPr>
+        <p:txBody>
+          <a:bodyPr spcFirstLastPara="1" wrap="square" lIns="91425" tIns="91425" rIns="91425" bIns="91425" anchor="t" anchorCtr="0">
+            <a:noAutofit/>
+          </a:bodyPr>
+          <a:lstStyle/>
+          <a:p>
+            <a:pPr marL="0" lvl="0" indent="0" algn="l" rtl="0">
+              <a:spcBef>
+                <a:spcPts val="0"/>
+              </a:spcBef>
+              <a:spcAft>
+                <a:spcPts val="0"/>
+              </a:spcAft>
+              <a:buNone/>
+            </a:pPr>
+            <a:endParaRPr/>
+          </a:p>
+        </p:txBody>
+      </p:sp>
+    </p:spTree>
+    <p:extLst>
+      <p:ext uri="{BB962C8B-B14F-4D97-AF65-F5344CB8AC3E}">
+        <p14:creationId xmlns:p14="http://schemas.microsoft.com/office/powerpoint/2010/main" val="208456230"/>
+      </p:ext>
+    </p:extLst>
   </p:cSld>
   <p:clrMapOvr>
     <a:masterClrMapping/>
@@ -1998,7 +2881,7 @@
   <p:cSld>
     <p:spTree>
       <p:nvGrpSpPr>
-        <p:cNvPr id="1" name="Shape 128"/>
+        <p:cNvPr id="1" name="Shape 121"/>
         <p:cNvGrpSpPr/>
         <p:nvPr/>
       </p:nvGrpSpPr>
@@ -2012,7 +2895,7 @@
       </p:grpSpPr>
       <p:sp>
         <p:nvSpPr>
-          <p:cNvPr id="129" name="Google Shape;129;g1a06f3e7ccb_0_9:notes"/>
+          <p:cNvPr id="122" name="Google Shape;122;g1a06f3e7ccb_0_1:notes"/>
           <p:cNvSpPr>
             <a:spLocks noGrp="1" noRot="1" noChangeAspect="1"/>
           </p:cNvSpPr>
@@ -2022,8 +2905,8 @@
         </p:nvSpPr>
         <p:spPr>
           <a:xfrm>
-            <a:off x="381188" y="685800"/>
-            <a:ext cx="6096300" cy="3429000"/>
+            <a:off x="381000" y="685800"/>
+            <a:ext cx="6096000" cy="3429000"/>
           </a:xfrm>
           <a:custGeom>
             <a:avLst/>
@@ -2053,6 +2936,115 @@
       </p:sp>
       <p:sp>
         <p:nvSpPr>
+          <p:cNvPr id="123" name="Google Shape;123;g1a06f3e7ccb_0_1:notes"/>
+          <p:cNvSpPr txBox="1">
+            <a:spLocks noGrp="1"/>
+          </p:cNvSpPr>
+          <p:nvPr>
+            <p:ph type="body" idx="1"/>
+          </p:nvPr>
+        </p:nvSpPr>
+        <p:spPr>
+          <a:xfrm>
+            <a:off x="685800" y="4343400"/>
+            <a:ext cx="5486400" cy="4114800"/>
+          </a:xfrm>
+          <a:prstGeom prst="rect">
+            <a:avLst/>
+          </a:prstGeom>
+        </p:spPr>
+        <p:txBody>
+          <a:bodyPr spcFirstLastPara="1" wrap="square" lIns="91425" tIns="91425" rIns="91425" bIns="91425" anchor="t" anchorCtr="0">
+            <a:noAutofit/>
+          </a:bodyPr>
+          <a:lstStyle/>
+          <a:p>
+            <a:pPr marL="0" lvl="0" indent="0" algn="l" rtl="0">
+              <a:spcBef>
+                <a:spcPts val="0"/>
+              </a:spcBef>
+              <a:spcAft>
+                <a:spcPts val="0"/>
+              </a:spcAft>
+              <a:buNone/>
+            </a:pPr>
+            <a:endParaRPr/>
+          </a:p>
+        </p:txBody>
+      </p:sp>
+    </p:spTree>
+    <p:extLst>
+      <p:ext uri="{BB962C8B-B14F-4D97-AF65-F5344CB8AC3E}">
+        <p14:creationId xmlns:p14="http://schemas.microsoft.com/office/powerpoint/2010/main" val="1171630389"/>
+      </p:ext>
+    </p:extLst>
+  </p:cSld>
+  <p:clrMapOvr>
+    <a:masterClrMapping/>
+  </p:clrMapOvr>
+</p:notes>
+</file>
+
+<file path=ppt/notesSlides/notesSlide8.xml><?xml version="1.0" encoding="utf-8"?>
+<p:notes xmlns:a="http://schemas.openxmlformats.org/drawingml/2006/main" xmlns:r="http://schemas.openxmlformats.org/officeDocument/2006/relationships" xmlns:p="http://schemas.openxmlformats.org/presentationml/2006/main" showMasterSp="0" showMasterPhAnim="0">
+  <p:cSld>
+    <p:spTree>
+      <p:nvGrpSpPr>
+        <p:cNvPr id="1" name="Shape 128"/>
+        <p:cNvGrpSpPr/>
+        <p:nvPr/>
+      </p:nvGrpSpPr>
+      <p:grpSpPr>
+        <a:xfrm>
+          <a:off x="0" y="0"/>
+          <a:ext cx="0" cy="0"/>
+          <a:chOff x="0" y="0"/>
+          <a:chExt cx="0" cy="0"/>
+        </a:xfrm>
+      </p:grpSpPr>
+      <p:sp>
+        <p:nvSpPr>
+          <p:cNvPr id="129" name="Google Shape;129;g1a06f3e7ccb_0_9:notes"/>
+          <p:cNvSpPr>
+            <a:spLocks noGrp="1" noRot="1" noChangeAspect="1"/>
+          </p:cNvSpPr>
+          <p:nvPr>
+            <p:ph type="sldImg" idx="2"/>
+          </p:nvPr>
+        </p:nvSpPr>
+        <p:spPr>
+          <a:xfrm>
+            <a:off x="381188" y="685800"/>
+            <a:ext cx="6096300" cy="3429000"/>
+          </a:xfrm>
+          <a:custGeom>
+            <a:avLst/>
+            <a:gdLst/>
+            <a:ahLst/>
+            <a:cxnLst/>
+            <a:rect l="l" t="t" r="r" b="b"/>
+            <a:pathLst>
+              <a:path w="120000" h="120000" extrusionOk="0">
+                <a:moveTo>
+                  <a:pt x="0" y="0"/>
+                </a:moveTo>
+                <a:lnTo>
+                  <a:pt x="120000" y="0"/>
+                </a:lnTo>
+                <a:lnTo>
+                  <a:pt x="120000" y="120000"/>
+                </a:lnTo>
+                <a:lnTo>
+                  <a:pt x="0" y="120000"/>
+                </a:lnTo>
+                <a:close/>
+              </a:path>
+            </a:pathLst>
+          </a:custGeom>
+        </p:spPr>
+      </p:sp>
+      <p:sp>
+        <p:nvSpPr>
           <p:cNvPr id="130" name="Google Shape;130;g1a06f3e7ccb_0_9:notes"/>
           <p:cNvSpPr txBox="1">
             <a:spLocks noGrp="1"/>
@@ -2097,7 +3089,7 @@
 </p:notes>
 </file>
 
-<file path=ppt/notesSlides/notesSlide8.xml><?xml version="1.0" encoding="utf-8"?>
+<file path=ppt/notesSlides/notesSlide9.xml><?xml version="1.0" encoding="utf-8"?>
 <p:notes xmlns:a="http://schemas.openxmlformats.org/drawingml/2006/main" xmlns:r="http://schemas.openxmlformats.org/officeDocument/2006/relationships" xmlns:p="http://schemas.openxmlformats.org/presentationml/2006/main" showMasterSp="0" showMasterPhAnim="0">
   <p:cSld>
     <p:spTree>
@@ -2158,110 +3150,6 @@
       <p:sp>
         <p:nvSpPr>
           <p:cNvPr id="137" name="Google Shape;137;g1a06f3e7ccb_0_17:notes"/>
-          <p:cNvSpPr txBox="1">
-            <a:spLocks noGrp="1"/>
-          </p:cNvSpPr>
-          <p:nvPr>
-            <p:ph type="body" idx="1"/>
-          </p:nvPr>
-        </p:nvSpPr>
-        <p:spPr>
-          <a:xfrm>
-            <a:off x="685800" y="4343400"/>
-            <a:ext cx="5486400" cy="4114800"/>
-          </a:xfrm>
-          <a:prstGeom prst="rect">
-            <a:avLst/>
-          </a:prstGeom>
-        </p:spPr>
-        <p:txBody>
-          <a:bodyPr spcFirstLastPara="1" wrap="square" lIns="91425" tIns="91425" rIns="91425" bIns="91425" anchor="t" anchorCtr="0">
-            <a:noAutofit/>
-          </a:bodyPr>
-          <a:lstStyle/>
-          <a:p>
-            <a:pPr marL="0" lvl="0" indent="0" algn="l" rtl="0">
-              <a:spcBef>
-                <a:spcPts val="0"/>
-              </a:spcBef>
-              <a:spcAft>
-                <a:spcPts val="0"/>
-              </a:spcAft>
-              <a:buNone/>
-            </a:pPr>
-            <a:endParaRPr/>
-          </a:p>
-        </p:txBody>
-      </p:sp>
-    </p:spTree>
-  </p:cSld>
-  <p:clrMapOvr>
-    <a:masterClrMapping/>
-  </p:clrMapOvr>
-</p:notes>
-</file>
-
-<file path=ppt/notesSlides/notesSlide9.xml><?xml version="1.0" encoding="utf-8"?>
-<p:notes xmlns:a="http://schemas.openxmlformats.org/drawingml/2006/main" xmlns:r="http://schemas.openxmlformats.org/officeDocument/2006/relationships" xmlns:p="http://schemas.openxmlformats.org/presentationml/2006/main" showMasterSp="0" showMasterPhAnim="0">
-  <p:cSld>
-    <p:spTree>
-      <p:nvGrpSpPr>
-        <p:cNvPr id="1" name="Shape 142"/>
-        <p:cNvGrpSpPr/>
-        <p:nvPr/>
-      </p:nvGrpSpPr>
-      <p:grpSpPr>
-        <a:xfrm>
-          <a:off x="0" y="0"/>
-          <a:ext cx="0" cy="0"/>
-          <a:chOff x="0" y="0"/>
-          <a:chExt cx="0" cy="0"/>
-        </a:xfrm>
-      </p:grpSpPr>
-      <p:sp>
-        <p:nvSpPr>
-          <p:cNvPr id="143" name="Google Shape;143;g1ab98980ae0_0_994:notes"/>
-          <p:cNvSpPr>
-            <a:spLocks noGrp="1" noRot="1" noChangeAspect="1"/>
-          </p:cNvSpPr>
-          <p:nvPr>
-            <p:ph type="sldImg" idx="2"/>
-          </p:nvPr>
-        </p:nvSpPr>
-        <p:spPr>
-          <a:xfrm>
-            <a:off x="381188" y="685800"/>
-            <a:ext cx="6096300" cy="3429000"/>
-          </a:xfrm>
-          <a:custGeom>
-            <a:avLst/>
-            <a:gdLst/>
-            <a:ahLst/>
-            <a:cxnLst/>
-            <a:rect l="l" t="t" r="r" b="b"/>
-            <a:pathLst>
-              <a:path w="120000" h="120000" extrusionOk="0">
-                <a:moveTo>
-                  <a:pt x="0" y="0"/>
-                </a:moveTo>
-                <a:lnTo>
-                  <a:pt x="120000" y="0"/>
-                </a:lnTo>
-                <a:lnTo>
-                  <a:pt x="120000" y="120000"/>
-                </a:lnTo>
-                <a:lnTo>
-                  <a:pt x="0" y="120000"/>
-                </a:lnTo>
-                <a:close/>
-              </a:path>
-            </a:pathLst>
-          </a:custGeom>
-        </p:spPr>
-      </p:sp>
-      <p:sp>
-        <p:nvSpPr>
-          <p:cNvPr id="144" name="Google Shape;144;g1ab98980ae0_0_994:notes"/>
           <p:cNvSpPr txBox="1">
             <a:spLocks noGrp="1"/>
           </p:cNvSpPr>
@@ -8430,10 +9318,10 @@
               <a:buNone/>
             </a:pPr>
             <a:r>
-              <a:rPr lang="en"/>
-              <a:t>NYC 311 Service Requests in the 2020 Pandemic</a:t>
+              <a:rPr lang="en" dirty="0"/>
+              <a:t>NYC 311 Service Requests During the 2020 Pandemic</a:t>
             </a:r>
-            <a:endParaRPr/>
+            <a:endParaRPr dirty="0"/>
           </a:p>
         </p:txBody>
       </p:sp>
@@ -8488,6 +9376,805 @@
 </file>
 
 <file path=ppt/slides/slide10.xml><?xml version="1.0" encoding="utf-8"?>
+<p:sld xmlns:a="http://schemas.openxmlformats.org/drawingml/2006/main" xmlns:r="http://schemas.openxmlformats.org/officeDocument/2006/relationships" xmlns:p="http://schemas.openxmlformats.org/presentationml/2006/main">
+  <p:cSld>
+    <p:spTree>
+      <p:nvGrpSpPr>
+        <p:cNvPr id="1" name="Shape 145"/>
+        <p:cNvGrpSpPr/>
+        <p:nvPr/>
+      </p:nvGrpSpPr>
+      <p:grpSpPr>
+        <a:xfrm>
+          <a:off x="0" y="0"/>
+          <a:ext cx="0" cy="0"/>
+          <a:chOff x="0" y="0"/>
+          <a:chExt cx="0" cy="0"/>
+        </a:xfrm>
+      </p:grpSpPr>
+      <p:sp>
+        <p:nvSpPr>
+          <p:cNvPr id="146" name="Google Shape;146;p22"/>
+          <p:cNvSpPr txBox="1">
+            <a:spLocks noGrp="1"/>
+          </p:cNvSpPr>
+          <p:nvPr>
+            <p:ph type="title"/>
+          </p:nvPr>
+        </p:nvSpPr>
+        <p:spPr>
+          <a:xfrm>
+            <a:off x="311700" y="445025"/>
+            <a:ext cx="8520600" cy="572700"/>
+          </a:xfrm>
+          <a:prstGeom prst="rect">
+            <a:avLst/>
+          </a:prstGeom>
+        </p:spPr>
+        <p:txBody>
+          <a:bodyPr spcFirstLastPara="1" wrap="square" lIns="91425" tIns="91425" rIns="91425" bIns="91425" anchor="t" anchorCtr="0">
+            <a:noAutofit/>
+          </a:bodyPr>
+          <a:lstStyle/>
+          <a:p>
+            <a:pPr marL="0" lvl="0" indent="0" algn="l" rtl="0">
+              <a:spcBef>
+                <a:spcPts val="0"/>
+              </a:spcBef>
+              <a:spcAft>
+                <a:spcPts val="0"/>
+              </a:spcAft>
+              <a:buNone/>
+            </a:pPr>
+            <a:r>
+              <a:rPr lang="en"/>
+              <a:t>Data Pipeline</a:t>
+            </a:r>
+            <a:endParaRPr/>
+          </a:p>
+        </p:txBody>
+      </p:sp>
+      <p:sp>
+        <p:nvSpPr>
+          <p:cNvPr id="147" name="Google Shape;147;p22"/>
+          <p:cNvSpPr txBox="1">
+            <a:spLocks noGrp="1"/>
+          </p:cNvSpPr>
+          <p:nvPr>
+            <p:ph type="body" idx="1"/>
+          </p:nvPr>
+        </p:nvSpPr>
+        <p:spPr>
+          <a:xfrm>
+            <a:off x="311700" y="1142600"/>
+            <a:ext cx="8590200" cy="3416400"/>
+          </a:xfrm>
+          <a:prstGeom prst="rect">
+            <a:avLst/>
+          </a:prstGeom>
+        </p:spPr>
+        <p:txBody>
+          <a:bodyPr spcFirstLastPara="1" wrap="square" lIns="91425" tIns="91425" rIns="91425" bIns="91425" anchor="t" anchorCtr="0">
+            <a:noAutofit/>
+          </a:bodyPr>
+          <a:lstStyle/>
+          <a:p>
+            <a:pPr marL="457200" lvl="0" indent="0" algn="l" rtl="0">
+              <a:spcBef>
+                <a:spcPts val="0"/>
+              </a:spcBef>
+              <a:spcAft>
+                <a:spcPts val="0"/>
+              </a:spcAft>
+              <a:buNone/>
+            </a:pPr>
+            <a:endParaRPr sz="2100"/>
+          </a:p>
+          <a:p>
+            <a:pPr marL="0" lvl="0" indent="0" algn="l" rtl="0">
+              <a:spcBef>
+                <a:spcPts val="1600"/>
+              </a:spcBef>
+              <a:spcAft>
+                <a:spcPts val="1600"/>
+              </a:spcAft>
+              <a:buNone/>
+            </a:pPr>
+            <a:endParaRPr/>
+          </a:p>
+        </p:txBody>
+      </p:sp>
+      <p:sp>
+        <p:nvSpPr>
+          <p:cNvPr id="148" name="Google Shape;148;p22"/>
+          <p:cNvSpPr/>
+          <p:nvPr/>
+        </p:nvSpPr>
+        <p:spPr>
+          <a:xfrm>
+            <a:off x="404300" y="1317700"/>
+            <a:ext cx="1624644" cy="1137996"/>
+          </a:xfrm>
+          <a:prstGeom prst="cloud">
+            <a:avLst/>
+          </a:prstGeom>
+          <a:solidFill>
+            <a:schemeClr val="lt2"/>
+          </a:solidFill>
+          <a:ln w="9525" cap="flat" cmpd="sng">
+            <a:solidFill>
+              <a:schemeClr val="dk2"/>
+            </a:solidFill>
+            <a:prstDash val="solid"/>
+            <a:round/>
+            <a:headEnd type="none" w="sm" len="sm"/>
+            <a:tailEnd type="none" w="sm" len="sm"/>
+          </a:ln>
+        </p:spPr>
+        <p:txBody>
+          <a:bodyPr spcFirstLastPara="1" wrap="square" lIns="91425" tIns="91425" rIns="91425" bIns="91425" anchor="ctr" anchorCtr="0">
+            <a:noAutofit/>
+          </a:bodyPr>
+          <a:lstStyle/>
+          <a:p>
+            <a:pPr marL="0" lvl="0" indent="0" algn="ctr" rtl="0">
+              <a:spcBef>
+                <a:spcPts val="0"/>
+              </a:spcBef>
+              <a:spcAft>
+                <a:spcPts val="0"/>
+              </a:spcAft>
+              <a:buNone/>
+            </a:pPr>
+            <a:r>
+              <a:rPr lang="en"/>
+              <a:t>NYC OpenData</a:t>
+            </a:r>
+            <a:endParaRPr/>
+          </a:p>
+        </p:txBody>
+      </p:sp>
+      <p:sp>
+        <p:nvSpPr>
+          <p:cNvPr id="149" name="Google Shape;149;p22"/>
+          <p:cNvSpPr/>
+          <p:nvPr/>
+        </p:nvSpPr>
+        <p:spPr>
+          <a:xfrm>
+            <a:off x="2073875" y="1849275"/>
+            <a:ext cx="435600" cy="209700"/>
+          </a:xfrm>
+          <a:prstGeom prst="rightArrow">
+            <a:avLst>
+              <a:gd name="adj1" fmla="val 50000"/>
+              <a:gd name="adj2" fmla="val 50000"/>
+            </a:avLst>
+          </a:prstGeom>
+          <a:solidFill>
+            <a:schemeClr val="lt2"/>
+          </a:solidFill>
+          <a:ln w="9525" cap="flat" cmpd="sng">
+            <a:solidFill>
+              <a:schemeClr val="dk2"/>
+            </a:solidFill>
+            <a:prstDash val="solid"/>
+            <a:round/>
+            <a:headEnd type="none" w="sm" len="sm"/>
+            <a:tailEnd type="none" w="sm" len="sm"/>
+          </a:ln>
+        </p:spPr>
+        <p:txBody>
+          <a:bodyPr spcFirstLastPara="1" wrap="square" lIns="91425" tIns="91425" rIns="91425" bIns="91425" anchor="ctr" anchorCtr="0">
+            <a:noAutofit/>
+          </a:bodyPr>
+          <a:lstStyle/>
+          <a:p>
+            <a:pPr marL="0" lvl="0" indent="0" algn="l" rtl="0">
+              <a:spcBef>
+                <a:spcPts val="0"/>
+              </a:spcBef>
+              <a:spcAft>
+                <a:spcPts val="0"/>
+              </a:spcAft>
+              <a:buNone/>
+            </a:pPr>
+            <a:endParaRPr/>
+          </a:p>
+        </p:txBody>
+      </p:sp>
+      <p:sp>
+        <p:nvSpPr>
+          <p:cNvPr id="150" name="Google Shape;150;p22"/>
+          <p:cNvSpPr/>
+          <p:nvPr/>
+        </p:nvSpPr>
+        <p:spPr>
+          <a:xfrm>
+            <a:off x="2601475" y="1437525"/>
+            <a:ext cx="1108200" cy="1033200"/>
+          </a:xfrm>
+          <a:prstGeom prst="wave">
+            <a:avLst>
+              <a:gd name="adj1" fmla="val 12500"/>
+              <a:gd name="adj2" fmla="val 0"/>
+            </a:avLst>
+          </a:prstGeom>
+          <a:solidFill>
+            <a:schemeClr val="lt2"/>
+          </a:solidFill>
+          <a:ln w="9525" cap="flat" cmpd="sng">
+            <a:solidFill>
+              <a:schemeClr val="dk2"/>
+            </a:solidFill>
+            <a:prstDash val="solid"/>
+            <a:round/>
+            <a:headEnd type="none" w="sm" len="sm"/>
+            <a:tailEnd type="none" w="sm" len="sm"/>
+          </a:ln>
+        </p:spPr>
+        <p:txBody>
+          <a:bodyPr spcFirstLastPara="1" wrap="square" lIns="91425" tIns="91425" rIns="91425" bIns="91425" anchor="ctr" anchorCtr="0">
+            <a:noAutofit/>
+          </a:bodyPr>
+          <a:lstStyle/>
+          <a:p>
+            <a:pPr marL="0" lvl="0" indent="0" algn="ctr" rtl="0">
+              <a:spcBef>
+                <a:spcPts val="0"/>
+              </a:spcBef>
+              <a:spcAft>
+                <a:spcPts val="0"/>
+              </a:spcAft>
+              <a:buNone/>
+            </a:pPr>
+            <a:r>
+              <a:rPr lang="en"/>
+              <a:t>JSON</a:t>
+            </a:r>
+            <a:endParaRPr/>
+          </a:p>
+        </p:txBody>
+      </p:sp>
+      <p:sp>
+        <p:nvSpPr>
+          <p:cNvPr id="151" name="Google Shape;151;p22"/>
+          <p:cNvSpPr/>
+          <p:nvPr/>
+        </p:nvSpPr>
+        <p:spPr>
+          <a:xfrm>
+            <a:off x="4425525" y="1385125"/>
+            <a:ext cx="1748740" cy="1138000"/>
+          </a:xfrm>
+          <a:prstGeom prst="flowChartPredefinedProcess">
+            <a:avLst/>
+          </a:prstGeom>
+          <a:solidFill>
+            <a:schemeClr val="lt2"/>
+          </a:solidFill>
+          <a:ln w="9525" cap="flat" cmpd="sng">
+            <a:solidFill>
+              <a:schemeClr val="dk2"/>
+            </a:solidFill>
+            <a:prstDash val="solid"/>
+            <a:round/>
+            <a:headEnd type="none" w="sm" len="sm"/>
+            <a:tailEnd type="none" w="sm" len="sm"/>
+          </a:ln>
+        </p:spPr>
+        <p:txBody>
+          <a:bodyPr spcFirstLastPara="1" wrap="square" lIns="91425" tIns="91425" rIns="91425" bIns="91425" anchor="ctr" anchorCtr="0">
+            <a:noAutofit/>
+          </a:bodyPr>
+          <a:lstStyle/>
+          <a:p>
+            <a:pPr marL="0" lvl="0" indent="0" algn="ctr" rtl="0">
+              <a:spcBef>
+                <a:spcPts val="0"/>
+              </a:spcBef>
+              <a:spcAft>
+                <a:spcPts val="0"/>
+              </a:spcAft>
+              <a:buNone/>
+            </a:pPr>
+            <a:r>
+              <a:rPr lang="en"/>
+              <a:t>Data Cleaning</a:t>
+            </a:r>
+            <a:endParaRPr/>
+          </a:p>
+        </p:txBody>
+      </p:sp>
+      <p:sp>
+        <p:nvSpPr>
+          <p:cNvPr id="152" name="Google Shape;152;p22"/>
+          <p:cNvSpPr/>
+          <p:nvPr/>
+        </p:nvSpPr>
+        <p:spPr>
+          <a:xfrm>
+            <a:off x="6890135" y="1385125"/>
+            <a:ext cx="1748740" cy="1138000"/>
+          </a:xfrm>
+          <a:prstGeom prst="flowChartPredefinedProcess">
+            <a:avLst/>
+          </a:prstGeom>
+          <a:solidFill>
+            <a:schemeClr val="lt2"/>
+          </a:solidFill>
+          <a:ln w="9525" cap="flat" cmpd="sng">
+            <a:solidFill>
+              <a:schemeClr val="dk2"/>
+            </a:solidFill>
+            <a:prstDash val="solid"/>
+            <a:round/>
+            <a:headEnd type="none" w="sm" len="sm"/>
+            <a:tailEnd type="none" w="sm" len="sm"/>
+          </a:ln>
+        </p:spPr>
+        <p:txBody>
+          <a:bodyPr spcFirstLastPara="1" wrap="square" lIns="91425" tIns="91425" rIns="91425" bIns="91425" anchor="ctr" anchorCtr="0">
+            <a:noAutofit/>
+          </a:bodyPr>
+          <a:lstStyle/>
+          <a:p>
+            <a:pPr marL="0" lvl="0" indent="0" algn="ctr" rtl="0">
+              <a:spcBef>
+                <a:spcPts val="0"/>
+              </a:spcBef>
+              <a:spcAft>
+                <a:spcPts val="0"/>
+              </a:spcAft>
+              <a:buNone/>
+            </a:pPr>
+            <a:r>
+              <a:rPr lang="en"/>
+              <a:t>Data Analysis</a:t>
+            </a:r>
+            <a:endParaRPr/>
+          </a:p>
+        </p:txBody>
+      </p:sp>
+      <p:sp>
+        <p:nvSpPr>
+          <p:cNvPr id="153" name="Google Shape;153;p22"/>
+          <p:cNvSpPr/>
+          <p:nvPr/>
+        </p:nvSpPr>
+        <p:spPr>
+          <a:xfrm>
+            <a:off x="6314400" y="1849275"/>
+            <a:ext cx="435600" cy="209700"/>
+          </a:xfrm>
+          <a:prstGeom prst="rightArrow">
+            <a:avLst>
+              <a:gd name="adj1" fmla="val 50000"/>
+              <a:gd name="adj2" fmla="val 50000"/>
+            </a:avLst>
+          </a:prstGeom>
+          <a:solidFill>
+            <a:schemeClr val="lt2"/>
+          </a:solidFill>
+          <a:ln w="9525" cap="flat" cmpd="sng">
+            <a:solidFill>
+              <a:schemeClr val="dk2"/>
+            </a:solidFill>
+            <a:prstDash val="solid"/>
+            <a:round/>
+            <a:headEnd type="none" w="sm" len="sm"/>
+            <a:tailEnd type="none" w="sm" len="sm"/>
+          </a:ln>
+        </p:spPr>
+        <p:txBody>
+          <a:bodyPr spcFirstLastPara="1" wrap="square" lIns="91425" tIns="91425" rIns="91425" bIns="91425" anchor="ctr" anchorCtr="0">
+            <a:noAutofit/>
+          </a:bodyPr>
+          <a:lstStyle/>
+          <a:p>
+            <a:pPr marL="0" lvl="0" indent="0" algn="l" rtl="0">
+              <a:spcBef>
+                <a:spcPts val="0"/>
+              </a:spcBef>
+              <a:spcAft>
+                <a:spcPts val="0"/>
+              </a:spcAft>
+              <a:buNone/>
+            </a:pPr>
+            <a:endParaRPr/>
+          </a:p>
+        </p:txBody>
+      </p:sp>
+      <p:sp>
+        <p:nvSpPr>
+          <p:cNvPr id="154" name="Google Shape;154;p22"/>
+          <p:cNvSpPr/>
+          <p:nvPr/>
+        </p:nvSpPr>
+        <p:spPr>
+          <a:xfrm>
+            <a:off x="3849800" y="1849275"/>
+            <a:ext cx="435600" cy="209700"/>
+          </a:xfrm>
+          <a:prstGeom prst="rightArrow">
+            <a:avLst>
+              <a:gd name="adj1" fmla="val 50000"/>
+              <a:gd name="adj2" fmla="val 50000"/>
+            </a:avLst>
+          </a:prstGeom>
+          <a:solidFill>
+            <a:schemeClr val="lt2"/>
+          </a:solidFill>
+          <a:ln w="9525" cap="flat" cmpd="sng">
+            <a:solidFill>
+              <a:schemeClr val="dk2"/>
+            </a:solidFill>
+            <a:prstDash val="solid"/>
+            <a:round/>
+            <a:headEnd type="none" w="sm" len="sm"/>
+            <a:tailEnd type="none" w="sm" len="sm"/>
+          </a:ln>
+        </p:spPr>
+        <p:txBody>
+          <a:bodyPr spcFirstLastPara="1" wrap="square" lIns="91425" tIns="91425" rIns="91425" bIns="91425" anchor="ctr" anchorCtr="0">
+            <a:noAutofit/>
+          </a:bodyPr>
+          <a:lstStyle/>
+          <a:p>
+            <a:pPr marL="0" lvl="0" indent="0" algn="l" rtl="0">
+              <a:spcBef>
+                <a:spcPts val="0"/>
+              </a:spcBef>
+              <a:spcAft>
+                <a:spcPts val="0"/>
+              </a:spcAft>
+              <a:buNone/>
+            </a:pPr>
+            <a:endParaRPr/>
+          </a:p>
+        </p:txBody>
+      </p:sp>
+      <p:sp>
+        <p:nvSpPr>
+          <p:cNvPr id="155" name="Google Shape;155;p22"/>
+          <p:cNvSpPr txBox="1"/>
+          <p:nvPr/>
+        </p:nvSpPr>
+        <p:spPr>
+          <a:xfrm>
+            <a:off x="602725" y="2746400"/>
+            <a:ext cx="1471200" cy="400200"/>
+          </a:xfrm>
+          <a:prstGeom prst="rect">
+            <a:avLst/>
+          </a:prstGeom>
+          <a:noFill/>
+          <a:ln>
+            <a:noFill/>
+          </a:ln>
+        </p:spPr>
+        <p:txBody>
+          <a:bodyPr spcFirstLastPara="1" wrap="square" lIns="91425" tIns="91425" rIns="91425" bIns="91425" anchor="t" anchorCtr="0">
+            <a:spAutoFit/>
+          </a:bodyPr>
+          <a:lstStyle/>
+          <a:p>
+            <a:pPr marL="0" lvl="0" indent="0" algn="l" rtl="0">
+              <a:spcBef>
+                <a:spcPts val="0"/>
+              </a:spcBef>
+              <a:spcAft>
+                <a:spcPts val="0"/>
+              </a:spcAft>
+              <a:buNone/>
+            </a:pPr>
+            <a:r>
+              <a:rPr lang="en">
+                <a:solidFill>
+                  <a:schemeClr val="dk1"/>
+                </a:solidFill>
+                <a:latin typeface="Average"/>
+                <a:ea typeface="Average"/>
+                <a:cs typeface="Average"/>
+                <a:sym typeface="Average"/>
+              </a:rPr>
+              <a:t>Website API</a:t>
+            </a:r>
+            <a:endParaRPr>
+              <a:solidFill>
+                <a:schemeClr val="dk1"/>
+              </a:solidFill>
+              <a:latin typeface="Average"/>
+              <a:ea typeface="Average"/>
+              <a:cs typeface="Average"/>
+              <a:sym typeface="Average"/>
+            </a:endParaRPr>
+          </a:p>
+        </p:txBody>
+      </p:sp>
+      <p:sp>
+        <p:nvSpPr>
+          <p:cNvPr id="156" name="Google Shape;156;p22"/>
+          <p:cNvSpPr txBox="1"/>
+          <p:nvPr/>
+        </p:nvSpPr>
+        <p:spPr>
+          <a:xfrm>
+            <a:off x="2419975" y="2746400"/>
+            <a:ext cx="1865400" cy="1046700"/>
+          </a:xfrm>
+          <a:prstGeom prst="rect">
+            <a:avLst/>
+          </a:prstGeom>
+          <a:noFill/>
+          <a:ln>
+            <a:noFill/>
+          </a:ln>
+        </p:spPr>
+        <p:txBody>
+          <a:bodyPr spcFirstLastPara="1" wrap="square" lIns="91425" tIns="91425" rIns="91425" bIns="91425" anchor="t" anchorCtr="0">
+            <a:spAutoFit/>
+          </a:bodyPr>
+          <a:lstStyle/>
+          <a:p>
+            <a:pPr marL="457200" lvl="0" indent="-317500" algn="l" rtl="0">
+              <a:spcBef>
+                <a:spcPts val="0"/>
+              </a:spcBef>
+              <a:spcAft>
+                <a:spcPts val="0"/>
+              </a:spcAft>
+              <a:buClr>
+                <a:schemeClr val="dk1"/>
+              </a:buClr>
+              <a:buSzPts val="1400"/>
+              <a:buFont typeface="Average"/>
+              <a:buChar char="●"/>
+            </a:pPr>
+            <a:r>
+              <a:rPr lang="en">
+                <a:solidFill>
+                  <a:schemeClr val="dk1"/>
+                </a:solidFill>
+                <a:latin typeface="Average"/>
+                <a:ea typeface="Average"/>
+                <a:cs typeface="Average"/>
+                <a:sym typeface="Average"/>
+              </a:rPr>
+              <a:t>Python GET requests</a:t>
+            </a:r>
+            <a:endParaRPr>
+              <a:solidFill>
+                <a:schemeClr val="dk1"/>
+              </a:solidFill>
+              <a:latin typeface="Average"/>
+              <a:ea typeface="Average"/>
+              <a:cs typeface="Average"/>
+              <a:sym typeface="Average"/>
+            </a:endParaRPr>
+          </a:p>
+          <a:p>
+            <a:pPr marL="457200" lvl="0" indent="-317500" algn="l" rtl="0">
+              <a:spcBef>
+                <a:spcPts val="0"/>
+              </a:spcBef>
+              <a:spcAft>
+                <a:spcPts val="0"/>
+              </a:spcAft>
+              <a:buClr>
+                <a:schemeClr val="dk1"/>
+              </a:buClr>
+              <a:buSzPts val="1400"/>
+              <a:buFont typeface="Average"/>
+              <a:buChar char="●"/>
+            </a:pPr>
+            <a:r>
+              <a:rPr lang="en">
+                <a:solidFill>
+                  <a:schemeClr val="dk1"/>
+                </a:solidFill>
+                <a:latin typeface="Average"/>
+                <a:ea typeface="Average"/>
+                <a:cs typeface="Average"/>
+                <a:sym typeface="Average"/>
+              </a:rPr>
+              <a:t>Filtered data</a:t>
+            </a:r>
+            <a:endParaRPr>
+              <a:solidFill>
+                <a:schemeClr val="dk1"/>
+              </a:solidFill>
+              <a:latin typeface="Average"/>
+              <a:ea typeface="Average"/>
+              <a:cs typeface="Average"/>
+              <a:sym typeface="Average"/>
+            </a:endParaRPr>
+          </a:p>
+          <a:p>
+            <a:pPr marL="457200" lvl="0" indent="-317500" algn="l" rtl="0">
+              <a:spcBef>
+                <a:spcPts val="0"/>
+              </a:spcBef>
+              <a:spcAft>
+                <a:spcPts val="0"/>
+              </a:spcAft>
+              <a:buClr>
+                <a:schemeClr val="dk1"/>
+              </a:buClr>
+              <a:buSzPts val="1400"/>
+              <a:buFont typeface="Average"/>
+              <a:buChar char="●"/>
+            </a:pPr>
+            <a:r>
+              <a:rPr lang="en">
+                <a:solidFill>
+                  <a:schemeClr val="dk1"/>
+                </a:solidFill>
+                <a:latin typeface="Average"/>
+                <a:ea typeface="Average"/>
+                <a:cs typeface="Average"/>
+                <a:sym typeface="Average"/>
+              </a:rPr>
+              <a:t>2 JSONs</a:t>
+            </a:r>
+            <a:endParaRPr>
+              <a:solidFill>
+                <a:schemeClr val="dk1"/>
+              </a:solidFill>
+              <a:latin typeface="Average"/>
+              <a:ea typeface="Average"/>
+              <a:cs typeface="Average"/>
+              <a:sym typeface="Average"/>
+            </a:endParaRPr>
+          </a:p>
+        </p:txBody>
+      </p:sp>
+      <p:sp>
+        <p:nvSpPr>
+          <p:cNvPr id="157" name="Google Shape;157;p22"/>
+          <p:cNvSpPr txBox="1"/>
+          <p:nvPr/>
+        </p:nvSpPr>
+        <p:spPr>
+          <a:xfrm>
+            <a:off x="4367200" y="2746400"/>
+            <a:ext cx="1865400" cy="1046700"/>
+          </a:xfrm>
+          <a:prstGeom prst="rect">
+            <a:avLst/>
+          </a:prstGeom>
+          <a:noFill/>
+          <a:ln>
+            <a:noFill/>
+          </a:ln>
+        </p:spPr>
+        <p:txBody>
+          <a:bodyPr spcFirstLastPara="1" wrap="square" lIns="91425" tIns="91425" rIns="91425" bIns="91425" anchor="t" anchorCtr="0">
+            <a:spAutoFit/>
+          </a:bodyPr>
+          <a:lstStyle/>
+          <a:p>
+            <a:pPr marL="457200" lvl="0" indent="-317500" algn="l" rtl="0">
+              <a:spcBef>
+                <a:spcPts val="0"/>
+              </a:spcBef>
+              <a:spcAft>
+                <a:spcPts val="0"/>
+              </a:spcAft>
+              <a:buClr>
+                <a:schemeClr val="dk1"/>
+              </a:buClr>
+              <a:buSzPts val="1400"/>
+              <a:buFont typeface="Average"/>
+              <a:buChar char="●"/>
+            </a:pPr>
+            <a:r>
+              <a:rPr lang="en">
+                <a:solidFill>
+                  <a:schemeClr val="dk1"/>
+                </a:solidFill>
+                <a:latin typeface="Average"/>
+                <a:ea typeface="Average"/>
+                <a:cs typeface="Average"/>
+                <a:sym typeface="Average"/>
+              </a:rPr>
+              <a:t>Drop columns</a:t>
+            </a:r>
+            <a:endParaRPr>
+              <a:solidFill>
+                <a:schemeClr val="dk1"/>
+              </a:solidFill>
+              <a:latin typeface="Average"/>
+              <a:ea typeface="Average"/>
+              <a:cs typeface="Average"/>
+              <a:sym typeface="Average"/>
+            </a:endParaRPr>
+          </a:p>
+          <a:p>
+            <a:pPr marL="457200" lvl="0" indent="-317500" algn="l" rtl="0">
+              <a:spcBef>
+                <a:spcPts val="0"/>
+              </a:spcBef>
+              <a:spcAft>
+                <a:spcPts val="0"/>
+              </a:spcAft>
+              <a:buClr>
+                <a:schemeClr val="dk1"/>
+              </a:buClr>
+              <a:buSzPts val="1400"/>
+              <a:buFont typeface="Average"/>
+              <a:buChar char="●"/>
+            </a:pPr>
+            <a:r>
+              <a:rPr lang="en">
+                <a:solidFill>
+                  <a:schemeClr val="dk1"/>
+                </a:solidFill>
+                <a:latin typeface="Average"/>
+                <a:ea typeface="Average"/>
+                <a:cs typeface="Average"/>
+                <a:sym typeface="Average"/>
+              </a:rPr>
+              <a:t>Remove NaN</a:t>
+            </a:r>
+            <a:endParaRPr>
+              <a:solidFill>
+                <a:schemeClr val="dk1"/>
+              </a:solidFill>
+              <a:latin typeface="Average"/>
+              <a:ea typeface="Average"/>
+              <a:cs typeface="Average"/>
+              <a:sym typeface="Average"/>
+            </a:endParaRPr>
+          </a:p>
+          <a:p>
+            <a:pPr marL="457200" lvl="0" indent="-317500" algn="l" rtl="0">
+              <a:spcBef>
+                <a:spcPts val="0"/>
+              </a:spcBef>
+              <a:spcAft>
+                <a:spcPts val="0"/>
+              </a:spcAft>
+              <a:buClr>
+                <a:schemeClr val="dk1"/>
+              </a:buClr>
+              <a:buSzPts val="1400"/>
+              <a:buFont typeface="Average"/>
+              <a:buChar char="●"/>
+            </a:pPr>
+            <a:r>
+              <a:rPr lang="en">
+                <a:solidFill>
+                  <a:schemeClr val="dk1"/>
+                </a:solidFill>
+                <a:latin typeface="Average"/>
+                <a:ea typeface="Average"/>
+                <a:cs typeface="Average"/>
+                <a:sym typeface="Average"/>
+              </a:rPr>
+              <a:t>Format data types</a:t>
+            </a:r>
+            <a:endParaRPr>
+              <a:solidFill>
+                <a:schemeClr val="dk1"/>
+              </a:solidFill>
+              <a:latin typeface="Average"/>
+              <a:ea typeface="Average"/>
+              <a:cs typeface="Average"/>
+              <a:sym typeface="Average"/>
+            </a:endParaRPr>
+          </a:p>
+        </p:txBody>
+      </p:sp>
+    </p:spTree>
+  </p:cSld>
+  <p:clrMapOvr>
+    <a:masterClrMapping/>
+  </p:clrMapOvr>
+</p:sld>
+</file>
+
+<file path=ppt/slides/slide11.xml><?xml version="1.0" encoding="utf-8"?>
 <p:sld xmlns:a="http://schemas.openxmlformats.org/drawingml/2006/main" xmlns:r="http://schemas.openxmlformats.org/officeDocument/2006/relationships" xmlns:p="http://schemas.openxmlformats.org/presentationml/2006/main">
   <p:cSld>
     <p:spTree>
@@ -8667,7 +10354,7 @@
 </p:sld>
 </file>
 
-<file path=ppt/slides/slide11.xml><?xml version="1.0" encoding="utf-8"?>
+<file path=ppt/slides/slide12.xml><?xml version="1.0" encoding="utf-8"?>
 <p:sld xmlns:a="http://schemas.openxmlformats.org/drawingml/2006/main" xmlns:r="http://schemas.openxmlformats.org/officeDocument/2006/relationships" xmlns:p="http://schemas.openxmlformats.org/presentationml/2006/main">
   <p:cSld>
     <p:spTree>
@@ -8774,6 +10461,159 @@
               <a:buChar char="●"/>
             </a:pPr>
             <a:r>
+              <a:rPr lang="en" dirty="0"/>
+              <a:t>181 total different complaints</a:t>
+            </a:r>
+            <a:br>
+              <a:rPr lang="en" dirty="0"/>
+            </a:br>
+            <a:endParaRPr dirty="0"/>
+          </a:p>
+          <a:p>
+            <a:pPr marL="114300" lvl="0" indent="0" algn="l" rtl="0">
+              <a:spcBef>
+                <a:spcPts val="0"/>
+              </a:spcBef>
+              <a:spcAft>
+                <a:spcPts val="0"/>
+              </a:spcAft>
+              <a:buSzPts val="1800"/>
+              <a:buNone/>
+            </a:pPr>
+            <a:br>
+              <a:rPr lang="en" dirty="0"/>
+            </a:br>
+            <a:endParaRPr dirty="0"/>
+          </a:p>
+          <a:p>
+            <a:pPr marL="0" lvl="0" indent="0" algn="l" rtl="0">
+              <a:spcBef>
+                <a:spcPts val="1600"/>
+              </a:spcBef>
+              <a:spcAft>
+                <a:spcPts val="1600"/>
+              </a:spcAft>
+              <a:buNone/>
+            </a:pPr>
+            <a:endParaRPr dirty="0"/>
+          </a:p>
+        </p:txBody>
+      </p:sp>
+    </p:spTree>
+  </p:cSld>
+  <p:clrMapOvr>
+    <a:masterClrMapping/>
+  </p:clrMapOvr>
+</p:sld>
+</file>
+
+<file path=ppt/slides/slide13.xml><?xml version="1.0" encoding="utf-8"?>
+<p:sld xmlns:a="http://schemas.openxmlformats.org/drawingml/2006/main" xmlns:r="http://schemas.openxmlformats.org/officeDocument/2006/relationships" xmlns:p="http://schemas.openxmlformats.org/presentationml/2006/main">
+  <p:cSld>
+    <p:spTree>
+      <p:nvGrpSpPr>
+        <p:cNvPr id="1" name="Shape 168"/>
+        <p:cNvGrpSpPr/>
+        <p:nvPr/>
+      </p:nvGrpSpPr>
+      <p:grpSpPr>
+        <a:xfrm>
+          <a:off x="0" y="0"/>
+          <a:ext cx="0" cy="0"/>
+          <a:chOff x="0" y="0"/>
+          <a:chExt cx="0" cy="0"/>
+        </a:xfrm>
+      </p:grpSpPr>
+      <p:sp>
+        <p:nvSpPr>
+          <p:cNvPr id="169" name="Google Shape;169;p24"/>
+          <p:cNvSpPr txBox="1">
+            <a:spLocks noGrp="1"/>
+          </p:cNvSpPr>
+          <p:nvPr>
+            <p:ph type="title"/>
+          </p:nvPr>
+        </p:nvSpPr>
+        <p:spPr>
+          <a:xfrm>
+            <a:off x="311700" y="445025"/>
+            <a:ext cx="8520600" cy="572700"/>
+          </a:xfrm>
+          <a:prstGeom prst="rect">
+            <a:avLst/>
+          </a:prstGeom>
+        </p:spPr>
+        <p:txBody>
+          <a:bodyPr spcFirstLastPara="1" wrap="square" lIns="91425" tIns="91425" rIns="91425" bIns="91425" anchor="t" anchorCtr="0">
+            <a:noAutofit/>
+          </a:bodyPr>
+          <a:lstStyle/>
+          <a:p>
+            <a:pPr marL="0" lvl="0" indent="0" algn="l" rtl="0">
+              <a:spcBef>
+                <a:spcPts val="0"/>
+              </a:spcBef>
+              <a:spcAft>
+                <a:spcPts val="0"/>
+              </a:spcAft>
+              <a:buNone/>
+            </a:pPr>
+            <a:r>
+              <a:rPr lang="en"/>
+              <a:t>Exploratory Data Analysis</a:t>
+            </a:r>
+            <a:endParaRPr/>
+          </a:p>
+          <a:p>
+            <a:pPr marL="0" lvl="0" indent="0" algn="l" rtl="0">
+              <a:spcBef>
+                <a:spcPts val="0"/>
+              </a:spcBef>
+              <a:spcAft>
+                <a:spcPts val="0"/>
+              </a:spcAft>
+              <a:buNone/>
+            </a:pPr>
+            <a:endParaRPr/>
+          </a:p>
+        </p:txBody>
+      </p:sp>
+      <p:sp>
+        <p:nvSpPr>
+          <p:cNvPr id="170" name="Google Shape;170;p24"/>
+          <p:cNvSpPr txBox="1">
+            <a:spLocks noGrp="1"/>
+          </p:cNvSpPr>
+          <p:nvPr>
+            <p:ph type="body" idx="1"/>
+          </p:nvPr>
+        </p:nvSpPr>
+        <p:spPr>
+          <a:xfrm>
+            <a:off x="311700" y="1152475"/>
+            <a:ext cx="4260300" cy="3416400"/>
+          </a:xfrm>
+          <a:prstGeom prst="rect">
+            <a:avLst/>
+          </a:prstGeom>
+        </p:spPr>
+        <p:txBody>
+          <a:bodyPr spcFirstLastPara="1" wrap="square" lIns="91425" tIns="91425" rIns="91425" bIns="91425" anchor="t" anchorCtr="0">
+            <a:noAutofit/>
+          </a:bodyPr>
+          <a:lstStyle/>
+          <a:p>
+            <a:pPr marL="457200" lvl="0" indent="-342900" algn="l" rtl="0">
+              <a:spcBef>
+                <a:spcPts val="0"/>
+              </a:spcBef>
+              <a:spcAft>
+                <a:spcPts val="0"/>
+              </a:spcAft>
+              <a:buSzPts val="1800"/>
+              <a:buChar char="●"/>
+            </a:pPr>
+            <a:r>
               <a:rPr lang="en"/>
               <a:t>181 total different complaints</a:t>
             </a:r>
@@ -8845,6 +10685,11 @@
         </p:spPr>
       </p:pic>
     </p:spTree>
+    <p:extLst>
+      <p:ext uri="{BB962C8B-B14F-4D97-AF65-F5344CB8AC3E}">
+        <p14:creationId xmlns:p14="http://schemas.microsoft.com/office/powerpoint/2010/main" val="3723005013"/>
+      </p:ext>
+    </p:extLst>
   </p:cSld>
   <p:clrMapOvr>
     <a:masterClrMapping/>
@@ -8852,7 +10697,7 @@
 </p:sld>
 </file>
 
-<file path=ppt/slides/slide12.xml><?xml version="1.0" encoding="utf-8"?>
+<file path=ppt/slides/slide14.xml><?xml version="1.0" encoding="utf-8"?>
 <p:sld xmlns:a="http://schemas.openxmlformats.org/drawingml/2006/main" xmlns:r="http://schemas.openxmlformats.org/officeDocument/2006/relationships" xmlns:p="http://schemas.openxmlformats.org/presentationml/2006/main">
   <p:cSld>
     <p:spTree>
@@ -8959,6 +10804,131 @@
               <a:buChar char="●"/>
             </a:pPr>
             <a:r>
+              <a:rPr lang="en" dirty="0"/>
+              <a:t>15 Agencies</a:t>
+            </a:r>
+            <a:br>
+              <a:rPr lang="en" dirty="0"/>
+            </a:br>
+            <a:endParaRPr dirty="0"/>
+          </a:p>
+        </p:txBody>
+      </p:sp>
+    </p:spTree>
+  </p:cSld>
+  <p:clrMapOvr>
+    <a:masterClrMapping/>
+  </p:clrMapOvr>
+</p:sld>
+</file>
+
+<file path=ppt/slides/slide15.xml><?xml version="1.0" encoding="utf-8"?>
+<p:sld xmlns:a="http://schemas.openxmlformats.org/drawingml/2006/main" xmlns:r="http://schemas.openxmlformats.org/officeDocument/2006/relationships" xmlns:p="http://schemas.openxmlformats.org/presentationml/2006/main">
+  <p:cSld>
+    <p:spTree>
+      <p:nvGrpSpPr>
+        <p:cNvPr id="1" name="Shape 175"/>
+        <p:cNvGrpSpPr/>
+        <p:nvPr/>
+      </p:nvGrpSpPr>
+      <p:grpSpPr>
+        <a:xfrm>
+          <a:off x="0" y="0"/>
+          <a:ext cx="0" cy="0"/>
+          <a:chOff x="0" y="0"/>
+          <a:chExt cx="0" cy="0"/>
+        </a:xfrm>
+      </p:grpSpPr>
+      <p:sp>
+        <p:nvSpPr>
+          <p:cNvPr id="176" name="Google Shape;176;p25"/>
+          <p:cNvSpPr txBox="1">
+            <a:spLocks noGrp="1"/>
+          </p:cNvSpPr>
+          <p:nvPr>
+            <p:ph type="title"/>
+          </p:nvPr>
+        </p:nvSpPr>
+        <p:spPr>
+          <a:xfrm>
+            <a:off x="311700" y="445025"/>
+            <a:ext cx="8520600" cy="572700"/>
+          </a:xfrm>
+          <a:prstGeom prst="rect">
+            <a:avLst/>
+          </a:prstGeom>
+        </p:spPr>
+        <p:txBody>
+          <a:bodyPr spcFirstLastPara="1" wrap="square" lIns="91425" tIns="91425" rIns="91425" bIns="91425" anchor="t" anchorCtr="0">
+            <a:noAutofit/>
+          </a:bodyPr>
+          <a:lstStyle/>
+          <a:p>
+            <a:pPr marL="0" lvl="0" indent="0" algn="l" rtl="0">
+              <a:spcBef>
+                <a:spcPts val="0"/>
+              </a:spcBef>
+              <a:spcAft>
+                <a:spcPts val="0"/>
+              </a:spcAft>
+              <a:buNone/>
+            </a:pPr>
+            <a:r>
+              <a:rPr lang="en"/>
+              <a:t>Exploratory Data Analysis</a:t>
+            </a:r>
+            <a:endParaRPr/>
+          </a:p>
+          <a:p>
+            <a:pPr marL="0" lvl="0" indent="0" algn="l" rtl="0">
+              <a:spcBef>
+                <a:spcPts val="0"/>
+              </a:spcBef>
+              <a:spcAft>
+                <a:spcPts val="0"/>
+              </a:spcAft>
+              <a:buNone/>
+            </a:pPr>
+            <a:endParaRPr/>
+          </a:p>
+        </p:txBody>
+      </p:sp>
+      <p:sp>
+        <p:nvSpPr>
+          <p:cNvPr id="177" name="Google Shape;177;p25"/>
+          <p:cNvSpPr txBox="1">
+            <a:spLocks noGrp="1"/>
+          </p:cNvSpPr>
+          <p:nvPr>
+            <p:ph type="body" idx="1"/>
+          </p:nvPr>
+        </p:nvSpPr>
+        <p:spPr>
+          <a:xfrm>
+            <a:off x="311700" y="1152475"/>
+            <a:ext cx="4260300" cy="3416400"/>
+          </a:xfrm>
+          <a:prstGeom prst="rect">
+            <a:avLst/>
+          </a:prstGeom>
+        </p:spPr>
+        <p:txBody>
+          <a:bodyPr spcFirstLastPara="1" wrap="square" lIns="91425" tIns="91425" rIns="91425" bIns="91425" anchor="t" anchorCtr="0">
+            <a:noAutofit/>
+          </a:bodyPr>
+          <a:lstStyle/>
+          <a:p>
+            <a:pPr marL="457200" lvl="0" indent="-342900" algn="l" rtl="0">
+              <a:spcBef>
+                <a:spcPts val="0"/>
+              </a:spcBef>
+              <a:spcAft>
+                <a:spcPts val="0"/>
+              </a:spcAft>
+              <a:buSzPts val="1800"/>
+              <a:buChar char="●"/>
+            </a:pPr>
+            <a:r>
               <a:rPr lang="en"/>
               <a:t>15 Agencies</a:t>
             </a:r>
@@ -9050,6 +11020,11 @@
         </p:spPr>
       </p:pic>
     </p:spTree>
+    <p:extLst>
+      <p:ext uri="{BB962C8B-B14F-4D97-AF65-F5344CB8AC3E}">
+        <p14:creationId xmlns:p14="http://schemas.microsoft.com/office/powerpoint/2010/main" val="859416680"/>
+      </p:ext>
+    </p:extLst>
   </p:cSld>
   <p:clrMapOvr>
     <a:masterClrMapping/>
@@ -9057,7 +11032,7 @@
 </p:sld>
 </file>
 
-<file path=ppt/slides/slide13.xml><?xml version="1.0" encoding="utf-8"?>
+<file path=ppt/slides/slide16.xml><?xml version="1.0" encoding="utf-8"?>
 <p:sld xmlns:a="http://schemas.openxmlformats.org/drawingml/2006/main" xmlns:r="http://schemas.openxmlformats.org/officeDocument/2006/relationships" xmlns:p="http://schemas.openxmlformats.org/presentationml/2006/main">
   <p:cSld>
     <p:spTree>
@@ -9222,7 +11197,7 @@
 </p:sld>
 </file>
 
-<file path=ppt/slides/slide14.xml><?xml version="1.0" encoding="utf-8"?>
+<file path=ppt/slides/slide17.xml><?xml version="1.0" encoding="utf-8"?>
 <p:sld xmlns:a="http://schemas.openxmlformats.org/drawingml/2006/main" xmlns:r="http://schemas.openxmlformats.org/officeDocument/2006/relationships" xmlns:p="http://schemas.openxmlformats.org/presentationml/2006/main">
   <p:cSld>
     <p:spTree>
@@ -9387,7 +11362,7 @@
 </p:sld>
 </file>
 
-<file path=ppt/slides/slide15.xml><?xml version="1.0" encoding="utf-8"?>
+<file path=ppt/slides/slide18.xml><?xml version="1.0" encoding="utf-8"?>
 <p:sld xmlns:a="http://schemas.openxmlformats.org/drawingml/2006/main" xmlns:r="http://schemas.openxmlformats.org/officeDocument/2006/relationships" xmlns:p="http://schemas.openxmlformats.org/presentationml/2006/main">
   <p:cSld>
     <p:spTree>
@@ -9504,7 +11479,7 @@
 </p:sld>
 </file>
 
-<file path=ppt/slides/slide16.xml><?xml version="1.0" encoding="utf-8"?>
+<file path=ppt/slides/slide19.xml><?xml version="1.0" encoding="utf-8"?>
 <p:sld xmlns:a="http://schemas.openxmlformats.org/drawingml/2006/main" xmlns:r="http://schemas.openxmlformats.org/officeDocument/2006/relationships" xmlns:p="http://schemas.openxmlformats.org/presentationml/2006/main">
   <p:cSld>
     <p:spTree>
@@ -9561,204 +11536,6 @@
     <p:extLst>
       <p:ext uri="{BB962C8B-B14F-4D97-AF65-F5344CB8AC3E}">
         <p14:creationId xmlns:p14="http://schemas.microsoft.com/office/powerpoint/2010/main" val="95992585"/>
-      </p:ext>
-    </p:extLst>
-  </p:cSld>
-  <p:clrMapOvr>
-    <a:masterClrMapping/>
-  </p:clrMapOvr>
-</p:sld>
-</file>
-
-<file path=ppt/slides/slide17.xml><?xml version="1.0" encoding="utf-8"?>
-<p:sld xmlns:a="http://schemas.openxmlformats.org/drawingml/2006/main" xmlns:r="http://schemas.openxmlformats.org/officeDocument/2006/relationships" xmlns:p="http://schemas.openxmlformats.org/presentationml/2006/main">
-  <p:cSld>
-    <p:spTree>
-      <p:nvGrpSpPr>
-        <p:cNvPr id="1" name=""/>
-        <p:cNvGrpSpPr/>
-        <p:nvPr/>
-      </p:nvGrpSpPr>
-      <p:grpSpPr>
-        <a:xfrm>
-          <a:off x="0" y="0"/>
-          <a:ext cx="0" cy="0"/>
-          <a:chOff x="0" y="0"/>
-          <a:chExt cx="0" cy="0"/>
-        </a:xfrm>
-      </p:grpSpPr>
-      <p:pic>
-        <p:nvPicPr>
-          <p:cNvPr id="2" name="slide2" descr="Borough">
-            <a:extLst>
-              <a:ext uri="{FF2B5EF4-FFF2-40B4-BE49-F238E27FC236}">
-                <a16:creationId xmlns:a16="http://schemas.microsoft.com/office/drawing/2014/main" id="{F9123867-8794-4E95-9395-D6E662353A36}"/>
-              </a:ext>
-            </a:extLst>
-          </p:cNvPr>
-          <p:cNvPicPr>
-            <a:picLocks noChangeAspect="1"/>
-          </p:cNvPicPr>
-          <p:nvPr/>
-        </p:nvPicPr>
-        <p:blipFill>
-          <a:blip r:embed="rId2">
-            <a:extLst>
-              <a:ext uri="{28A0092B-C50C-407E-A947-70E740481C1C}">
-                <a14:useLocalDpi xmlns:a14="http://schemas.microsoft.com/office/drawing/2010/main" val="0"/>
-              </a:ext>
-            </a:extLst>
-          </a:blip>
-          <a:stretch>
-            <a:fillRect/>
-          </a:stretch>
-        </p:blipFill>
-        <p:spPr>
-          <a:xfrm>
-            <a:off x="0" y="1619250"/>
-            <a:ext cx="9144000" cy="1905000"/>
-          </a:xfrm>
-          <a:prstGeom prst="rect">
-            <a:avLst/>
-          </a:prstGeom>
-        </p:spPr>
-      </p:pic>
-    </p:spTree>
-    <p:extLst>
-      <p:ext uri="{BB962C8B-B14F-4D97-AF65-F5344CB8AC3E}">
-        <p14:creationId xmlns:p14="http://schemas.microsoft.com/office/powerpoint/2010/main" val="1403246834"/>
-      </p:ext>
-    </p:extLst>
-  </p:cSld>
-  <p:clrMapOvr>
-    <a:masterClrMapping/>
-  </p:clrMapOvr>
-</p:sld>
-</file>
-
-<file path=ppt/slides/slide18.xml><?xml version="1.0" encoding="utf-8"?>
-<p:sld xmlns:a="http://schemas.openxmlformats.org/drawingml/2006/main" xmlns:r="http://schemas.openxmlformats.org/officeDocument/2006/relationships" xmlns:p="http://schemas.openxmlformats.org/presentationml/2006/main">
-  <p:cSld>
-    <p:spTree>
-      <p:nvGrpSpPr>
-        <p:cNvPr id="1" name=""/>
-        <p:cNvGrpSpPr/>
-        <p:nvPr/>
-      </p:nvGrpSpPr>
-      <p:grpSpPr>
-        <a:xfrm>
-          <a:off x="0" y="0"/>
-          <a:ext cx="0" cy="0"/>
-          <a:chOff x="0" y="0"/>
-          <a:chExt cx="0" cy="0"/>
-        </a:xfrm>
-      </p:grpSpPr>
-      <p:pic>
-        <p:nvPicPr>
-          <p:cNvPr id="3" name="slide3" descr="Agency">
-            <a:extLst>
-              <a:ext uri="{FF2B5EF4-FFF2-40B4-BE49-F238E27FC236}">
-                <a16:creationId xmlns:a16="http://schemas.microsoft.com/office/drawing/2014/main" id="{FDFBAC7A-91CA-42F6-B12E-E923E45E113A}"/>
-              </a:ext>
-            </a:extLst>
-          </p:cNvPr>
-          <p:cNvPicPr>
-            <a:picLocks noChangeAspect="1"/>
-          </p:cNvPicPr>
-          <p:nvPr/>
-        </p:nvPicPr>
-        <p:blipFill>
-          <a:blip r:embed="rId2">
-            <a:extLst>
-              <a:ext uri="{28A0092B-C50C-407E-A947-70E740481C1C}">
-                <a14:useLocalDpi xmlns:a14="http://schemas.microsoft.com/office/drawing/2010/main" val="0"/>
-              </a:ext>
-            </a:extLst>
-          </a:blip>
-          <a:stretch>
-            <a:fillRect/>
-          </a:stretch>
-        </p:blipFill>
-        <p:spPr>
-          <a:xfrm>
-            <a:off x="373776" y="0"/>
-            <a:ext cx="8396449" cy="5143500"/>
-          </a:xfrm>
-          <a:prstGeom prst="rect">
-            <a:avLst/>
-          </a:prstGeom>
-        </p:spPr>
-      </p:pic>
-    </p:spTree>
-    <p:extLst>
-      <p:ext uri="{BB962C8B-B14F-4D97-AF65-F5344CB8AC3E}">
-        <p14:creationId xmlns:p14="http://schemas.microsoft.com/office/powerpoint/2010/main" val="1562634324"/>
-      </p:ext>
-    </p:extLst>
-  </p:cSld>
-  <p:clrMapOvr>
-    <a:masterClrMapping/>
-  </p:clrMapOvr>
-</p:sld>
-</file>
-
-<file path=ppt/slides/slide19.xml><?xml version="1.0" encoding="utf-8"?>
-<p:sld xmlns:a="http://schemas.openxmlformats.org/drawingml/2006/main" xmlns:r="http://schemas.openxmlformats.org/officeDocument/2006/relationships" xmlns:p="http://schemas.openxmlformats.org/presentationml/2006/main">
-  <p:cSld>
-    <p:spTree>
-      <p:nvGrpSpPr>
-        <p:cNvPr id="1" name=""/>
-        <p:cNvGrpSpPr/>
-        <p:nvPr/>
-      </p:nvGrpSpPr>
-      <p:grpSpPr>
-        <a:xfrm>
-          <a:off x="0" y="0"/>
-          <a:ext cx="0" cy="0"/>
-          <a:chOff x="0" y="0"/>
-          <a:chExt cx="0" cy="0"/>
-        </a:xfrm>
-      </p:grpSpPr>
-      <p:pic>
-        <p:nvPicPr>
-          <p:cNvPr id="4" name="slide4" descr="YoY">
-            <a:extLst>
-              <a:ext uri="{FF2B5EF4-FFF2-40B4-BE49-F238E27FC236}">
-                <a16:creationId xmlns:a16="http://schemas.microsoft.com/office/drawing/2014/main" id="{3DD450FB-441A-4FEC-96E0-63E53A6D6AFB}"/>
-              </a:ext>
-            </a:extLst>
-          </p:cNvPr>
-          <p:cNvPicPr>
-            <a:picLocks noChangeAspect="1"/>
-          </p:cNvPicPr>
-          <p:nvPr/>
-        </p:nvPicPr>
-        <p:blipFill>
-          <a:blip r:embed="rId2">
-            <a:extLst>
-              <a:ext uri="{28A0092B-C50C-407E-A947-70E740481C1C}">
-                <a14:useLocalDpi xmlns:a14="http://schemas.microsoft.com/office/drawing/2010/main" val="0"/>
-              </a:ext>
-            </a:extLst>
-          </a:blip>
-          <a:stretch>
-            <a:fillRect/>
-          </a:stretch>
-        </p:blipFill>
-        <p:spPr>
-          <a:xfrm>
-            <a:off x="1101037" y="0"/>
-            <a:ext cx="6941927" cy="5143500"/>
-          </a:xfrm>
-          <a:prstGeom prst="rect">
-            <a:avLst/>
-          </a:prstGeom>
-        </p:spPr>
-      </p:pic>
-    </p:spTree>
-    <p:extLst>
-      <p:ext uri="{BB962C8B-B14F-4D97-AF65-F5344CB8AC3E}">
-        <p14:creationId xmlns:p14="http://schemas.microsoft.com/office/powerpoint/2010/main" val="1031444044"/>
       </p:ext>
     </p:extLst>
   </p:cSld>
@@ -10183,6 +11960,204 @@
       </p:grpSpPr>
       <p:pic>
         <p:nvPicPr>
+          <p:cNvPr id="2" name="slide2" descr="Borough">
+            <a:extLst>
+              <a:ext uri="{FF2B5EF4-FFF2-40B4-BE49-F238E27FC236}">
+                <a16:creationId xmlns:a16="http://schemas.microsoft.com/office/drawing/2014/main" id="{F9123867-8794-4E95-9395-D6E662353A36}"/>
+              </a:ext>
+            </a:extLst>
+          </p:cNvPr>
+          <p:cNvPicPr>
+            <a:picLocks noChangeAspect="1"/>
+          </p:cNvPicPr>
+          <p:nvPr/>
+        </p:nvPicPr>
+        <p:blipFill>
+          <a:blip r:embed="rId2">
+            <a:extLst>
+              <a:ext uri="{28A0092B-C50C-407E-A947-70E740481C1C}">
+                <a14:useLocalDpi xmlns:a14="http://schemas.microsoft.com/office/drawing/2010/main" val="0"/>
+              </a:ext>
+            </a:extLst>
+          </a:blip>
+          <a:stretch>
+            <a:fillRect/>
+          </a:stretch>
+        </p:blipFill>
+        <p:spPr>
+          <a:xfrm>
+            <a:off x="0" y="1619250"/>
+            <a:ext cx="9144000" cy="1905000"/>
+          </a:xfrm>
+          <a:prstGeom prst="rect">
+            <a:avLst/>
+          </a:prstGeom>
+        </p:spPr>
+      </p:pic>
+    </p:spTree>
+    <p:extLst>
+      <p:ext uri="{BB962C8B-B14F-4D97-AF65-F5344CB8AC3E}">
+        <p14:creationId xmlns:p14="http://schemas.microsoft.com/office/powerpoint/2010/main" val="1403246834"/>
+      </p:ext>
+    </p:extLst>
+  </p:cSld>
+  <p:clrMapOvr>
+    <a:masterClrMapping/>
+  </p:clrMapOvr>
+</p:sld>
+</file>
+
+<file path=ppt/slides/slide21.xml><?xml version="1.0" encoding="utf-8"?>
+<p:sld xmlns:a="http://schemas.openxmlformats.org/drawingml/2006/main" xmlns:r="http://schemas.openxmlformats.org/officeDocument/2006/relationships" xmlns:p="http://schemas.openxmlformats.org/presentationml/2006/main">
+  <p:cSld>
+    <p:spTree>
+      <p:nvGrpSpPr>
+        <p:cNvPr id="1" name=""/>
+        <p:cNvGrpSpPr/>
+        <p:nvPr/>
+      </p:nvGrpSpPr>
+      <p:grpSpPr>
+        <a:xfrm>
+          <a:off x="0" y="0"/>
+          <a:ext cx="0" cy="0"/>
+          <a:chOff x="0" y="0"/>
+          <a:chExt cx="0" cy="0"/>
+        </a:xfrm>
+      </p:grpSpPr>
+      <p:pic>
+        <p:nvPicPr>
+          <p:cNvPr id="3" name="slide3" descr="Agency">
+            <a:extLst>
+              <a:ext uri="{FF2B5EF4-FFF2-40B4-BE49-F238E27FC236}">
+                <a16:creationId xmlns:a16="http://schemas.microsoft.com/office/drawing/2014/main" id="{FDFBAC7A-91CA-42F6-B12E-E923E45E113A}"/>
+              </a:ext>
+            </a:extLst>
+          </p:cNvPr>
+          <p:cNvPicPr>
+            <a:picLocks noChangeAspect="1"/>
+          </p:cNvPicPr>
+          <p:nvPr/>
+        </p:nvPicPr>
+        <p:blipFill>
+          <a:blip r:embed="rId2">
+            <a:extLst>
+              <a:ext uri="{28A0092B-C50C-407E-A947-70E740481C1C}">
+                <a14:useLocalDpi xmlns:a14="http://schemas.microsoft.com/office/drawing/2010/main" val="0"/>
+              </a:ext>
+            </a:extLst>
+          </a:blip>
+          <a:stretch>
+            <a:fillRect/>
+          </a:stretch>
+        </p:blipFill>
+        <p:spPr>
+          <a:xfrm>
+            <a:off x="373776" y="0"/>
+            <a:ext cx="8396449" cy="5143500"/>
+          </a:xfrm>
+          <a:prstGeom prst="rect">
+            <a:avLst/>
+          </a:prstGeom>
+        </p:spPr>
+      </p:pic>
+    </p:spTree>
+    <p:extLst>
+      <p:ext uri="{BB962C8B-B14F-4D97-AF65-F5344CB8AC3E}">
+        <p14:creationId xmlns:p14="http://schemas.microsoft.com/office/powerpoint/2010/main" val="1562634324"/>
+      </p:ext>
+    </p:extLst>
+  </p:cSld>
+  <p:clrMapOvr>
+    <a:masterClrMapping/>
+  </p:clrMapOvr>
+</p:sld>
+</file>
+
+<file path=ppt/slides/slide22.xml><?xml version="1.0" encoding="utf-8"?>
+<p:sld xmlns:a="http://schemas.openxmlformats.org/drawingml/2006/main" xmlns:r="http://schemas.openxmlformats.org/officeDocument/2006/relationships" xmlns:p="http://schemas.openxmlformats.org/presentationml/2006/main">
+  <p:cSld>
+    <p:spTree>
+      <p:nvGrpSpPr>
+        <p:cNvPr id="1" name=""/>
+        <p:cNvGrpSpPr/>
+        <p:nvPr/>
+      </p:nvGrpSpPr>
+      <p:grpSpPr>
+        <a:xfrm>
+          <a:off x="0" y="0"/>
+          <a:ext cx="0" cy="0"/>
+          <a:chOff x="0" y="0"/>
+          <a:chExt cx="0" cy="0"/>
+        </a:xfrm>
+      </p:grpSpPr>
+      <p:pic>
+        <p:nvPicPr>
+          <p:cNvPr id="4" name="slide4" descr="YoY">
+            <a:extLst>
+              <a:ext uri="{FF2B5EF4-FFF2-40B4-BE49-F238E27FC236}">
+                <a16:creationId xmlns:a16="http://schemas.microsoft.com/office/drawing/2014/main" id="{3DD450FB-441A-4FEC-96E0-63E53A6D6AFB}"/>
+              </a:ext>
+            </a:extLst>
+          </p:cNvPr>
+          <p:cNvPicPr>
+            <a:picLocks noChangeAspect="1"/>
+          </p:cNvPicPr>
+          <p:nvPr/>
+        </p:nvPicPr>
+        <p:blipFill>
+          <a:blip r:embed="rId2">
+            <a:extLst>
+              <a:ext uri="{28A0092B-C50C-407E-A947-70E740481C1C}">
+                <a14:useLocalDpi xmlns:a14="http://schemas.microsoft.com/office/drawing/2010/main" val="0"/>
+              </a:ext>
+            </a:extLst>
+          </a:blip>
+          <a:stretch>
+            <a:fillRect/>
+          </a:stretch>
+        </p:blipFill>
+        <p:spPr>
+          <a:xfrm>
+            <a:off x="1101037" y="0"/>
+            <a:ext cx="6941927" cy="5143500"/>
+          </a:xfrm>
+          <a:prstGeom prst="rect">
+            <a:avLst/>
+          </a:prstGeom>
+        </p:spPr>
+      </p:pic>
+    </p:spTree>
+    <p:extLst>
+      <p:ext uri="{BB962C8B-B14F-4D97-AF65-F5344CB8AC3E}">
+        <p14:creationId xmlns:p14="http://schemas.microsoft.com/office/powerpoint/2010/main" val="1031444044"/>
+      </p:ext>
+    </p:extLst>
+  </p:cSld>
+  <p:clrMapOvr>
+    <a:masterClrMapping/>
+  </p:clrMapOvr>
+</p:sld>
+</file>
+
+<file path=ppt/slides/slide23.xml><?xml version="1.0" encoding="utf-8"?>
+<p:sld xmlns:a="http://schemas.openxmlformats.org/drawingml/2006/main" xmlns:r="http://schemas.openxmlformats.org/officeDocument/2006/relationships" xmlns:p="http://schemas.openxmlformats.org/presentationml/2006/main">
+  <p:cSld>
+    <p:spTree>
+      <p:nvGrpSpPr>
+        <p:cNvPr id="1" name=""/>
+        <p:cNvGrpSpPr/>
+        <p:nvPr/>
+      </p:nvGrpSpPr>
+      <p:grpSpPr>
+        <a:xfrm>
+          <a:off x="0" y="0"/>
+          <a:ext cx="0" cy="0"/>
+          <a:chOff x="0" y="0"/>
+          <a:chExt cx="0" cy="0"/>
+        </a:xfrm>
+      </p:grpSpPr>
+      <p:pic>
+        <p:nvPicPr>
           <p:cNvPr id="5" name="slide5" descr="Open vs. Closed">
             <a:extLst>
               <a:ext uri="{FF2B5EF4-FFF2-40B4-BE49-F238E27FC236}">
@@ -10227,6 +12202,3095 @@
   <p:clrMapOvr>
     <a:masterClrMapping/>
   </p:clrMapOvr>
+</p:sld>
+</file>
+
+<file path=ppt/slides/slide24.xml><?xml version="1.0" encoding="utf-8"?>
+<p:sld xmlns:a="http://schemas.openxmlformats.org/drawingml/2006/main" xmlns:r="http://schemas.openxmlformats.org/officeDocument/2006/relationships" xmlns:p="http://schemas.openxmlformats.org/presentationml/2006/main">
+  <p:cSld>
+    <p:spTree>
+      <p:nvGrpSpPr>
+        <p:cNvPr id="1" name="Shape 196"/>
+        <p:cNvGrpSpPr/>
+        <p:nvPr/>
+      </p:nvGrpSpPr>
+      <p:grpSpPr>
+        <a:xfrm>
+          <a:off x="0" y="0"/>
+          <a:ext cx="0" cy="0"/>
+          <a:chOff x="0" y="0"/>
+          <a:chExt cx="0" cy="0"/>
+        </a:xfrm>
+      </p:grpSpPr>
+      <p:sp>
+        <p:nvSpPr>
+          <p:cNvPr id="197" name="Google Shape;197;p28"/>
+          <p:cNvSpPr txBox="1">
+            <a:spLocks noGrp="1"/>
+          </p:cNvSpPr>
+          <p:nvPr>
+            <p:ph type="title"/>
+          </p:nvPr>
+        </p:nvSpPr>
+        <p:spPr>
+          <a:xfrm>
+            <a:off x="192950" y="2285400"/>
+            <a:ext cx="8520600" cy="572700"/>
+          </a:xfrm>
+          <a:prstGeom prst="rect">
+            <a:avLst/>
+          </a:prstGeom>
+        </p:spPr>
+        <p:txBody>
+          <a:bodyPr spcFirstLastPara="1" wrap="square" lIns="91425" tIns="91425" rIns="91425" bIns="91425" anchor="t" anchorCtr="0">
+            <a:noAutofit/>
+          </a:bodyPr>
+          <a:lstStyle/>
+          <a:p>
+            <a:pPr marL="0" lvl="0" indent="0" algn="ctr" rtl="0">
+              <a:spcBef>
+                <a:spcPts val="0"/>
+              </a:spcBef>
+              <a:spcAft>
+                <a:spcPts val="0"/>
+              </a:spcAft>
+              <a:buNone/>
+            </a:pPr>
+            <a:r>
+              <a:rPr lang="en" sz="5100" dirty="0"/>
+              <a:t>Conclusion</a:t>
+            </a:r>
+            <a:endParaRPr sz="5100" dirty="0"/>
+          </a:p>
+        </p:txBody>
+      </p:sp>
+      <p:sp>
+        <p:nvSpPr>
+          <p:cNvPr id="198" name="Google Shape;198;p28"/>
+          <p:cNvSpPr txBox="1">
+            <a:spLocks noGrp="1"/>
+          </p:cNvSpPr>
+          <p:nvPr>
+            <p:ph type="body" idx="1"/>
+          </p:nvPr>
+        </p:nvSpPr>
+        <p:spPr>
+          <a:xfrm>
+            <a:off x="311700" y="1152475"/>
+            <a:ext cx="8590200" cy="3416400"/>
+          </a:xfrm>
+          <a:prstGeom prst="rect">
+            <a:avLst/>
+          </a:prstGeom>
+        </p:spPr>
+        <p:txBody>
+          <a:bodyPr spcFirstLastPara="1" wrap="square" lIns="91425" tIns="91425" rIns="91425" bIns="91425" anchor="t" anchorCtr="0">
+            <a:noAutofit/>
+          </a:bodyPr>
+          <a:lstStyle/>
+          <a:p>
+            <a:pPr marL="457200" lvl="0" indent="0" algn="l" rtl="0">
+              <a:spcBef>
+                <a:spcPts val="0"/>
+              </a:spcBef>
+              <a:spcAft>
+                <a:spcPts val="0"/>
+              </a:spcAft>
+              <a:buNone/>
+            </a:pPr>
+            <a:endParaRPr sz="2100" dirty="0"/>
+          </a:p>
+          <a:p>
+            <a:pPr marL="0" lvl="0" indent="0" algn="l" rtl="0">
+              <a:spcBef>
+                <a:spcPts val="1600"/>
+              </a:spcBef>
+              <a:spcAft>
+                <a:spcPts val="1600"/>
+              </a:spcAft>
+              <a:buNone/>
+            </a:pPr>
+            <a:endParaRPr dirty="0"/>
+          </a:p>
+        </p:txBody>
+      </p:sp>
+    </p:spTree>
+    <p:extLst>
+      <p:ext uri="{BB962C8B-B14F-4D97-AF65-F5344CB8AC3E}">
+        <p14:creationId xmlns:p14="http://schemas.microsoft.com/office/powerpoint/2010/main" val="114799001"/>
+      </p:ext>
+    </p:extLst>
+  </p:cSld>
+  <p:clrMapOvr>
+    <a:masterClrMapping/>
+  </p:clrMapOvr>
+</p:sld>
+</file>
+
+<file path=ppt/slides/slide25.xml><?xml version="1.0" encoding="utf-8"?>
+<p:sld xmlns:a="http://schemas.openxmlformats.org/drawingml/2006/main" xmlns:r="http://schemas.openxmlformats.org/officeDocument/2006/relationships" xmlns:p="http://schemas.openxmlformats.org/presentationml/2006/main">
+  <p:cSld>
+    <p:spTree>
+      <p:nvGrpSpPr>
+        <p:cNvPr id="1" name="Shape 87"/>
+        <p:cNvGrpSpPr/>
+        <p:nvPr/>
+      </p:nvGrpSpPr>
+      <p:grpSpPr>
+        <a:xfrm>
+          <a:off x="0" y="0"/>
+          <a:ext cx="0" cy="0"/>
+          <a:chOff x="0" y="0"/>
+          <a:chExt cx="0" cy="0"/>
+        </a:xfrm>
+      </p:grpSpPr>
+      <p:sp>
+        <p:nvSpPr>
+          <p:cNvPr id="88" name="Google Shape;88;p17"/>
+          <p:cNvSpPr txBox="1">
+            <a:spLocks noGrp="1"/>
+          </p:cNvSpPr>
+          <p:nvPr>
+            <p:ph type="title"/>
+          </p:nvPr>
+        </p:nvSpPr>
+        <p:spPr>
+          <a:xfrm>
+            <a:off x="-12300" y="0"/>
+            <a:ext cx="9168600" cy="533700"/>
+          </a:xfrm>
+          <a:prstGeom prst="rect">
+            <a:avLst/>
+          </a:prstGeom>
+        </p:spPr>
+        <p:txBody>
+          <a:bodyPr spcFirstLastPara="1" wrap="square" lIns="457200" tIns="182875" rIns="274300" bIns="91425" anchor="t" anchorCtr="0">
+            <a:noAutofit/>
+          </a:bodyPr>
+          <a:lstStyle/>
+          <a:p>
+            <a:pPr marL="0" lvl="0" indent="0" algn="l" rtl="0">
+              <a:spcBef>
+                <a:spcPts val="0"/>
+              </a:spcBef>
+              <a:spcAft>
+                <a:spcPts val="0"/>
+              </a:spcAft>
+              <a:buClr>
+                <a:schemeClr val="dk1"/>
+              </a:buClr>
+              <a:buSzPts val="1100"/>
+              <a:buFont typeface="Arial"/>
+              <a:buNone/>
+            </a:pPr>
+            <a:r>
+              <a:rPr lang="en-US" dirty="0"/>
+              <a:t>Takeaways</a:t>
+            </a:r>
+            <a:endParaRPr dirty="0">
+              <a:solidFill>
+                <a:schemeClr val="dk1"/>
+              </a:solidFill>
+            </a:endParaRPr>
+          </a:p>
+          <a:p>
+            <a:pPr marL="0" lvl="0" indent="0" algn="l" rtl="0">
+              <a:spcBef>
+                <a:spcPts val="0"/>
+              </a:spcBef>
+              <a:spcAft>
+                <a:spcPts val="0"/>
+              </a:spcAft>
+              <a:buNone/>
+            </a:pPr>
+            <a:endParaRPr dirty="0"/>
+          </a:p>
+        </p:txBody>
+      </p:sp>
+      <p:sp>
+        <p:nvSpPr>
+          <p:cNvPr id="89" name="Google Shape;89;p17"/>
+          <p:cNvSpPr txBox="1">
+            <a:spLocks noGrp="1"/>
+          </p:cNvSpPr>
+          <p:nvPr>
+            <p:ph type="subTitle" idx="1"/>
+          </p:nvPr>
+        </p:nvSpPr>
+        <p:spPr>
+          <a:xfrm>
+            <a:off x="0" y="675975"/>
+            <a:ext cx="9144000" cy="364800"/>
+          </a:xfrm>
+          <a:prstGeom prst="rect">
+            <a:avLst/>
+          </a:prstGeom>
+        </p:spPr>
+        <p:txBody>
+          <a:bodyPr spcFirstLastPara="1" wrap="square" lIns="457200" tIns="91425" rIns="457200" bIns="0" anchor="t" anchorCtr="0">
+            <a:noAutofit/>
+          </a:bodyPr>
+          <a:lstStyle/>
+          <a:p>
+            <a:pPr marL="0" lvl="0" indent="0" algn="l" rtl="0">
+              <a:spcBef>
+                <a:spcPts val="0"/>
+              </a:spcBef>
+              <a:spcAft>
+                <a:spcPts val="0"/>
+              </a:spcAft>
+              <a:buClr>
+                <a:schemeClr val="dk1"/>
+              </a:buClr>
+              <a:buSzPts val="1100"/>
+              <a:buFont typeface="Arial"/>
+              <a:buNone/>
+            </a:pPr>
+            <a:endParaRPr>
+              <a:solidFill>
+                <a:schemeClr val="dk1"/>
+              </a:solidFill>
+            </a:endParaRPr>
+          </a:p>
+          <a:p>
+            <a:pPr marL="0" lvl="0" indent="0" algn="l" rtl="0">
+              <a:spcBef>
+                <a:spcPts val="1600"/>
+              </a:spcBef>
+              <a:spcAft>
+                <a:spcPts val="0"/>
+              </a:spcAft>
+              <a:buClr>
+                <a:schemeClr val="dk1"/>
+              </a:buClr>
+              <a:buSzPts val="1100"/>
+              <a:buFont typeface="Arial"/>
+              <a:buNone/>
+            </a:pPr>
+            <a:endParaRPr>
+              <a:solidFill>
+                <a:schemeClr val="dk1"/>
+              </a:solidFill>
+            </a:endParaRPr>
+          </a:p>
+          <a:p>
+            <a:pPr marL="0" lvl="0" indent="0" algn="l" rtl="0">
+              <a:spcBef>
+                <a:spcPts val="1600"/>
+              </a:spcBef>
+              <a:spcAft>
+                <a:spcPts val="0"/>
+              </a:spcAft>
+              <a:buClr>
+                <a:schemeClr val="dk1"/>
+              </a:buClr>
+              <a:buSzPts val="1100"/>
+              <a:buFont typeface="Arial"/>
+              <a:buNone/>
+            </a:pPr>
+            <a:endParaRPr>
+              <a:solidFill>
+                <a:schemeClr val="dk1"/>
+              </a:solidFill>
+            </a:endParaRPr>
+          </a:p>
+          <a:p>
+            <a:pPr marL="0" lvl="0" indent="0" algn="l" rtl="0">
+              <a:spcBef>
+                <a:spcPts val="1600"/>
+              </a:spcBef>
+              <a:spcAft>
+                <a:spcPts val="1600"/>
+              </a:spcAft>
+              <a:buNone/>
+            </a:pPr>
+            <a:endParaRPr/>
+          </a:p>
+        </p:txBody>
+      </p:sp>
+      <p:sp>
+        <p:nvSpPr>
+          <p:cNvPr id="90" name="Google Shape;90;p17"/>
+          <p:cNvSpPr txBox="1">
+            <a:spLocks noGrp="1"/>
+          </p:cNvSpPr>
+          <p:nvPr>
+            <p:ph type="subTitle" idx="2"/>
+          </p:nvPr>
+        </p:nvSpPr>
+        <p:spPr>
+          <a:xfrm>
+            <a:off x="-12300" y="4916650"/>
+            <a:ext cx="7971900" cy="226800"/>
+          </a:xfrm>
+          <a:prstGeom prst="rect">
+            <a:avLst/>
+          </a:prstGeom>
+        </p:spPr>
+        <p:txBody>
+          <a:bodyPr spcFirstLastPara="1" wrap="square" lIns="274300" tIns="45700" rIns="0" bIns="0" anchor="t" anchorCtr="0">
+            <a:noAutofit/>
+          </a:bodyPr>
+          <a:lstStyle/>
+          <a:p>
+            <a:pPr marL="0" lvl="0" indent="0" algn="l" rtl="0">
+              <a:spcBef>
+                <a:spcPts val="0"/>
+              </a:spcBef>
+              <a:spcAft>
+                <a:spcPts val="1600"/>
+              </a:spcAft>
+              <a:buNone/>
+            </a:pPr>
+            <a:endParaRPr/>
+          </a:p>
+        </p:txBody>
+      </p:sp>
+      <p:sp>
+        <p:nvSpPr>
+          <p:cNvPr id="91" name="Google Shape;91;p17"/>
+          <p:cNvSpPr/>
+          <p:nvPr/>
+        </p:nvSpPr>
+        <p:spPr>
+          <a:xfrm>
+            <a:off x="1141275" y="1237825"/>
+            <a:ext cx="7728300" cy="486300"/>
+          </a:xfrm>
+          <a:prstGeom prst="roundRect">
+            <a:avLst>
+              <a:gd name="adj" fmla="val 16667"/>
+            </a:avLst>
+          </a:prstGeom>
+          <a:solidFill>
+            <a:srgbClr val="F2F5F9"/>
+          </a:solidFill>
+          <a:ln>
+            <a:noFill/>
+          </a:ln>
+        </p:spPr>
+        <p:txBody>
+          <a:bodyPr spcFirstLastPara="1" wrap="square" lIns="228600" tIns="91425" rIns="91425" bIns="91425" anchor="ctr" anchorCtr="0">
+            <a:noAutofit/>
+          </a:bodyPr>
+          <a:lstStyle/>
+          <a:p>
+            <a:pPr marL="0" lvl="0" indent="0" algn="l" rtl="0">
+              <a:lnSpc>
+                <a:spcPct val="115000"/>
+              </a:lnSpc>
+              <a:spcBef>
+                <a:spcPts val="0"/>
+              </a:spcBef>
+              <a:spcAft>
+                <a:spcPts val="0"/>
+              </a:spcAft>
+              <a:buClr>
+                <a:srgbClr val="000000"/>
+              </a:buClr>
+              <a:buSzPts val="1100"/>
+              <a:buFont typeface="Arial"/>
+              <a:buNone/>
+            </a:pPr>
+            <a:r>
+              <a:rPr lang="en" sz="1600" dirty="0">
+                <a:solidFill>
+                  <a:srgbClr val="043461"/>
+                </a:solidFill>
+                <a:latin typeface="Roboto"/>
+                <a:ea typeface="Roboto"/>
+                <a:cs typeface="Roboto"/>
+                <a:sym typeface="Roboto"/>
+              </a:rPr>
+              <a:t>The New York City Police Department was the most called agency</a:t>
+            </a:r>
+            <a:endParaRPr sz="1600" dirty="0">
+              <a:solidFill>
+                <a:srgbClr val="043461"/>
+              </a:solidFill>
+              <a:latin typeface="Roboto"/>
+              <a:ea typeface="Roboto"/>
+              <a:cs typeface="Roboto"/>
+              <a:sym typeface="Roboto"/>
+            </a:endParaRPr>
+          </a:p>
+        </p:txBody>
+      </p:sp>
+      <p:sp>
+        <p:nvSpPr>
+          <p:cNvPr id="92" name="Google Shape;92;p17"/>
+          <p:cNvSpPr/>
+          <p:nvPr/>
+        </p:nvSpPr>
+        <p:spPr>
+          <a:xfrm>
+            <a:off x="1141350" y="1828900"/>
+            <a:ext cx="7728300" cy="486300"/>
+          </a:xfrm>
+          <a:prstGeom prst="roundRect">
+            <a:avLst>
+              <a:gd name="adj" fmla="val 16667"/>
+            </a:avLst>
+          </a:prstGeom>
+          <a:solidFill>
+            <a:srgbClr val="F2F5F9"/>
+          </a:solidFill>
+          <a:ln>
+            <a:noFill/>
+          </a:ln>
+        </p:spPr>
+        <p:txBody>
+          <a:bodyPr spcFirstLastPara="1" wrap="square" lIns="228600" tIns="91425" rIns="91425" bIns="91425" anchor="ctr" anchorCtr="0">
+            <a:noAutofit/>
+          </a:bodyPr>
+          <a:lstStyle/>
+          <a:p>
+            <a:pPr marL="0" lvl="0" indent="0" algn="l" rtl="0">
+              <a:lnSpc>
+                <a:spcPct val="115000"/>
+              </a:lnSpc>
+              <a:spcBef>
+                <a:spcPts val="0"/>
+              </a:spcBef>
+              <a:spcAft>
+                <a:spcPts val="0"/>
+              </a:spcAft>
+              <a:buClr>
+                <a:srgbClr val="000000"/>
+              </a:buClr>
+              <a:buSzPts val="1100"/>
+              <a:buFont typeface="Arial"/>
+              <a:buNone/>
+            </a:pPr>
+            <a:r>
+              <a:rPr lang="en" sz="1600" dirty="0">
+                <a:solidFill>
+                  <a:srgbClr val="043461"/>
+                </a:solidFill>
+                <a:latin typeface="Roboto"/>
+                <a:ea typeface="Roboto"/>
+                <a:cs typeface="Roboto"/>
+                <a:sym typeface="Roboto"/>
+              </a:rPr>
+              <a:t>Noise, Large Item Collection, Heat/Hot Water, Illegal Parking, Non-Emergency</a:t>
+            </a:r>
+            <a:endParaRPr sz="1600" dirty="0">
+              <a:solidFill>
+                <a:srgbClr val="043461"/>
+              </a:solidFill>
+              <a:latin typeface="Roboto"/>
+              <a:ea typeface="Roboto"/>
+              <a:cs typeface="Roboto"/>
+              <a:sym typeface="Roboto"/>
+            </a:endParaRPr>
+          </a:p>
+        </p:txBody>
+      </p:sp>
+      <p:sp>
+        <p:nvSpPr>
+          <p:cNvPr id="93" name="Google Shape;93;p17"/>
+          <p:cNvSpPr/>
+          <p:nvPr/>
+        </p:nvSpPr>
+        <p:spPr>
+          <a:xfrm>
+            <a:off x="1141350" y="2419975"/>
+            <a:ext cx="7728300" cy="486300"/>
+          </a:xfrm>
+          <a:prstGeom prst="roundRect">
+            <a:avLst>
+              <a:gd name="adj" fmla="val 16667"/>
+            </a:avLst>
+          </a:prstGeom>
+          <a:solidFill>
+            <a:srgbClr val="F2F5F9"/>
+          </a:solidFill>
+          <a:ln>
+            <a:noFill/>
+          </a:ln>
+        </p:spPr>
+        <p:txBody>
+          <a:bodyPr spcFirstLastPara="1" wrap="square" lIns="228600" tIns="91425" rIns="91425" bIns="91425" anchor="ctr" anchorCtr="0">
+            <a:noAutofit/>
+          </a:bodyPr>
+          <a:lstStyle/>
+          <a:p>
+            <a:pPr marL="0" lvl="0" indent="0" algn="l" rtl="0">
+              <a:lnSpc>
+                <a:spcPct val="115000"/>
+              </a:lnSpc>
+              <a:spcBef>
+                <a:spcPts val="0"/>
+              </a:spcBef>
+              <a:spcAft>
+                <a:spcPts val="0"/>
+              </a:spcAft>
+              <a:buClr>
+                <a:srgbClr val="000000"/>
+              </a:buClr>
+              <a:buSzPts val="1100"/>
+              <a:buFont typeface="Arial"/>
+              <a:buNone/>
+            </a:pPr>
+            <a:r>
+              <a:rPr lang="en" sz="1600" dirty="0">
+                <a:solidFill>
+                  <a:srgbClr val="043461"/>
+                </a:solidFill>
+                <a:latin typeface="Roboto"/>
+                <a:ea typeface="Roboto"/>
+                <a:cs typeface="Roboto"/>
+                <a:sym typeface="Roboto"/>
+              </a:rPr>
+              <a:t>Brooklyn, Queens had the most requests</a:t>
+            </a:r>
+            <a:endParaRPr sz="1600" dirty="0">
+              <a:solidFill>
+                <a:srgbClr val="043461"/>
+              </a:solidFill>
+              <a:latin typeface="Roboto"/>
+              <a:ea typeface="Roboto"/>
+              <a:cs typeface="Roboto"/>
+              <a:sym typeface="Roboto"/>
+            </a:endParaRPr>
+          </a:p>
+        </p:txBody>
+      </p:sp>
+      <p:sp>
+        <p:nvSpPr>
+          <p:cNvPr id="94" name="Google Shape;94;p17"/>
+          <p:cNvSpPr/>
+          <p:nvPr/>
+        </p:nvSpPr>
+        <p:spPr>
+          <a:xfrm>
+            <a:off x="1141350" y="3011050"/>
+            <a:ext cx="7728300" cy="486300"/>
+          </a:xfrm>
+          <a:prstGeom prst="roundRect">
+            <a:avLst>
+              <a:gd name="adj" fmla="val 16667"/>
+            </a:avLst>
+          </a:prstGeom>
+          <a:solidFill>
+            <a:srgbClr val="F2F5F9"/>
+          </a:solidFill>
+          <a:ln>
+            <a:noFill/>
+          </a:ln>
+        </p:spPr>
+        <p:txBody>
+          <a:bodyPr spcFirstLastPara="1" wrap="square" lIns="228600" tIns="91425" rIns="91425" bIns="91425" anchor="ctr" anchorCtr="0">
+            <a:noAutofit/>
+          </a:bodyPr>
+          <a:lstStyle/>
+          <a:p>
+            <a:pPr marL="0" lvl="0" indent="0" algn="l" rtl="0">
+              <a:lnSpc>
+                <a:spcPct val="115000"/>
+              </a:lnSpc>
+              <a:spcBef>
+                <a:spcPts val="0"/>
+              </a:spcBef>
+              <a:spcAft>
+                <a:spcPts val="0"/>
+              </a:spcAft>
+              <a:buClr>
+                <a:srgbClr val="000000"/>
+              </a:buClr>
+              <a:buSzPts val="1100"/>
+              <a:buFont typeface="Arial"/>
+              <a:buNone/>
+            </a:pPr>
+            <a:r>
+              <a:rPr lang="en" sz="1600" dirty="0">
+                <a:solidFill>
+                  <a:srgbClr val="043461"/>
+                </a:solidFill>
+                <a:latin typeface="Roboto"/>
+                <a:ea typeface="Roboto"/>
+                <a:cs typeface="Roboto"/>
+                <a:sym typeface="Roboto"/>
+              </a:rPr>
+              <a:t>Most of the requests were reported via Phone and Online</a:t>
+            </a:r>
+            <a:endParaRPr sz="1600" dirty="0">
+              <a:solidFill>
+                <a:srgbClr val="043461"/>
+              </a:solidFill>
+              <a:latin typeface="Roboto"/>
+              <a:ea typeface="Roboto"/>
+              <a:cs typeface="Roboto"/>
+              <a:sym typeface="Roboto"/>
+            </a:endParaRPr>
+          </a:p>
+        </p:txBody>
+      </p:sp>
+      <p:sp>
+        <p:nvSpPr>
+          <p:cNvPr id="95" name="Google Shape;95;p17"/>
+          <p:cNvSpPr/>
+          <p:nvPr/>
+        </p:nvSpPr>
+        <p:spPr>
+          <a:xfrm>
+            <a:off x="1141275" y="3602150"/>
+            <a:ext cx="7728300" cy="486300"/>
+          </a:xfrm>
+          <a:prstGeom prst="roundRect">
+            <a:avLst>
+              <a:gd name="adj" fmla="val 16667"/>
+            </a:avLst>
+          </a:prstGeom>
+          <a:solidFill>
+            <a:srgbClr val="F2F5F9"/>
+          </a:solidFill>
+          <a:ln>
+            <a:noFill/>
+          </a:ln>
+        </p:spPr>
+        <p:txBody>
+          <a:bodyPr spcFirstLastPara="1" wrap="square" lIns="228600" tIns="91425" rIns="91425" bIns="91425" anchor="ctr" anchorCtr="0">
+            <a:noAutofit/>
+          </a:bodyPr>
+          <a:lstStyle/>
+          <a:p>
+            <a:pPr marL="0" lvl="0" indent="0" algn="l" rtl="0">
+              <a:lnSpc>
+                <a:spcPct val="115000"/>
+              </a:lnSpc>
+              <a:spcBef>
+                <a:spcPts val="0"/>
+              </a:spcBef>
+              <a:spcAft>
+                <a:spcPts val="0"/>
+              </a:spcAft>
+              <a:buClr>
+                <a:srgbClr val="000000"/>
+              </a:buClr>
+              <a:buSzPts val="1100"/>
+              <a:buFont typeface="Arial"/>
+              <a:buNone/>
+            </a:pPr>
+            <a:r>
+              <a:rPr lang="en" sz="1600" dirty="0">
+                <a:solidFill>
+                  <a:srgbClr val="043461"/>
+                </a:solidFill>
+                <a:latin typeface="Roboto"/>
+                <a:ea typeface="Roboto"/>
+                <a:cs typeface="Roboto"/>
+                <a:sym typeface="Roboto"/>
+              </a:rPr>
+              <a:t>Requests spiked during the summer months of 2020</a:t>
+            </a:r>
+            <a:endParaRPr sz="1600" dirty="0">
+              <a:solidFill>
+                <a:srgbClr val="043461"/>
+              </a:solidFill>
+              <a:latin typeface="Roboto"/>
+              <a:ea typeface="Roboto"/>
+              <a:cs typeface="Roboto"/>
+              <a:sym typeface="Roboto"/>
+            </a:endParaRPr>
+          </a:p>
+        </p:txBody>
+      </p:sp>
+      <p:sp>
+        <p:nvSpPr>
+          <p:cNvPr id="96" name="Google Shape;96;p17"/>
+          <p:cNvSpPr/>
+          <p:nvPr/>
+        </p:nvSpPr>
+        <p:spPr>
+          <a:xfrm>
+            <a:off x="1141350" y="4193275"/>
+            <a:ext cx="7728300" cy="486300"/>
+          </a:xfrm>
+          <a:prstGeom prst="roundRect">
+            <a:avLst>
+              <a:gd name="adj" fmla="val 16667"/>
+            </a:avLst>
+          </a:prstGeom>
+          <a:solidFill>
+            <a:srgbClr val="F2F5F9"/>
+          </a:solidFill>
+          <a:ln>
+            <a:noFill/>
+          </a:ln>
+        </p:spPr>
+        <p:txBody>
+          <a:bodyPr spcFirstLastPara="1" wrap="square" lIns="228600" tIns="91425" rIns="91425" bIns="91425" anchor="ctr" anchorCtr="0">
+            <a:noAutofit/>
+          </a:bodyPr>
+          <a:lstStyle/>
+          <a:p>
+            <a:pPr marL="0" lvl="0" indent="0" algn="l" rtl="0">
+              <a:lnSpc>
+                <a:spcPct val="115000"/>
+              </a:lnSpc>
+              <a:spcBef>
+                <a:spcPts val="0"/>
+              </a:spcBef>
+              <a:spcAft>
+                <a:spcPts val="0"/>
+              </a:spcAft>
+              <a:buClr>
+                <a:srgbClr val="000000"/>
+              </a:buClr>
+              <a:buSzPts val="1100"/>
+              <a:buFont typeface="Arial"/>
+              <a:buNone/>
+            </a:pPr>
+            <a:r>
+              <a:rPr lang="en" sz="1600" dirty="0">
+                <a:solidFill>
+                  <a:srgbClr val="043461"/>
+                </a:solidFill>
+                <a:latin typeface="Roboto"/>
+                <a:ea typeface="Roboto"/>
+                <a:cs typeface="Roboto"/>
+                <a:sym typeface="Roboto"/>
+              </a:rPr>
+              <a:t>Over 98% of service requests reported in 2020 remain open</a:t>
+            </a:r>
+            <a:endParaRPr sz="1600" dirty="0">
+              <a:solidFill>
+                <a:srgbClr val="043461"/>
+              </a:solidFill>
+              <a:latin typeface="Roboto"/>
+              <a:ea typeface="Roboto"/>
+              <a:cs typeface="Roboto"/>
+              <a:sym typeface="Roboto"/>
+            </a:endParaRPr>
+          </a:p>
+        </p:txBody>
+      </p:sp>
+      <p:grpSp>
+        <p:nvGrpSpPr>
+          <p:cNvPr id="97" name="Google Shape;97;p17"/>
+          <p:cNvGrpSpPr/>
+          <p:nvPr/>
+        </p:nvGrpSpPr>
+        <p:grpSpPr>
+          <a:xfrm>
+            <a:off x="429795" y="1274754"/>
+            <a:ext cx="577822" cy="412443"/>
+            <a:chOff x="453224" y="1424000"/>
+            <a:chExt cx="510985" cy="364800"/>
+          </a:xfrm>
+        </p:grpSpPr>
+        <p:sp>
+          <p:nvSpPr>
+            <p:cNvPr id="98" name="Google Shape;98;p17"/>
+            <p:cNvSpPr/>
+            <p:nvPr/>
+          </p:nvSpPr>
+          <p:spPr>
+            <a:xfrm>
+              <a:off x="453224" y="1424000"/>
+              <a:ext cx="510985" cy="173400"/>
+            </a:xfrm>
+            <a:custGeom>
+              <a:avLst/>
+              <a:gdLst/>
+              <a:ahLst/>
+              <a:cxnLst/>
+              <a:rect l="l" t="t" r="r" b="b"/>
+              <a:pathLst>
+                <a:path w="29405" h="9769" extrusionOk="0">
+                  <a:moveTo>
+                    <a:pt x="0" y="101"/>
+                  </a:moveTo>
+                  <a:lnTo>
+                    <a:pt x="0" y="9769"/>
+                  </a:lnTo>
+                  <a:lnTo>
+                    <a:pt x="29405" y="9769"/>
+                  </a:lnTo>
+                  <a:lnTo>
+                    <a:pt x="19637" y="0"/>
+                  </a:lnTo>
+                  <a:close/>
+                </a:path>
+              </a:pathLst>
+            </a:custGeom>
+            <a:solidFill>
+              <a:srgbClr val="1475D4"/>
+            </a:solidFill>
+            <a:ln>
+              <a:noFill/>
+            </a:ln>
+          </p:spPr>
+        </p:sp>
+        <p:sp>
+          <p:nvSpPr>
+            <p:cNvPr id="99" name="Google Shape;99;p17"/>
+            <p:cNvSpPr/>
+            <p:nvPr/>
+          </p:nvSpPr>
+          <p:spPr>
+            <a:xfrm rot="10800000" flipH="1">
+              <a:off x="453224" y="1615400"/>
+              <a:ext cx="510985" cy="173400"/>
+            </a:xfrm>
+            <a:custGeom>
+              <a:avLst/>
+              <a:gdLst/>
+              <a:ahLst/>
+              <a:cxnLst/>
+              <a:rect l="l" t="t" r="r" b="b"/>
+              <a:pathLst>
+                <a:path w="29405" h="9769" extrusionOk="0">
+                  <a:moveTo>
+                    <a:pt x="0" y="101"/>
+                  </a:moveTo>
+                  <a:lnTo>
+                    <a:pt x="0" y="9769"/>
+                  </a:lnTo>
+                  <a:lnTo>
+                    <a:pt x="29405" y="9769"/>
+                  </a:lnTo>
+                  <a:lnTo>
+                    <a:pt x="19637" y="0"/>
+                  </a:lnTo>
+                  <a:close/>
+                </a:path>
+              </a:pathLst>
+            </a:custGeom>
+            <a:solidFill>
+              <a:srgbClr val="043461"/>
+            </a:solidFill>
+            <a:ln>
+              <a:noFill/>
+            </a:ln>
+          </p:spPr>
+        </p:sp>
+      </p:grpSp>
+      <p:grpSp>
+        <p:nvGrpSpPr>
+          <p:cNvPr id="100" name="Google Shape;100;p17"/>
+          <p:cNvGrpSpPr/>
+          <p:nvPr/>
+        </p:nvGrpSpPr>
+        <p:grpSpPr>
+          <a:xfrm>
+            <a:off x="429795" y="1865844"/>
+            <a:ext cx="577822" cy="412443"/>
+            <a:chOff x="453224" y="1424000"/>
+            <a:chExt cx="510985" cy="364800"/>
+          </a:xfrm>
+        </p:grpSpPr>
+        <p:sp>
+          <p:nvSpPr>
+            <p:cNvPr id="101" name="Google Shape;101;p17"/>
+            <p:cNvSpPr/>
+            <p:nvPr/>
+          </p:nvSpPr>
+          <p:spPr>
+            <a:xfrm>
+              <a:off x="453224" y="1424000"/>
+              <a:ext cx="510985" cy="173400"/>
+            </a:xfrm>
+            <a:custGeom>
+              <a:avLst/>
+              <a:gdLst/>
+              <a:ahLst/>
+              <a:cxnLst/>
+              <a:rect l="l" t="t" r="r" b="b"/>
+              <a:pathLst>
+                <a:path w="29405" h="9769" extrusionOk="0">
+                  <a:moveTo>
+                    <a:pt x="0" y="101"/>
+                  </a:moveTo>
+                  <a:lnTo>
+                    <a:pt x="0" y="9769"/>
+                  </a:lnTo>
+                  <a:lnTo>
+                    <a:pt x="29405" y="9769"/>
+                  </a:lnTo>
+                  <a:lnTo>
+                    <a:pt x="19637" y="0"/>
+                  </a:lnTo>
+                  <a:close/>
+                </a:path>
+              </a:pathLst>
+            </a:custGeom>
+            <a:solidFill>
+              <a:srgbClr val="1475D4"/>
+            </a:solidFill>
+            <a:ln>
+              <a:noFill/>
+            </a:ln>
+          </p:spPr>
+        </p:sp>
+        <p:sp>
+          <p:nvSpPr>
+            <p:cNvPr id="102" name="Google Shape;102;p17"/>
+            <p:cNvSpPr/>
+            <p:nvPr/>
+          </p:nvSpPr>
+          <p:spPr>
+            <a:xfrm rot="10800000" flipH="1">
+              <a:off x="453224" y="1615400"/>
+              <a:ext cx="510985" cy="173400"/>
+            </a:xfrm>
+            <a:custGeom>
+              <a:avLst/>
+              <a:gdLst/>
+              <a:ahLst/>
+              <a:cxnLst/>
+              <a:rect l="l" t="t" r="r" b="b"/>
+              <a:pathLst>
+                <a:path w="29405" h="9769" extrusionOk="0">
+                  <a:moveTo>
+                    <a:pt x="0" y="101"/>
+                  </a:moveTo>
+                  <a:lnTo>
+                    <a:pt x="0" y="9769"/>
+                  </a:lnTo>
+                  <a:lnTo>
+                    <a:pt x="29405" y="9769"/>
+                  </a:lnTo>
+                  <a:lnTo>
+                    <a:pt x="19637" y="0"/>
+                  </a:lnTo>
+                  <a:close/>
+                </a:path>
+              </a:pathLst>
+            </a:custGeom>
+            <a:solidFill>
+              <a:srgbClr val="043461"/>
+            </a:solidFill>
+            <a:ln>
+              <a:noFill/>
+            </a:ln>
+          </p:spPr>
+        </p:sp>
+      </p:grpSp>
+      <p:grpSp>
+        <p:nvGrpSpPr>
+          <p:cNvPr id="103" name="Google Shape;103;p17"/>
+          <p:cNvGrpSpPr/>
+          <p:nvPr/>
+        </p:nvGrpSpPr>
+        <p:grpSpPr>
+          <a:xfrm>
+            <a:off x="429795" y="2456934"/>
+            <a:ext cx="577822" cy="412443"/>
+            <a:chOff x="453224" y="1424000"/>
+            <a:chExt cx="510985" cy="364800"/>
+          </a:xfrm>
+        </p:grpSpPr>
+        <p:sp>
+          <p:nvSpPr>
+            <p:cNvPr id="104" name="Google Shape;104;p17"/>
+            <p:cNvSpPr/>
+            <p:nvPr/>
+          </p:nvSpPr>
+          <p:spPr>
+            <a:xfrm>
+              <a:off x="453224" y="1424000"/>
+              <a:ext cx="510985" cy="173400"/>
+            </a:xfrm>
+            <a:custGeom>
+              <a:avLst/>
+              <a:gdLst/>
+              <a:ahLst/>
+              <a:cxnLst/>
+              <a:rect l="l" t="t" r="r" b="b"/>
+              <a:pathLst>
+                <a:path w="29405" h="9769" extrusionOk="0">
+                  <a:moveTo>
+                    <a:pt x="0" y="101"/>
+                  </a:moveTo>
+                  <a:lnTo>
+                    <a:pt x="0" y="9769"/>
+                  </a:lnTo>
+                  <a:lnTo>
+                    <a:pt x="29405" y="9769"/>
+                  </a:lnTo>
+                  <a:lnTo>
+                    <a:pt x="19637" y="0"/>
+                  </a:lnTo>
+                  <a:close/>
+                </a:path>
+              </a:pathLst>
+            </a:custGeom>
+            <a:solidFill>
+              <a:srgbClr val="1475D4"/>
+            </a:solidFill>
+            <a:ln>
+              <a:noFill/>
+            </a:ln>
+          </p:spPr>
+        </p:sp>
+        <p:sp>
+          <p:nvSpPr>
+            <p:cNvPr id="105" name="Google Shape;105;p17"/>
+            <p:cNvSpPr/>
+            <p:nvPr/>
+          </p:nvSpPr>
+          <p:spPr>
+            <a:xfrm rot="10800000" flipH="1">
+              <a:off x="453224" y="1615400"/>
+              <a:ext cx="510985" cy="173400"/>
+            </a:xfrm>
+            <a:custGeom>
+              <a:avLst/>
+              <a:gdLst/>
+              <a:ahLst/>
+              <a:cxnLst/>
+              <a:rect l="l" t="t" r="r" b="b"/>
+              <a:pathLst>
+                <a:path w="29405" h="9769" extrusionOk="0">
+                  <a:moveTo>
+                    <a:pt x="0" y="101"/>
+                  </a:moveTo>
+                  <a:lnTo>
+                    <a:pt x="0" y="9769"/>
+                  </a:lnTo>
+                  <a:lnTo>
+                    <a:pt x="29405" y="9769"/>
+                  </a:lnTo>
+                  <a:lnTo>
+                    <a:pt x="19637" y="0"/>
+                  </a:lnTo>
+                  <a:close/>
+                </a:path>
+              </a:pathLst>
+            </a:custGeom>
+            <a:solidFill>
+              <a:srgbClr val="043461"/>
+            </a:solidFill>
+            <a:ln>
+              <a:noFill/>
+            </a:ln>
+          </p:spPr>
+        </p:sp>
+      </p:grpSp>
+      <p:grpSp>
+        <p:nvGrpSpPr>
+          <p:cNvPr id="106" name="Google Shape;106;p17"/>
+          <p:cNvGrpSpPr/>
+          <p:nvPr/>
+        </p:nvGrpSpPr>
+        <p:grpSpPr>
+          <a:xfrm>
+            <a:off x="429795" y="3048024"/>
+            <a:ext cx="577822" cy="412443"/>
+            <a:chOff x="453224" y="1424000"/>
+            <a:chExt cx="510985" cy="364800"/>
+          </a:xfrm>
+        </p:grpSpPr>
+        <p:sp>
+          <p:nvSpPr>
+            <p:cNvPr id="107" name="Google Shape;107;p17"/>
+            <p:cNvSpPr/>
+            <p:nvPr/>
+          </p:nvSpPr>
+          <p:spPr>
+            <a:xfrm>
+              <a:off x="453224" y="1424000"/>
+              <a:ext cx="510985" cy="173400"/>
+            </a:xfrm>
+            <a:custGeom>
+              <a:avLst/>
+              <a:gdLst/>
+              <a:ahLst/>
+              <a:cxnLst/>
+              <a:rect l="l" t="t" r="r" b="b"/>
+              <a:pathLst>
+                <a:path w="29405" h="9769" extrusionOk="0">
+                  <a:moveTo>
+                    <a:pt x="0" y="101"/>
+                  </a:moveTo>
+                  <a:lnTo>
+                    <a:pt x="0" y="9769"/>
+                  </a:lnTo>
+                  <a:lnTo>
+                    <a:pt x="29405" y="9769"/>
+                  </a:lnTo>
+                  <a:lnTo>
+                    <a:pt x="19637" y="0"/>
+                  </a:lnTo>
+                  <a:close/>
+                </a:path>
+              </a:pathLst>
+            </a:custGeom>
+            <a:solidFill>
+              <a:srgbClr val="1475D4"/>
+            </a:solidFill>
+            <a:ln>
+              <a:noFill/>
+            </a:ln>
+          </p:spPr>
+        </p:sp>
+        <p:sp>
+          <p:nvSpPr>
+            <p:cNvPr id="108" name="Google Shape;108;p17"/>
+            <p:cNvSpPr/>
+            <p:nvPr/>
+          </p:nvSpPr>
+          <p:spPr>
+            <a:xfrm rot="10800000" flipH="1">
+              <a:off x="453224" y="1615400"/>
+              <a:ext cx="510985" cy="173400"/>
+            </a:xfrm>
+            <a:custGeom>
+              <a:avLst/>
+              <a:gdLst/>
+              <a:ahLst/>
+              <a:cxnLst/>
+              <a:rect l="l" t="t" r="r" b="b"/>
+              <a:pathLst>
+                <a:path w="29405" h="9769" extrusionOk="0">
+                  <a:moveTo>
+                    <a:pt x="0" y="101"/>
+                  </a:moveTo>
+                  <a:lnTo>
+                    <a:pt x="0" y="9769"/>
+                  </a:lnTo>
+                  <a:lnTo>
+                    <a:pt x="29405" y="9769"/>
+                  </a:lnTo>
+                  <a:lnTo>
+                    <a:pt x="19637" y="0"/>
+                  </a:lnTo>
+                  <a:close/>
+                </a:path>
+              </a:pathLst>
+            </a:custGeom>
+            <a:solidFill>
+              <a:srgbClr val="043461"/>
+            </a:solidFill>
+            <a:ln>
+              <a:noFill/>
+            </a:ln>
+          </p:spPr>
+        </p:sp>
+      </p:grpSp>
+      <p:grpSp>
+        <p:nvGrpSpPr>
+          <p:cNvPr id="109" name="Google Shape;109;p17"/>
+          <p:cNvGrpSpPr/>
+          <p:nvPr/>
+        </p:nvGrpSpPr>
+        <p:grpSpPr>
+          <a:xfrm>
+            <a:off x="429795" y="3639114"/>
+            <a:ext cx="577822" cy="412443"/>
+            <a:chOff x="453224" y="1424000"/>
+            <a:chExt cx="510985" cy="364800"/>
+          </a:xfrm>
+        </p:grpSpPr>
+        <p:sp>
+          <p:nvSpPr>
+            <p:cNvPr id="110" name="Google Shape;110;p17"/>
+            <p:cNvSpPr/>
+            <p:nvPr/>
+          </p:nvSpPr>
+          <p:spPr>
+            <a:xfrm>
+              <a:off x="453224" y="1424000"/>
+              <a:ext cx="510985" cy="173400"/>
+            </a:xfrm>
+            <a:custGeom>
+              <a:avLst/>
+              <a:gdLst/>
+              <a:ahLst/>
+              <a:cxnLst/>
+              <a:rect l="l" t="t" r="r" b="b"/>
+              <a:pathLst>
+                <a:path w="29405" h="9769" extrusionOk="0">
+                  <a:moveTo>
+                    <a:pt x="0" y="101"/>
+                  </a:moveTo>
+                  <a:lnTo>
+                    <a:pt x="0" y="9769"/>
+                  </a:lnTo>
+                  <a:lnTo>
+                    <a:pt x="29405" y="9769"/>
+                  </a:lnTo>
+                  <a:lnTo>
+                    <a:pt x="19637" y="0"/>
+                  </a:lnTo>
+                  <a:close/>
+                </a:path>
+              </a:pathLst>
+            </a:custGeom>
+            <a:solidFill>
+              <a:srgbClr val="1475D4"/>
+            </a:solidFill>
+            <a:ln>
+              <a:noFill/>
+            </a:ln>
+          </p:spPr>
+        </p:sp>
+        <p:sp>
+          <p:nvSpPr>
+            <p:cNvPr id="111" name="Google Shape;111;p17"/>
+            <p:cNvSpPr/>
+            <p:nvPr/>
+          </p:nvSpPr>
+          <p:spPr>
+            <a:xfrm rot="10800000" flipH="1">
+              <a:off x="453224" y="1615400"/>
+              <a:ext cx="510985" cy="173400"/>
+            </a:xfrm>
+            <a:custGeom>
+              <a:avLst/>
+              <a:gdLst/>
+              <a:ahLst/>
+              <a:cxnLst/>
+              <a:rect l="l" t="t" r="r" b="b"/>
+              <a:pathLst>
+                <a:path w="29405" h="9769" extrusionOk="0">
+                  <a:moveTo>
+                    <a:pt x="0" y="101"/>
+                  </a:moveTo>
+                  <a:lnTo>
+                    <a:pt x="0" y="9769"/>
+                  </a:lnTo>
+                  <a:lnTo>
+                    <a:pt x="29405" y="9769"/>
+                  </a:lnTo>
+                  <a:lnTo>
+                    <a:pt x="19637" y="0"/>
+                  </a:lnTo>
+                  <a:close/>
+                </a:path>
+              </a:pathLst>
+            </a:custGeom>
+            <a:solidFill>
+              <a:srgbClr val="043461"/>
+            </a:solidFill>
+            <a:ln>
+              <a:noFill/>
+            </a:ln>
+          </p:spPr>
+        </p:sp>
+      </p:grpSp>
+      <p:grpSp>
+        <p:nvGrpSpPr>
+          <p:cNvPr id="112" name="Google Shape;112;p17"/>
+          <p:cNvGrpSpPr/>
+          <p:nvPr/>
+        </p:nvGrpSpPr>
+        <p:grpSpPr>
+          <a:xfrm>
+            <a:off x="429795" y="4230204"/>
+            <a:ext cx="577822" cy="412443"/>
+            <a:chOff x="453224" y="1424000"/>
+            <a:chExt cx="510985" cy="364800"/>
+          </a:xfrm>
+        </p:grpSpPr>
+        <p:sp>
+          <p:nvSpPr>
+            <p:cNvPr id="113" name="Google Shape;113;p17"/>
+            <p:cNvSpPr/>
+            <p:nvPr/>
+          </p:nvSpPr>
+          <p:spPr>
+            <a:xfrm>
+              <a:off x="453224" y="1424000"/>
+              <a:ext cx="510985" cy="173400"/>
+            </a:xfrm>
+            <a:custGeom>
+              <a:avLst/>
+              <a:gdLst/>
+              <a:ahLst/>
+              <a:cxnLst/>
+              <a:rect l="l" t="t" r="r" b="b"/>
+              <a:pathLst>
+                <a:path w="29405" h="9769" extrusionOk="0">
+                  <a:moveTo>
+                    <a:pt x="0" y="101"/>
+                  </a:moveTo>
+                  <a:lnTo>
+                    <a:pt x="0" y="9769"/>
+                  </a:lnTo>
+                  <a:lnTo>
+                    <a:pt x="29405" y="9769"/>
+                  </a:lnTo>
+                  <a:lnTo>
+                    <a:pt x="19637" y="0"/>
+                  </a:lnTo>
+                  <a:close/>
+                </a:path>
+              </a:pathLst>
+            </a:custGeom>
+            <a:solidFill>
+              <a:srgbClr val="1475D4"/>
+            </a:solidFill>
+            <a:ln>
+              <a:noFill/>
+            </a:ln>
+          </p:spPr>
+        </p:sp>
+        <p:sp>
+          <p:nvSpPr>
+            <p:cNvPr id="114" name="Google Shape;114;p17"/>
+            <p:cNvSpPr/>
+            <p:nvPr/>
+          </p:nvSpPr>
+          <p:spPr>
+            <a:xfrm rot="10800000" flipH="1">
+              <a:off x="453224" y="1615400"/>
+              <a:ext cx="510985" cy="173400"/>
+            </a:xfrm>
+            <a:custGeom>
+              <a:avLst/>
+              <a:gdLst/>
+              <a:ahLst/>
+              <a:cxnLst/>
+              <a:rect l="l" t="t" r="r" b="b"/>
+              <a:pathLst>
+                <a:path w="29405" h="9769" extrusionOk="0">
+                  <a:moveTo>
+                    <a:pt x="0" y="101"/>
+                  </a:moveTo>
+                  <a:lnTo>
+                    <a:pt x="0" y="9769"/>
+                  </a:lnTo>
+                  <a:lnTo>
+                    <a:pt x="29405" y="9769"/>
+                  </a:lnTo>
+                  <a:lnTo>
+                    <a:pt x="19637" y="0"/>
+                  </a:lnTo>
+                  <a:close/>
+                </a:path>
+              </a:pathLst>
+            </a:custGeom>
+            <a:solidFill>
+              <a:srgbClr val="043461"/>
+            </a:solidFill>
+            <a:ln>
+              <a:noFill/>
+            </a:ln>
+          </p:spPr>
+        </p:sp>
+      </p:grpSp>
+    </p:spTree>
+    <p:extLst>
+      <p:ext uri="{BB962C8B-B14F-4D97-AF65-F5344CB8AC3E}">
+        <p14:creationId xmlns:p14="http://schemas.microsoft.com/office/powerpoint/2010/main" val="4101771778"/>
+      </p:ext>
+    </p:extLst>
+  </p:cSld>
+  <p:clrMapOvr>
+    <a:masterClrMapping/>
+  </p:clrMapOvr>
+</p:sld>
+</file>
+
+<file path=ppt/slides/slide26.xml><?xml version="1.0" encoding="utf-8"?>
+<p:sld xmlns:a="http://schemas.openxmlformats.org/drawingml/2006/main" xmlns:r="http://schemas.openxmlformats.org/officeDocument/2006/relationships" xmlns:p="http://schemas.openxmlformats.org/presentationml/2006/main">
+  <p:cSld>
+    <p:spTree>
+      <p:nvGrpSpPr>
+        <p:cNvPr id="1" name="Shape 196"/>
+        <p:cNvGrpSpPr/>
+        <p:nvPr/>
+      </p:nvGrpSpPr>
+      <p:grpSpPr>
+        <a:xfrm>
+          <a:off x="0" y="0"/>
+          <a:ext cx="0" cy="0"/>
+          <a:chOff x="0" y="0"/>
+          <a:chExt cx="0" cy="0"/>
+        </a:xfrm>
+      </p:grpSpPr>
+      <p:sp>
+        <p:nvSpPr>
+          <p:cNvPr id="197" name="Google Shape;197;p28"/>
+          <p:cNvSpPr txBox="1">
+            <a:spLocks noGrp="1"/>
+          </p:cNvSpPr>
+          <p:nvPr>
+            <p:ph type="title"/>
+          </p:nvPr>
+        </p:nvSpPr>
+        <p:spPr>
+          <a:xfrm>
+            <a:off x="192950" y="2285400"/>
+            <a:ext cx="8520600" cy="572700"/>
+          </a:xfrm>
+          <a:prstGeom prst="rect">
+            <a:avLst/>
+          </a:prstGeom>
+        </p:spPr>
+        <p:txBody>
+          <a:bodyPr spcFirstLastPara="1" wrap="square" lIns="91425" tIns="91425" rIns="91425" bIns="91425" anchor="t" anchorCtr="0">
+            <a:noAutofit/>
+          </a:bodyPr>
+          <a:lstStyle/>
+          <a:p>
+            <a:pPr marL="0" lvl="0" indent="0" algn="ctr" rtl="0">
+              <a:spcBef>
+                <a:spcPts val="0"/>
+              </a:spcBef>
+              <a:spcAft>
+                <a:spcPts val="0"/>
+              </a:spcAft>
+              <a:buNone/>
+            </a:pPr>
+            <a:r>
+              <a:rPr lang="en" sz="5100" dirty="0"/>
+              <a:t>Q &amp; A</a:t>
+            </a:r>
+            <a:endParaRPr sz="5100" dirty="0"/>
+          </a:p>
+        </p:txBody>
+      </p:sp>
+      <p:sp>
+        <p:nvSpPr>
+          <p:cNvPr id="198" name="Google Shape;198;p28"/>
+          <p:cNvSpPr txBox="1">
+            <a:spLocks noGrp="1"/>
+          </p:cNvSpPr>
+          <p:nvPr>
+            <p:ph type="body" idx="1"/>
+          </p:nvPr>
+        </p:nvSpPr>
+        <p:spPr>
+          <a:xfrm>
+            <a:off x="311700" y="1152475"/>
+            <a:ext cx="8590200" cy="3416400"/>
+          </a:xfrm>
+          <a:prstGeom prst="rect">
+            <a:avLst/>
+          </a:prstGeom>
+        </p:spPr>
+        <p:txBody>
+          <a:bodyPr spcFirstLastPara="1" wrap="square" lIns="91425" tIns="91425" rIns="91425" bIns="91425" anchor="t" anchorCtr="0">
+            <a:noAutofit/>
+          </a:bodyPr>
+          <a:lstStyle/>
+          <a:p>
+            <a:pPr marL="457200" lvl="0" indent="0" algn="l" rtl="0">
+              <a:spcBef>
+                <a:spcPts val="0"/>
+              </a:spcBef>
+              <a:spcAft>
+                <a:spcPts val="0"/>
+              </a:spcAft>
+              <a:buNone/>
+            </a:pPr>
+            <a:endParaRPr sz="2100" dirty="0"/>
+          </a:p>
+          <a:p>
+            <a:pPr marL="0" lvl="0" indent="0" algn="l" rtl="0">
+              <a:spcBef>
+                <a:spcPts val="1600"/>
+              </a:spcBef>
+              <a:spcAft>
+                <a:spcPts val="1600"/>
+              </a:spcAft>
+              <a:buNone/>
+            </a:pPr>
+            <a:endParaRPr dirty="0"/>
+          </a:p>
+        </p:txBody>
+      </p:sp>
+    </p:spTree>
+    <p:extLst>
+      <p:ext uri="{BB962C8B-B14F-4D97-AF65-F5344CB8AC3E}">
+        <p14:creationId xmlns:p14="http://schemas.microsoft.com/office/powerpoint/2010/main" val="2263114907"/>
+      </p:ext>
+    </p:extLst>
+  </p:cSld>
+  <p:clrMapOvr>
+    <a:masterClrMapping/>
+  </p:clrMapOvr>
+</p:sld>
+</file>
+
+<file path=ppt/slides/slide27.xml><?xml version="1.0" encoding="utf-8"?>
+<p:sld xmlns:a="http://schemas.openxmlformats.org/drawingml/2006/main" xmlns:r="http://schemas.openxmlformats.org/officeDocument/2006/relationships" xmlns:p="http://schemas.openxmlformats.org/presentationml/2006/main">
+  <p:cSld>
+    <p:spTree>
+      <p:nvGrpSpPr>
+        <p:cNvPr id="1" name="Shape 87"/>
+        <p:cNvGrpSpPr/>
+        <p:nvPr/>
+      </p:nvGrpSpPr>
+      <p:grpSpPr>
+        <a:xfrm>
+          <a:off x="0" y="0"/>
+          <a:ext cx="0" cy="0"/>
+          <a:chOff x="0" y="0"/>
+          <a:chExt cx="0" cy="0"/>
+        </a:xfrm>
+      </p:grpSpPr>
+      <p:sp>
+        <p:nvSpPr>
+          <p:cNvPr id="88" name="Google Shape;88;p17"/>
+          <p:cNvSpPr txBox="1">
+            <a:spLocks noGrp="1"/>
+          </p:cNvSpPr>
+          <p:nvPr>
+            <p:ph type="title"/>
+          </p:nvPr>
+        </p:nvSpPr>
+        <p:spPr>
+          <a:xfrm>
+            <a:off x="-12300" y="0"/>
+            <a:ext cx="9168600" cy="533700"/>
+          </a:xfrm>
+          <a:prstGeom prst="rect">
+            <a:avLst/>
+          </a:prstGeom>
+        </p:spPr>
+        <p:txBody>
+          <a:bodyPr spcFirstLastPara="1" wrap="square" lIns="457200" tIns="182875" rIns="274300" bIns="91425" anchor="t" anchorCtr="0">
+            <a:noAutofit/>
+          </a:bodyPr>
+          <a:lstStyle/>
+          <a:p>
+            <a:pPr marL="0" lvl="0" indent="0" algn="l" rtl="0">
+              <a:spcBef>
+                <a:spcPts val="0"/>
+              </a:spcBef>
+              <a:spcAft>
+                <a:spcPts val="0"/>
+              </a:spcAft>
+              <a:buClr>
+                <a:schemeClr val="dk1"/>
+              </a:buClr>
+              <a:buSzPts val="1100"/>
+              <a:buFont typeface="Arial"/>
+              <a:buNone/>
+            </a:pPr>
+            <a:r>
+              <a:rPr lang="en-US" dirty="0"/>
+              <a:t>Notes</a:t>
+            </a:r>
+            <a:endParaRPr dirty="0">
+              <a:solidFill>
+                <a:schemeClr val="dk1"/>
+              </a:solidFill>
+            </a:endParaRPr>
+          </a:p>
+          <a:p>
+            <a:pPr marL="0" lvl="0" indent="0" algn="l" rtl="0">
+              <a:spcBef>
+                <a:spcPts val="0"/>
+              </a:spcBef>
+              <a:spcAft>
+                <a:spcPts val="0"/>
+              </a:spcAft>
+              <a:buNone/>
+            </a:pPr>
+            <a:endParaRPr dirty="0"/>
+          </a:p>
+        </p:txBody>
+      </p:sp>
+      <p:sp>
+        <p:nvSpPr>
+          <p:cNvPr id="89" name="Google Shape;89;p17"/>
+          <p:cNvSpPr txBox="1">
+            <a:spLocks noGrp="1"/>
+          </p:cNvSpPr>
+          <p:nvPr>
+            <p:ph type="subTitle" idx="1"/>
+          </p:nvPr>
+        </p:nvSpPr>
+        <p:spPr>
+          <a:xfrm>
+            <a:off x="0" y="675975"/>
+            <a:ext cx="9144000" cy="364800"/>
+          </a:xfrm>
+          <a:prstGeom prst="rect">
+            <a:avLst/>
+          </a:prstGeom>
+        </p:spPr>
+        <p:txBody>
+          <a:bodyPr spcFirstLastPara="1" wrap="square" lIns="457200" tIns="91425" rIns="457200" bIns="0" anchor="t" anchorCtr="0">
+            <a:noAutofit/>
+          </a:bodyPr>
+          <a:lstStyle/>
+          <a:p>
+            <a:pPr marL="0" lvl="0" indent="0" algn="l" rtl="0">
+              <a:spcBef>
+                <a:spcPts val="0"/>
+              </a:spcBef>
+              <a:spcAft>
+                <a:spcPts val="0"/>
+              </a:spcAft>
+              <a:buClr>
+                <a:schemeClr val="dk1"/>
+              </a:buClr>
+              <a:buSzPts val="1100"/>
+              <a:buFont typeface="Arial"/>
+              <a:buNone/>
+            </a:pPr>
+            <a:endParaRPr>
+              <a:solidFill>
+                <a:schemeClr val="dk1"/>
+              </a:solidFill>
+            </a:endParaRPr>
+          </a:p>
+          <a:p>
+            <a:pPr marL="0" lvl="0" indent="0" algn="l" rtl="0">
+              <a:spcBef>
+                <a:spcPts val="1600"/>
+              </a:spcBef>
+              <a:spcAft>
+                <a:spcPts val="0"/>
+              </a:spcAft>
+              <a:buClr>
+                <a:schemeClr val="dk1"/>
+              </a:buClr>
+              <a:buSzPts val="1100"/>
+              <a:buFont typeface="Arial"/>
+              <a:buNone/>
+            </a:pPr>
+            <a:endParaRPr>
+              <a:solidFill>
+                <a:schemeClr val="dk1"/>
+              </a:solidFill>
+            </a:endParaRPr>
+          </a:p>
+          <a:p>
+            <a:pPr marL="0" lvl="0" indent="0" algn="l" rtl="0">
+              <a:spcBef>
+                <a:spcPts val="1600"/>
+              </a:spcBef>
+              <a:spcAft>
+                <a:spcPts val="0"/>
+              </a:spcAft>
+              <a:buClr>
+                <a:schemeClr val="dk1"/>
+              </a:buClr>
+              <a:buSzPts val="1100"/>
+              <a:buFont typeface="Arial"/>
+              <a:buNone/>
+            </a:pPr>
+            <a:endParaRPr>
+              <a:solidFill>
+                <a:schemeClr val="dk1"/>
+              </a:solidFill>
+            </a:endParaRPr>
+          </a:p>
+          <a:p>
+            <a:pPr marL="0" lvl="0" indent="0" algn="l" rtl="0">
+              <a:spcBef>
+                <a:spcPts val="1600"/>
+              </a:spcBef>
+              <a:spcAft>
+                <a:spcPts val="1600"/>
+              </a:spcAft>
+              <a:buNone/>
+            </a:pPr>
+            <a:endParaRPr/>
+          </a:p>
+        </p:txBody>
+      </p:sp>
+      <p:sp>
+        <p:nvSpPr>
+          <p:cNvPr id="90" name="Google Shape;90;p17"/>
+          <p:cNvSpPr txBox="1">
+            <a:spLocks noGrp="1"/>
+          </p:cNvSpPr>
+          <p:nvPr>
+            <p:ph type="subTitle" idx="2"/>
+          </p:nvPr>
+        </p:nvSpPr>
+        <p:spPr>
+          <a:xfrm>
+            <a:off x="-12300" y="4916650"/>
+            <a:ext cx="7971900" cy="226800"/>
+          </a:xfrm>
+          <a:prstGeom prst="rect">
+            <a:avLst/>
+          </a:prstGeom>
+        </p:spPr>
+        <p:txBody>
+          <a:bodyPr spcFirstLastPara="1" wrap="square" lIns="274300" tIns="45700" rIns="0" bIns="0" anchor="t" anchorCtr="0">
+            <a:noAutofit/>
+          </a:bodyPr>
+          <a:lstStyle/>
+          <a:p>
+            <a:pPr marL="0" lvl="0" indent="0" algn="l" rtl="0">
+              <a:spcBef>
+                <a:spcPts val="0"/>
+              </a:spcBef>
+              <a:spcAft>
+                <a:spcPts val="1600"/>
+              </a:spcAft>
+              <a:buNone/>
+            </a:pPr>
+            <a:endParaRPr/>
+          </a:p>
+        </p:txBody>
+      </p:sp>
+      <p:sp>
+        <p:nvSpPr>
+          <p:cNvPr id="91" name="Google Shape;91;p17"/>
+          <p:cNvSpPr/>
+          <p:nvPr/>
+        </p:nvSpPr>
+        <p:spPr>
+          <a:xfrm>
+            <a:off x="1141275" y="1237825"/>
+            <a:ext cx="7728300" cy="486300"/>
+          </a:xfrm>
+          <a:prstGeom prst="roundRect">
+            <a:avLst>
+              <a:gd name="adj" fmla="val 16667"/>
+            </a:avLst>
+          </a:prstGeom>
+          <a:solidFill>
+            <a:srgbClr val="F2F5F9"/>
+          </a:solidFill>
+          <a:ln>
+            <a:noFill/>
+          </a:ln>
+        </p:spPr>
+        <p:txBody>
+          <a:bodyPr spcFirstLastPara="1" wrap="square" lIns="228600" tIns="91425" rIns="91425" bIns="91425" anchor="ctr" anchorCtr="0">
+            <a:noAutofit/>
+          </a:bodyPr>
+          <a:lstStyle/>
+          <a:p>
+            <a:pPr marL="0" lvl="0" indent="0" algn="l" rtl="0">
+              <a:lnSpc>
+                <a:spcPct val="115000"/>
+              </a:lnSpc>
+              <a:spcBef>
+                <a:spcPts val="0"/>
+              </a:spcBef>
+              <a:spcAft>
+                <a:spcPts val="0"/>
+              </a:spcAft>
+              <a:buClr>
+                <a:srgbClr val="000000"/>
+              </a:buClr>
+              <a:buSzPts val="1100"/>
+              <a:buFont typeface="Arial"/>
+              <a:buNone/>
+            </a:pPr>
+            <a:endParaRPr sz="1600" dirty="0">
+              <a:solidFill>
+                <a:srgbClr val="043461"/>
+              </a:solidFill>
+              <a:latin typeface="Roboto"/>
+              <a:ea typeface="Roboto"/>
+              <a:cs typeface="Roboto"/>
+              <a:sym typeface="Roboto"/>
+            </a:endParaRPr>
+          </a:p>
+        </p:txBody>
+      </p:sp>
+      <p:sp>
+        <p:nvSpPr>
+          <p:cNvPr id="92" name="Google Shape;92;p17"/>
+          <p:cNvSpPr/>
+          <p:nvPr/>
+        </p:nvSpPr>
+        <p:spPr>
+          <a:xfrm>
+            <a:off x="1141350" y="1828900"/>
+            <a:ext cx="7728300" cy="486300"/>
+          </a:xfrm>
+          <a:prstGeom prst="roundRect">
+            <a:avLst>
+              <a:gd name="adj" fmla="val 16667"/>
+            </a:avLst>
+          </a:prstGeom>
+          <a:solidFill>
+            <a:srgbClr val="F2F5F9"/>
+          </a:solidFill>
+          <a:ln>
+            <a:noFill/>
+          </a:ln>
+        </p:spPr>
+        <p:txBody>
+          <a:bodyPr spcFirstLastPara="1" wrap="square" lIns="228600" tIns="91425" rIns="91425" bIns="91425" anchor="ctr" anchorCtr="0">
+            <a:noAutofit/>
+          </a:bodyPr>
+          <a:lstStyle/>
+          <a:p>
+            <a:pPr marL="0" lvl="0" indent="0" algn="l" rtl="0">
+              <a:lnSpc>
+                <a:spcPct val="115000"/>
+              </a:lnSpc>
+              <a:spcBef>
+                <a:spcPts val="0"/>
+              </a:spcBef>
+              <a:spcAft>
+                <a:spcPts val="0"/>
+              </a:spcAft>
+              <a:buClr>
+                <a:srgbClr val="000000"/>
+              </a:buClr>
+              <a:buSzPts val="1100"/>
+              <a:buFont typeface="Arial"/>
+              <a:buNone/>
+            </a:pPr>
+            <a:endParaRPr sz="1600" dirty="0">
+              <a:solidFill>
+                <a:srgbClr val="043461"/>
+              </a:solidFill>
+              <a:latin typeface="Roboto"/>
+              <a:ea typeface="Roboto"/>
+              <a:cs typeface="Roboto"/>
+              <a:sym typeface="Roboto"/>
+            </a:endParaRPr>
+          </a:p>
+        </p:txBody>
+      </p:sp>
+      <p:sp>
+        <p:nvSpPr>
+          <p:cNvPr id="93" name="Google Shape;93;p17"/>
+          <p:cNvSpPr/>
+          <p:nvPr/>
+        </p:nvSpPr>
+        <p:spPr>
+          <a:xfrm>
+            <a:off x="1141350" y="2419975"/>
+            <a:ext cx="7728300" cy="486300"/>
+          </a:xfrm>
+          <a:prstGeom prst="roundRect">
+            <a:avLst>
+              <a:gd name="adj" fmla="val 16667"/>
+            </a:avLst>
+          </a:prstGeom>
+          <a:solidFill>
+            <a:srgbClr val="F2F5F9"/>
+          </a:solidFill>
+          <a:ln>
+            <a:noFill/>
+          </a:ln>
+        </p:spPr>
+        <p:txBody>
+          <a:bodyPr spcFirstLastPara="1" wrap="square" lIns="228600" tIns="91425" rIns="91425" bIns="91425" anchor="ctr" anchorCtr="0">
+            <a:noAutofit/>
+          </a:bodyPr>
+          <a:lstStyle/>
+          <a:p>
+            <a:pPr marL="0" lvl="0" indent="0" algn="l" rtl="0">
+              <a:lnSpc>
+                <a:spcPct val="115000"/>
+              </a:lnSpc>
+              <a:spcBef>
+                <a:spcPts val="0"/>
+              </a:spcBef>
+              <a:spcAft>
+                <a:spcPts val="0"/>
+              </a:spcAft>
+              <a:buClr>
+                <a:srgbClr val="000000"/>
+              </a:buClr>
+              <a:buSzPts val="1100"/>
+              <a:buFont typeface="Arial"/>
+              <a:buNone/>
+            </a:pPr>
+            <a:endParaRPr sz="1600" dirty="0">
+              <a:solidFill>
+                <a:srgbClr val="043461"/>
+              </a:solidFill>
+              <a:latin typeface="Roboto"/>
+              <a:ea typeface="Roboto"/>
+              <a:cs typeface="Roboto"/>
+              <a:sym typeface="Roboto"/>
+            </a:endParaRPr>
+          </a:p>
+        </p:txBody>
+      </p:sp>
+      <p:sp>
+        <p:nvSpPr>
+          <p:cNvPr id="94" name="Google Shape;94;p17"/>
+          <p:cNvSpPr/>
+          <p:nvPr/>
+        </p:nvSpPr>
+        <p:spPr>
+          <a:xfrm>
+            <a:off x="1141350" y="3011050"/>
+            <a:ext cx="7728300" cy="486300"/>
+          </a:xfrm>
+          <a:prstGeom prst="roundRect">
+            <a:avLst>
+              <a:gd name="adj" fmla="val 16667"/>
+            </a:avLst>
+          </a:prstGeom>
+          <a:solidFill>
+            <a:srgbClr val="F2F5F9"/>
+          </a:solidFill>
+          <a:ln>
+            <a:noFill/>
+          </a:ln>
+        </p:spPr>
+        <p:txBody>
+          <a:bodyPr spcFirstLastPara="1" wrap="square" lIns="228600" tIns="91425" rIns="91425" bIns="91425" anchor="ctr" anchorCtr="0">
+            <a:noAutofit/>
+          </a:bodyPr>
+          <a:lstStyle/>
+          <a:p>
+            <a:pPr marL="0" lvl="0" indent="0" algn="l" rtl="0">
+              <a:lnSpc>
+                <a:spcPct val="115000"/>
+              </a:lnSpc>
+              <a:spcBef>
+                <a:spcPts val="0"/>
+              </a:spcBef>
+              <a:spcAft>
+                <a:spcPts val="0"/>
+              </a:spcAft>
+              <a:buClr>
+                <a:srgbClr val="000000"/>
+              </a:buClr>
+              <a:buSzPts val="1100"/>
+              <a:buFont typeface="Arial"/>
+              <a:buNone/>
+            </a:pPr>
+            <a:endParaRPr sz="1600" dirty="0">
+              <a:solidFill>
+                <a:srgbClr val="043461"/>
+              </a:solidFill>
+              <a:latin typeface="Roboto"/>
+              <a:ea typeface="Roboto"/>
+              <a:cs typeface="Roboto"/>
+              <a:sym typeface="Roboto"/>
+            </a:endParaRPr>
+          </a:p>
+        </p:txBody>
+      </p:sp>
+      <p:sp>
+        <p:nvSpPr>
+          <p:cNvPr id="95" name="Google Shape;95;p17"/>
+          <p:cNvSpPr/>
+          <p:nvPr/>
+        </p:nvSpPr>
+        <p:spPr>
+          <a:xfrm>
+            <a:off x="1141275" y="3602150"/>
+            <a:ext cx="7728300" cy="486300"/>
+          </a:xfrm>
+          <a:prstGeom prst="roundRect">
+            <a:avLst>
+              <a:gd name="adj" fmla="val 16667"/>
+            </a:avLst>
+          </a:prstGeom>
+          <a:solidFill>
+            <a:srgbClr val="F2F5F9"/>
+          </a:solidFill>
+          <a:ln>
+            <a:noFill/>
+          </a:ln>
+        </p:spPr>
+        <p:txBody>
+          <a:bodyPr spcFirstLastPara="1" wrap="square" lIns="228600" tIns="91425" rIns="91425" bIns="91425" anchor="ctr" anchorCtr="0">
+            <a:noAutofit/>
+          </a:bodyPr>
+          <a:lstStyle/>
+          <a:p>
+            <a:pPr marL="0" lvl="0" indent="0" algn="l" rtl="0">
+              <a:lnSpc>
+                <a:spcPct val="115000"/>
+              </a:lnSpc>
+              <a:spcBef>
+                <a:spcPts val="0"/>
+              </a:spcBef>
+              <a:spcAft>
+                <a:spcPts val="0"/>
+              </a:spcAft>
+              <a:buClr>
+                <a:srgbClr val="000000"/>
+              </a:buClr>
+              <a:buSzPts val="1100"/>
+              <a:buFont typeface="Arial"/>
+              <a:buNone/>
+            </a:pPr>
+            <a:endParaRPr sz="1600" dirty="0">
+              <a:solidFill>
+                <a:srgbClr val="043461"/>
+              </a:solidFill>
+              <a:latin typeface="Roboto"/>
+              <a:ea typeface="Roboto"/>
+              <a:cs typeface="Roboto"/>
+              <a:sym typeface="Roboto"/>
+            </a:endParaRPr>
+          </a:p>
+        </p:txBody>
+      </p:sp>
+      <p:sp>
+        <p:nvSpPr>
+          <p:cNvPr id="96" name="Google Shape;96;p17"/>
+          <p:cNvSpPr/>
+          <p:nvPr/>
+        </p:nvSpPr>
+        <p:spPr>
+          <a:xfrm>
+            <a:off x="1141350" y="4193275"/>
+            <a:ext cx="7728300" cy="486300"/>
+          </a:xfrm>
+          <a:prstGeom prst="roundRect">
+            <a:avLst>
+              <a:gd name="adj" fmla="val 16667"/>
+            </a:avLst>
+          </a:prstGeom>
+          <a:solidFill>
+            <a:srgbClr val="F2F5F9"/>
+          </a:solidFill>
+          <a:ln>
+            <a:noFill/>
+          </a:ln>
+        </p:spPr>
+        <p:txBody>
+          <a:bodyPr spcFirstLastPara="1" wrap="square" lIns="228600" tIns="91425" rIns="91425" bIns="91425" anchor="ctr" anchorCtr="0">
+            <a:noAutofit/>
+          </a:bodyPr>
+          <a:lstStyle/>
+          <a:p>
+            <a:pPr marL="0" lvl="0" indent="0" algn="l" rtl="0">
+              <a:lnSpc>
+                <a:spcPct val="115000"/>
+              </a:lnSpc>
+              <a:spcBef>
+                <a:spcPts val="0"/>
+              </a:spcBef>
+              <a:spcAft>
+                <a:spcPts val="0"/>
+              </a:spcAft>
+              <a:buClr>
+                <a:srgbClr val="000000"/>
+              </a:buClr>
+              <a:buSzPts val="1100"/>
+              <a:buFont typeface="Arial"/>
+              <a:buNone/>
+            </a:pPr>
+            <a:endParaRPr sz="1600" dirty="0">
+              <a:solidFill>
+                <a:srgbClr val="043461"/>
+              </a:solidFill>
+              <a:latin typeface="Roboto"/>
+              <a:ea typeface="Roboto"/>
+              <a:cs typeface="Roboto"/>
+              <a:sym typeface="Roboto"/>
+            </a:endParaRPr>
+          </a:p>
+        </p:txBody>
+      </p:sp>
+      <p:grpSp>
+        <p:nvGrpSpPr>
+          <p:cNvPr id="97" name="Google Shape;97;p17"/>
+          <p:cNvGrpSpPr/>
+          <p:nvPr/>
+        </p:nvGrpSpPr>
+        <p:grpSpPr>
+          <a:xfrm>
+            <a:off x="429795" y="1274754"/>
+            <a:ext cx="577822" cy="412443"/>
+            <a:chOff x="453224" y="1424000"/>
+            <a:chExt cx="510985" cy="364800"/>
+          </a:xfrm>
+        </p:grpSpPr>
+        <p:sp>
+          <p:nvSpPr>
+            <p:cNvPr id="98" name="Google Shape;98;p17"/>
+            <p:cNvSpPr/>
+            <p:nvPr/>
+          </p:nvSpPr>
+          <p:spPr>
+            <a:xfrm>
+              <a:off x="453224" y="1424000"/>
+              <a:ext cx="510985" cy="173400"/>
+            </a:xfrm>
+            <a:custGeom>
+              <a:avLst/>
+              <a:gdLst/>
+              <a:ahLst/>
+              <a:cxnLst/>
+              <a:rect l="l" t="t" r="r" b="b"/>
+              <a:pathLst>
+                <a:path w="29405" h="9769" extrusionOk="0">
+                  <a:moveTo>
+                    <a:pt x="0" y="101"/>
+                  </a:moveTo>
+                  <a:lnTo>
+                    <a:pt x="0" y="9769"/>
+                  </a:lnTo>
+                  <a:lnTo>
+                    <a:pt x="29405" y="9769"/>
+                  </a:lnTo>
+                  <a:lnTo>
+                    <a:pt x="19637" y="0"/>
+                  </a:lnTo>
+                  <a:close/>
+                </a:path>
+              </a:pathLst>
+            </a:custGeom>
+            <a:solidFill>
+              <a:srgbClr val="1475D4"/>
+            </a:solidFill>
+            <a:ln>
+              <a:noFill/>
+            </a:ln>
+          </p:spPr>
+        </p:sp>
+        <p:sp>
+          <p:nvSpPr>
+            <p:cNvPr id="99" name="Google Shape;99;p17"/>
+            <p:cNvSpPr/>
+            <p:nvPr/>
+          </p:nvSpPr>
+          <p:spPr>
+            <a:xfrm rot="10800000" flipH="1">
+              <a:off x="453224" y="1615400"/>
+              <a:ext cx="510985" cy="173400"/>
+            </a:xfrm>
+            <a:custGeom>
+              <a:avLst/>
+              <a:gdLst/>
+              <a:ahLst/>
+              <a:cxnLst/>
+              <a:rect l="l" t="t" r="r" b="b"/>
+              <a:pathLst>
+                <a:path w="29405" h="9769" extrusionOk="0">
+                  <a:moveTo>
+                    <a:pt x="0" y="101"/>
+                  </a:moveTo>
+                  <a:lnTo>
+                    <a:pt x="0" y="9769"/>
+                  </a:lnTo>
+                  <a:lnTo>
+                    <a:pt x="29405" y="9769"/>
+                  </a:lnTo>
+                  <a:lnTo>
+                    <a:pt x="19637" y="0"/>
+                  </a:lnTo>
+                  <a:close/>
+                </a:path>
+              </a:pathLst>
+            </a:custGeom>
+            <a:solidFill>
+              <a:srgbClr val="043461"/>
+            </a:solidFill>
+            <a:ln>
+              <a:noFill/>
+            </a:ln>
+          </p:spPr>
+        </p:sp>
+      </p:grpSp>
+      <p:grpSp>
+        <p:nvGrpSpPr>
+          <p:cNvPr id="100" name="Google Shape;100;p17"/>
+          <p:cNvGrpSpPr/>
+          <p:nvPr/>
+        </p:nvGrpSpPr>
+        <p:grpSpPr>
+          <a:xfrm>
+            <a:off x="429795" y="1865844"/>
+            <a:ext cx="577822" cy="412443"/>
+            <a:chOff x="453224" y="1424000"/>
+            <a:chExt cx="510985" cy="364800"/>
+          </a:xfrm>
+        </p:grpSpPr>
+        <p:sp>
+          <p:nvSpPr>
+            <p:cNvPr id="101" name="Google Shape;101;p17"/>
+            <p:cNvSpPr/>
+            <p:nvPr/>
+          </p:nvSpPr>
+          <p:spPr>
+            <a:xfrm>
+              <a:off x="453224" y="1424000"/>
+              <a:ext cx="510985" cy="173400"/>
+            </a:xfrm>
+            <a:custGeom>
+              <a:avLst/>
+              <a:gdLst/>
+              <a:ahLst/>
+              <a:cxnLst/>
+              <a:rect l="l" t="t" r="r" b="b"/>
+              <a:pathLst>
+                <a:path w="29405" h="9769" extrusionOk="0">
+                  <a:moveTo>
+                    <a:pt x="0" y="101"/>
+                  </a:moveTo>
+                  <a:lnTo>
+                    <a:pt x="0" y="9769"/>
+                  </a:lnTo>
+                  <a:lnTo>
+                    <a:pt x="29405" y="9769"/>
+                  </a:lnTo>
+                  <a:lnTo>
+                    <a:pt x="19637" y="0"/>
+                  </a:lnTo>
+                  <a:close/>
+                </a:path>
+              </a:pathLst>
+            </a:custGeom>
+            <a:solidFill>
+              <a:srgbClr val="1475D4"/>
+            </a:solidFill>
+            <a:ln>
+              <a:noFill/>
+            </a:ln>
+          </p:spPr>
+        </p:sp>
+        <p:sp>
+          <p:nvSpPr>
+            <p:cNvPr id="102" name="Google Shape;102;p17"/>
+            <p:cNvSpPr/>
+            <p:nvPr/>
+          </p:nvSpPr>
+          <p:spPr>
+            <a:xfrm rot="10800000" flipH="1">
+              <a:off x="453224" y="1615400"/>
+              <a:ext cx="510985" cy="173400"/>
+            </a:xfrm>
+            <a:custGeom>
+              <a:avLst/>
+              <a:gdLst/>
+              <a:ahLst/>
+              <a:cxnLst/>
+              <a:rect l="l" t="t" r="r" b="b"/>
+              <a:pathLst>
+                <a:path w="29405" h="9769" extrusionOk="0">
+                  <a:moveTo>
+                    <a:pt x="0" y="101"/>
+                  </a:moveTo>
+                  <a:lnTo>
+                    <a:pt x="0" y="9769"/>
+                  </a:lnTo>
+                  <a:lnTo>
+                    <a:pt x="29405" y="9769"/>
+                  </a:lnTo>
+                  <a:lnTo>
+                    <a:pt x="19637" y="0"/>
+                  </a:lnTo>
+                  <a:close/>
+                </a:path>
+              </a:pathLst>
+            </a:custGeom>
+            <a:solidFill>
+              <a:srgbClr val="043461"/>
+            </a:solidFill>
+            <a:ln>
+              <a:noFill/>
+            </a:ln>
+          </p:spPr>
+        </p:sp>
+      </p:grpSp>
+      <p:grpSp>
+        <p:nvGrpSpPr>
+          <p:cNvPr id="103" name="Google Shape;103;p17"/>
+          <p:cNvGrpSpPr/>
+          <p:nvPr/>
+        </p:nvGrpSpPr>
+        <p:grpSpPr>
+          <a:xfrm>
+            <a:off x="429795" y="2456934"/>
+            <a:ext cx="577822" cy="412443"/>
+            <a:chOff x="453224" y="1424000"/>
+            <a:chExt cx="510985" cy="364800"/>
+          </a:xfrm>
+        </p:grpSpPr>
+        <p:sp>
+          <p:nvSpPr>
+            <p:cNvPr id="104" name="Google Shape;104;p17"/>
+            <p:cNvSpPr/>
+            <p:nvPr/>
+          </p:nvSpPr>
+          <p:spPr>
+            <a:xfrm>
+              <a:off x="453224" y="1424000"/>
+              <a:ext cx="510985" cy="173400"/>
+            </a:xfrm>
+            <a:custGeom>
+              <a:avLst/>
+              <a:gdLst/>
+              <a:ahLst/>
+              <a:cxnLst/>
+              <a:rect l="l" t="t" r="r" b="b"/>
+              <a:pathLst>
+                <a:path w="29405" h="9769" extrusionOk="0">
+                  <a:moveTo>
+                    <a:pt x="0" y="101"/>
+                  </a:moveTo>
+                  <a:lnTo>
+                    <a:pt x="0" y="9769"/>
+                  </a:lnTo>
+                  <a:lnTo>
+                    <a:pt x="29405" y="9769"/>
+                  </a:lnTo>
+                  <a:lnTo>
+                    <a:pt x="19637" y="0"/>
+                  </a:lnTo>
+                  <a:close/>
+                </a:path>
+              </a:pathLst>
+            </a:custGeom>
+            <a:solidFill>
+              <a:srgbClr val="1475D4"/>
+            </a:solidFill>
+            <a:ln>
+              <a:noFill/>
+            </a:ln>
+          </p:spPr>
+        </p:sp>
+        <p:sp>
+          <p:nvSpPr>
+            <p:cNvPr id="105" name="Google Shape;105;p17"/>
+            <p:cNvSpPr/>
+            <p:nvPr/>
+          </p:nvSpPr>
+          <p:spPr>
+            <a:xfrm rot="10800000" flipH="1">
+              <a:off x="453224" y="1615400"/>
+              <a:ext cx="510985" cy="173400"/>
+            </a:xfrm>
+            <a:custGeom>
+              <a:avLst/>
+              <a:gdLst/>
+              <a:ahLst/>
+              <a:cxnLst/>
+              <a:rect l="l" t="t" r="r" b="b"/>
+              <a:pathLst>
+                <a:path w="29405" h="9769" extrusionOk="0">
+                  <a:moveTo>
+                    <a:pt x="0" y="101"/>
+                  </a:moveTo>
+                  <a:lnTo>
+                    <a:pt x="0" y="9769"/>
+                  </a:lnTo>
+                  <a:lnTo>
+                    <a:pt x="29405" y="9769"/>
+                  </a:lnTo>
+                  <a:lnTo>
+                    <a:pt x="19637" y="0"/>
+                  </a:lnTo>
+                  <a:close/>
+                </a:path>
+              </a:pathLst>
+            </a:custGeom>
+            <a:solidFill>
+              <a:srgbClr val="043461"/>
+            </a:solidFill>
+            <a:ln>
+              <a:noFill/>
+            </a:ln>
+          </p:spPr>
+        </p:sp>
+      </p:grpSp>
+      <p:grpSp>
+        <p:nvGrpSpPr>
+          <p:cNvPr id="106" name="Google Shape;106;p17"/>
+          <p:cNvGrpSpPr/>
+          <p:nvPr/>
+        </p:nvGrpSpPr>
+        <p:grpSpPr>
+          <a:xfrm>
+            <a:off x="429795" y="3048024"/>
+            <a:ext cx="577822" cy="412443"/>
+            <a:chOff x="453224" y="1424000"/>
+            <a:chExt cx="510985" cy="364800"/>
+          </a:xfrm>
+        </p:grpSpPr>
+        <p:sp>
+          <p:nvSpPr>
+            <p:cNvPr id="107" name="Google Shape;107;p17"/>
+            <p:cNvSpPr/>
+            <p:nvPr/>
+          </p:nvSpPr>
+          <p:spPr>
+            <a:xfrm>
+              <a:off x="453224" y="1424000"/>
+              <a:ext cx="510985" cy="173400"/>
+            </a:xfrm>
+            <a:custGeom>
+              <a:avLst/>
+              <a:gdLst/>
+              <a:ahLst/>
+              <a:cxnLst/>
+              <a:rect l="l" t="t" r="r" b="b"/>
+              <a:pathLst>
+                <a:path w="29405" h="9769" extrusionOk="0">
+                  <a:moveTo>
+                    <a:pt x="0" y="101"/>
+                  </a:moveTo>
+                  <a:lnTo>
+                    <a:pt x="0" y="9769"/>
+                  </a:lnTo>
+                  <a:lnTo>
+                    <a:pt x="29405" y="9769"/>
+                  </a:lnTo>
+                  <a:lnTo>
+                    <a:pt x="19637" y="0"/>
+                  </a:lnTo>
+                  <a:close/>
+                </a:path>
+              </a:pathLst>
+            </a:custGeom>
+            <a:solidFill>
+              <a:srgbClr val="1475D4"/>
+            </a:solidFill>
+            <a:ln>
+              <a:noFill/>
+            </a:ln>
+          </p:spPr>
+        </p:sp>
+        <p:sp>
+          <p:nvSpPr>
+            <p:cNvPr id="108" name="Google Shape;108;p17"/>
+            <p:cNvSpPr/>
+            <p:nvPr/>
+          </p:nvSpPr>
+          <p:spPr>
+            <a:xfrm rot="10800000" flipH="1">
+              <a:off x="453224" y="1615400"/>
+              <a:ext cx="510985" cy="173400"/>
+            </a:xfrm>
+            <a:custGeom>
+              <a:avLst/>
+              <a:gdLst/>
+              <a:ahLst/>
+              <a:cxnLst/>
+              <a:rect l="l" t="t" r="r" b="b"/>
+              <a:pathLst>
+                <a:path w="29405" h="9769" extrusionOk="0">
+                  <a:moveTo>
+                    <a:pt x="0" y="101"/>
+                  </a:moveTo>
+                  <a:lnTo>
+                    <a:pt x="0" y="9769"/>
+                  </a:lnTo>
+                  <a:lnTo>
+                    <a:pt x="29405" y="9769"/>
+                  </a:lnTo>
+                  <a:lnTo>
+                    <a:pt x="19637" y="0"/>
+                  </a:lnTo>
+                  <a:close/>
+                </a:path>
+              </a:pathLst>
+            </a:custGeom>
+            <a:solidFill>
+              <a:srgbClr val="043461"/>
+            </a:solidFill>
+            <a:ln>
+              <a:noFill/>
+            </a:ln>
+          </p:spPr>
+        </p:sp>
+      </p:grpSp>
+      <p:grpSp>
+        <p:nvGrpSpPr>
+          <p:cNvPr id="109" name="Google Shape;109;p17"/>
+          <p:cNvGrpSpPr/>
+          <p:nvPr/>
+        </p:nvGrpSpPr>
+        <p:grpSpPr>
+          <a:xfrm>
+            <a:off x="429795" y="3639114"/>
+            <a:ext cx="577822" cy="412443"/>
+            <a:chOff x="453224" y="1424000"/>
+            <a:chExt cx="510985" cy="364800"/>
+          </a:xfrm>
+        </p:grpSpPr>
+        <p:sp>
+          <p:nvSpPr>
+            <p:cNvPr id="110" name="Google Shape;110;p17"/>
+            <p:cNvSpPr/>
+            <p:nvPr/>
+          </p:nvSpPr>
+          <p:spPr>
+            <a:xfrm>
+              <a:off x="453224" y="1424000"/>
+              <a:ext cx="510985" cy="173400"/>
+            </a:xfrm>
+            <a:custGeom>
+              <a:avLst/>
+              <a:gdLst/>
+              <a:ahLst/>
+              <a:cxnLst/>
+              <a:rect l="l" t="t" r="r" b="b"/>
+              <a:pathLst>
+                <a:path w="29405" h="9769" extrusionOk="0">
+                  <a:moveTo>
+                    <a:pt x="0" y="101"/>
+                  </a:moveTo>
+                  <a:lnTo>
+                    <a:pt x="0" y="9769"/>
+                  </a:lnTo>
+                  <a:lnTo>
+                    <a:pt x="29405" y="9769"/>
+                  </a:lnTo>
+                  <a:lnTo>
+                    <a:pt x="19637" y="0"/>
+                  </a:lnTo>
+                  <a:close/>
+                </a:path>
+              </a:pathLst>
+            </a:custGeom>
+            <a:solidFill>
+              <a:srgbClr val="1475D4"/>
+            </a:solidFill>
+            <a:ln>
+              <a:noFill/>
+            </a:ln>
+          </p:spPr>
+        </p:sp>
+        <p:sp>
+          <p:nvSpPr>
+            <p:cNvPr id="111" name="Google Shape;111;p17"/>
+            <p:cNvSpPr/>
+            <p:nvPr/>
+          </p:nvSpPr>
+          <p:spPr>
+            <a:xfrm rot="10800000" flipH="1">
+              <a:off x="453224" y="1615400"/>
+              <a:ext cx="510985" cy="173400"/>
+            </a:xfrm>
+            <a:custGeom>
+              <a:avLst/>
+              <a:gdLst/>
+              <a:ahLst/>
+              <a:cxnLst/>
+              <a:rect l="l" t="t" r="r" b="b"/>
+              <a:pathLst>
+                <a:path w="29405" h="9769" extrusionOk="0">
+                  <a:moveTo>
+                    <a:pt x="0" y="101"/>
+                  </a:moveTo>
+                  <a:lnTo>
+                    <a:pt x="0" y="9769"/>
+                  </a:lnTo>
+                  <a:lnTo>
+                    <a:pt x="29405" y="9769"/>
+                  </a:lnTo>
+                  <a:lnTo>
+                    <a:pt x="19637" y="0"/>
+                  </a:lnTo>
+                  <a:close/>
+                </a:path>
+              </a:pathLst>
+            </a:custGeom>
+            <a:solidFill>
+              <a:srgbClr val="043461"/>
+            </a:solidFill>
+            <a:ln>
+              <a:noFill/>
+            </a:ln>
+          </p:spPr>
+        </p:sp>
+      </p:grpSp>
+      <p:grpSp>
+        <p:nvGrpSpPr>
+          <p:cNvPr id="112" name="Google Shape;112;p17"/>
+          <p:cNvGrpSpPr/>
+          <p:nvPr/>
+        </p:nvGrpSpPr>
+        <p:grpSpPr>
+          <a:xfrm>
+            <a:off x="429795" y="4230204"/>
+            <a:ext cx="577822" cy="412443"/>
+            <a:chOff x="453224" y="1424000"/>
+            <a:chExt cx="510985" cy="364800"/>
+          </a:xfrm>
+        </p:grpSpPr>
+        <p:sp>
+          <p:nvSpPr>
+            <p:cNvPr id="113" name="Google Shape;113;p17"/>
+            <p:cNvSpPr/>
+            <p:nvPr/>
+          </p:nvSpPr>
+          <p:spPr>
+            <a:xfrm>
+              <a:off x="453224" y="1424000"/>
+              <a:ext cx="510985" cy="173400"/>
+            </a:xfrm>
+            <a:custGeom>
+              <a:avLst/>
+              <a:gdLst/>
+              <a:ahLst/>
+              <a:cxnLst/>
+              <a:rect l="l" t="t" r="r" b="b"/>
+              <a:pathLst>
+                <a:path w="29405" h="9769" extrusionOk="0">
+                  <a:moveTo>
+                    <a:pt x="0" y="101"/>
+                  </a:moveTo>
+                  <a:lnTo>
+                    <a:pt x="0" y="9769"/>
+                  </a:lnTo>
+                  <a:lnTo>
+                    <a:pt x="29405" y="9769"/>
+                  </a:lnTo>
+                  <a:lnTo>
+                    <a:pt x="19637" y="0"/>
+                  </a:lnTo>
+                  <a:close/>
+                </a:path>
+              </a:pathLst>
+            </a:custGeom>
+            <a:solidFill>
+              <a:srgbClr val="1475D4"/>
+            </a:solidFill>
+            <a:ln>
+              <a:noFill/>
+            </a:ln>
+          </p:spPr>
+        </p:sp>
+        <p:sp>
+          <p:nvSpPr>
+            <p:cNvPr id="114" name="Google Shape;114;p17"/>
+            <p:cNvSpPr/>
+            <p:nvPr/>
+          </p:nvSpPr>
+          <p:spPr>
+            <a:xfrm rot="10800000" flipH="1">
+              <a:off x="453224" y="1615400"/>
+              <a:ext cx="510985" cy="173400"/>
+            </a:xfrm>
+            <a:custGeom>
+              <a:avLst/>
+              <a:gdLst/>
+              <a:ahLst/>
+              <a:cxnLst/>
+              <a:rect l="l" t="t" r="r" b="b"/>
+              <a:pathLst>
+                <a:path w="29405" h="9769" extrusionOk="0">
+                  <a:moveTo>
+                    <a:pt x="0" y="101"/>
+                  </a:moveTo>
+                  <a:lnTo>
+                    <a:pt x="0" y="9769"/>
+                  </a:lnTo>
+                  <a:lnTo>
+                    <a:pt x="29405" y="9769"/>
+                  </a:lnTo>
+                  <a:lnTo>
+                    <a:pt x="19637" y="0"/>
+                  </a:lnTo>
+                  <a:close/>
+                </a:path>
+              </a:pathLst>
+            </a:custGeom>
+            <a:solidFill>
+              <a:srgbClr val="043461"/>
+            </a:solidFill>
+            <a:ln>
+              <a:noFill/>
+            </a:ln>
+          </p:spPr>
+        </p:sp>
+      </p:grpSp>
+    </p:spTree>
+    <p:extLst>
+      <p:ext uri="{BB962C8B-B14F-4D97-AF65-F5344CB8AC3E}">
+        <p14:creationId xmlns:p14="http://schemas.microsoft.com/office/powerpoint/2010/main" val="3427408429"/>
+      </p:ext>
+    </p:extLst>
+  </p:cSld>
+  <p:clrMapOvr>
+    <a:masterClrMapping/>
+  </p:clrMapOvr>
+</p:sld>
+</file>
+
+<file path=ppt/slides/slide28.xml><?xml version="1.0" encoding="utf-8"?>
+<p:sld xmlns:a="http://schemas.openxmlformats.org/drawingml/2006/main" xmlns:r="http://schemas.openxmlformats.org/officeDocument/2006/relationships" xmlns:p="http://schemas.openxmlformats.org/presentationml/2006/main">
+  <p:cSld>
+    <p:spTree>
+      <p:nvGrpSpPr>
+        <p:cNvPr id="1" name="Shape 71"/>
+        <p:cNvGrpSpPr/>
+        <p:nvPr/>
+      </p:nvGrpSpPr>
+      <p:grpSpPr>
+        <a:xfrm>
+          <a:off x="0" y="0"/>
+          <a:ext cx="0" cy="0"/>
+          <a:chOff x="0" y="0"/>
+          <a:chExt cx="0" cy="0"/>
+        </a:xfrm>
+      </p:grpSpPr>
+      <p:sp>
+        <p:nvSpPr>
+          <p:cNvPr id="72" name="Google Shape;72;p15"/>
+          <p:cNvSpPr/>
+          <p:nvPr/>
+        </p:nvSpPr>
+        <p:spPr>
+          <a:xfrm>
+            <a:off x="0" y="0"/>
+            <a:ext cx="9161100" cy="2610300"/>
+          </a:xfrm>
+          <a:prstGeom prst="rect">
+            <a:avLst/>
+          </a:prstGeom>
+          <a:solidFill>
+            <a:schemeClr val="dk1"/>
+          </a:solidFill>
+          <a:ln>
+            <a:noFill/>
+          </a:ln>
+        </p:spPr>
+        <p:txBody>
+          <a:bodyPr spcFirstLastPara="1" wrap="square" lIns="91425" tIns="91425" rIns="91425" bIns="91425" anchor="ctr" anchorCtr="0">
+            <a:noAutofit/>
+          </a:bodyPr>
+          <a:lstStyle/>
+          <a:p>
+            <a:pPr marL="0" lvl="0" indent="0" algn="l" rtl="0">
+              <a:spcBef>
+                <a:spcPts val="0"/>
+              </a:spcBef>
+              <a:spcAft>
+                <a:spcPts val="0"/>
+              </a:spcAft>
+              <a:buNone/>
+            </a:pPr>
+            <a:endParaRPr/>
+          </a:p>
+        </p:txBody>
+      </p:sp>
+      <p:sp>
+        <p:nvSpPr>
+          <p:cNvPr id="73" name="Google Shape;73;p15"/>
+          <p:cNvSpPr txBox="1">
+            <a:spLocks noGrp="1"/>
+          </p:cNvSpPr>
+          <p:nvPr>
+            <p:ph type="title" idx="4294967295"/>
+          </p:nvPr>
+        </p:nvSpPr>
+        <p:spPr>
+          <a:xfrm>
+            <a:off x="311700" y="372500"/>
+            <a:ext cx="8520600" cy="733500"/>
+          </a:xfrm>
+          <a:prstGeom prst="rect">
+            <a:avLst/>
+          </a:prstGeom>
+        </p:spPr>
+        <p:txBody>
+          <a:bodyPr spcFirstLastPara="1" wrap="square" lIns="91425" tIns="91425" rIns="91425" bIns="91425" anchor="t" anchorCtr="0">
+            <a:noAutofit/>
+          </a:bodyPr>
+          <a:lstStyle/>
+          <a:p>
+            <a:pPr marL="0" lvl="0" indent="0" algn="ctr" rtl="0">
+              <a:spcBef>
+                <a:spcPts val="0"/>
+              </a:spcBef>
+              <a:spcAft>
+                <a:spcPts val="0"/>
+              </a:spcAft>
+              <a:buNone/>
+            </a:pPr>
+            <a:r>
+              <a:rPr lang="en" dirty="0">
+                <a:solidFill>
+                  <a:schemeClr val="lt1"/>
+                </a:solidFill>
+              </a:rPr>
+              <a:t>THANK YOU!!</a:t>
+            </a:r>
+            <a:endParaRPr dirty="0">
+              <a:solidFill>
+                <a:schemeClr val="lt1"/>
+              </a:solidFill>
+            </a:endParaRPr>
+          </a:p>
+        </p:txBody>
+      </p:sp>
+      <p:sp>
+        <p:nvSpPr>
+          <p:cNvPr id="74" name="Google Shape;74;p15"/>
+          <p:cNvSpPr txBox="1">
+            <a:spLocks noGrp="1"/>
+          </p:cNvSpPr>
+          <p:nvPr>
+            <p:ph type="body" idx="4294967295"/>
+          </p:nvPr>
+        </p:nvSpPr>
+        <p:spPr>
+          <a:xfrm>
+            <a:off x="3491875" y="2762625"/>
+            <a:ext cx="2177400" cy="733500"/>
+          </a:xfrm>
+          <a:prstGeom prst="rect">
+            <a:avLst/>
+          </a:prstGeom>
+        </p:spPr>
+        <p:txBody>
+          <a:bodyPr spcFirstLastPara="1" wrap="square" lIns="91425" tIns="91425" rIns="91425" bIns="91425" anchor="t" anchorCtr="0">
+            <a:noAutofit/>
+          </a:bodyPr>
+          <a:lstStyle/>
+          <a:p>
+            <a:pPr marL="0" lvl="0" indent="0" algn="ctr" rtl="0">
+              <a:spcBef>
+                <a:spcPts val="0"/>
+              </a:spcBef>
+              <a:spcAft>
+                <a:spcPts val="1600"/>
+              </a:spcAft>
+              <a:buNone/>
+            </a:pPr>
+            <a:r>
+              <a:rPr lang="en" sz="1700">
+                <a:solidFill>
+                  <a:schemeClr val="dk1"/>
+                </a:solidFill>
+              </a:rPr>
+              <a:t>Ryan Norman </a:t>
+            </a:r>
+            <a:br>
+              <a:rPr lang="en" sz="1700">
+                <a:solidFill>
+                  <a:schemeClr val="dk1"/>
+                </a:solidFill>
+              </a:rPr>
+            </a:br>
+            <a:r>
+              <a:rPr lang="en" sz="1300">
+                <a:solidFill>
+                  <a:schemeClr val="dk1"/>
+                </a:solidFill>
+              </a:rPr>
+              <a:t>Senior Data Analyst</a:t>
+            </a:r>
+            <a:endParaRPr sz="1300">
+              <a:solidFill>
+                <a:schemeClr val="dk1"/>
+              </a:solidFill>
+            </a:endParaRPr>
+          </a:p>
+        </p:txBody>
+      </p:sp>
+      <p:cxnSp>
+        <p:nvCxnSpPr>
+          <p:cNvPr id="75" name="Google Shape;75;p15"/>
+          <p:cNvCxnSpPr/>
+          <p:nvPr/>
+        </p:nvCxnSpPr>
+        <p:spPr>
+          <a:xfrm>
+            <a:off x="4445088" y="3512963"/>
+            <a:ext cx="270900" cy="0"/>
+          </a:xfrm>
+          <a:prstGeom prst="straightConnector1">
+            <a:avLst/>
+          </a:prstGeom>
+          <a:noFill/>
+          <a:ln w="9525" cap="flat" cmpd="sng">
+            <a:solidFill>
+              <a:schemeClr val="dk2"/>
+            </a:solidFill>
+            <a:prstDash val="solid"/>
+            <a:round/>
+            <a:headEnd type="none" w="sm" len="sm"/>
+            <a:tailEnd type="none" w="sm" len="sm"/>
+          </a:ln>
+        </p:spPr>
+      </p:cxnSp>
+      <p:sp>
+        <p:nvSpPr>
+          <p:cNvPr id="76" name="Google Shape;76;p15"/>
+          <p:cNvSpPr txBox="1">
+            <a:spLocks noGrp="1"/>
+          </p:cNvSpPr>
+          <p:nvPr>
+            <p:ph type="body" idx="4294967295"/>
+          </p:nvPr>
+        </p:nvSpPr>
+        <p:spPr>
+          <a:xfrm>
+            <a:off x="3491838" y="3592686"/>
+            <a:ext cx="2177400" cy="1153800"/>
+          </a:xfrm>
+          <a:prstGeom prst="rect">
+            <a:avLst/>
+          </a:prstGeom>
+        </p:spPr>
+        <p:txBody>
+          <a:bodyPr spcFirstLastPara="1" wrap="square" lIns="91425" tIns="91425" rIns="91425" bIns="91425" anchor="t" anchorCtr="0">
+            <a:noAutofit/>
+          </a:bodyPr>
+          <a:lstStyle/>
+          <a:p>
+            <a:pPr marL="0" lvl="0" indent="0" algn="ctr" rtl="0">
+              <a:spcBef>
+                <a:spcPts val="0"/>
+              </a:spcBef>
+              <a:spcAft>
+                <a:spcPts val="0"/>
+              </a:spcAft>
+              <a:buNone/>
+            </a:pPr>
+            <a:r>
+              <a:rPr lang="en" sz="1300" u="sng">
+                <a:solidFill>
+                  <a:schemeClr val="hlink"/>
+                </a:solidFill>
+                <a:hlinkClick r:id="rId3"/>
+              </a:rPr>
+              <a:t>https://www.linkedin.com/in/ryannorman/</a:t>
+            </a:r>
+            <a:endParaRPr sz="1300"/>
+          </a:p>
+          <a:p>
+            <a:pPr marL="0" lvl="0" indent="0" algn="ctr" rtl="0">
+              <a:spcBef>
+                <a:spcPts val="1600"/>
+              </a:spcBef>
+              <a:spcAft>
+                <a:spcPts val="0"/>
+              </a:spcAft>
+              <a:buNone/>
+            </a:pPr>
+            <a:r>
+              <a:rPr lang="en" sz="1300" u="sng">
+                <a:solidFill>
+                  <a:schemeClr val="hlink"/>
+                </a:solidFill>
+                <a:hlinkClick r:id="rId4"/>
+              </a:rPr>
+              <a:t>https://github.com/outofthenorm27/NYC-OpenData</a:t>
+            </a:r>
+            <a:endParaRPr sz="1300"/>
+          </a:p>
+          <a:p>
+            <a:pPr marL="0" lvl="0" indent="0" algn="ctr" rtl="0">
+              <a:spcBef>
+                <a:spcPts val="1600"/>
+              </a:spcBef>
+              <a:spcAft>
+                <a:spcPts val="1600"/>
+              </a:spcAft>
+              <a:buNone/>
+            </a:pPr>
+            <a:endParaRPr sz="1300"/>
+          </a:p>
+        </p:txBody>
+      </p:sp>
+      <p:pic>
+        <p:nvPicPr>
+          <p:cNvPr id="77" name="Google Shape;77;p15"/>
+          <p:cNvPicPr preferRelativeResize="0"/>
+          <p:nvPr/>
+        </p:nvPicPr>
+        <p:blipFill rotWithShape="1">
+          <a:blip r:embed="rId5">
+            <a:alphaModFix/>
+          </a:blip>
+          <a:srcRect l="35887" t="13043" r="1404"/>
+          <a:stretch/>
+        </p:blipFill>
+        <p:spPr>
+          <a:xfrm>
+            <a:off x="3679990" y="951650"/>
+            <a:ext cx="1784023" cy="1620099"/>
+          </a:xfrm>
+          <a:prstGeom prst="rect">
+            <a:avLst/>
+          </a:prstGeom>
+          <a:noFill/>
+          <a:ln>
+            <a:noFill/>
+          </a:ln>
+        </p:spPr>
+      </p:pic>
+    </p:spTree>
+    <p:extLst>
+      <p:ext uri="{BB962C8B-B14F-4D97-AF65-F5344CB8AC3E}">
+        <p14:creationId xmlns:p14="http://schemas.microsoft.com/office/powerpoint/2010/main" val="1674109614"/>
+      </p:ext>
+    </p:extLst>
+  </p:cSld>
+  <p:clrMapOvr>
+    <a:masterClrMapping/>
+  </p:clrMapOvr>
+  <p:timing>
+    <p:tnLst>
+      <p:par>
+        <p:cTn id="1" dur="indefinite" restart="never" nodeType="tmRoot">
+          <p:childTnLst>
+            <p:seq concurrent="1" nextAc="seek">
+              <p:cTn id="2" dur="indefinite" nodeType="mainSeq">
+                <p:childTnLst>
+                  <p:par>
+                    <p:cTn id="3" fill="hold">
+                      <p:stCondLst>
+                        <p:cond delay="indefinite"/>
+                      </p:stCondLst>
+                      <p:childTnLst>
+                        <p:par>
+                          <p:cTn id="4" fill="hold">
+                            <p:stCondLst>
+                              <p:cond delay="0"/>
+                            </p:stCondLst>
+                            <p:childTnLst>
+                              <p:par>
+                                <p:cTn id="5" presetID="10" presetClass="entr" presetSubtype="0" fill="hold" nodeType="clickEffect">
+                                  <p:stCondLst>
+                                    <p:cond delay="0"/>
+                                  </p:stCondLst>
+                                  <p:childTnLst>
+                                    <p:set>
+                                      <p:cBhvr>
+                                        <p:cTn id="6" dur="1" fill="hold">
+                                          <p:stCondLst>
+                                            <p:cond delay="0"/>
+                                          </p:stCondLst>
+                                        </p:cTn>
+                                        <p:tgtEl>
+                                          <p:spTgt spid="77"/>
+                                        </p:tgtEl>
+                                        <p:attrNameLst>
+                                          <p:attrName>style.visibility</p:attrName>
+                                        </p:attrNameLst>
+                                      </p:cBhvr>
+                                      <p:to>
+                                        <p:strVal val="visible"/>
+                                      </p:to>
+                                    </p:set>
+                                    <p:animEffect transition="in" filter="fade">
+                                      <p:cBhvr>
+                                        <p:cTn id="7" dur="1000"/>
+                                        <p:tgtEl>
+                                          <p:spTgt spid="77"/>
+                                        </p:tgtEl>
+                                      </p:cBhvr>
+                                    </p:animEffect>
+                                  </p:childTnLst>
+                                </p:cTn>
+                              </p:par>
+                            </p:childTnLst>
+                          </p:cTn>
+                        </p:par>
+                      </p:childTnLst>
+                    </p:cTn>
+                  </p:par>
+                </p:childTnLst>
+              </p:cTn>
+              <p:prevCondLst>
+                <p:cond evt="onPrev" delay="0">
+                  <p:tgtEl>
+                    <p:sldTgt/>
+                  </p:tgtEl>
+                </p:cond>
+              </p:prevCondLst>
+              <p:nextCondLst>
+                <p:cond evt="onNext" delay="0">
+                  <p:tgtEl>
+                    <p:sldTgt/>
+                  </p:tgtEl>
+                </p:cond>
+              </p:nextCondLst>
+            </p:seq>
+          </p:childTnLst>
+        </p:cTn>
+      </p:par>
+    </p:tnLst>
+  </p:timing>
 </p:sld>
 </file>
 
@@ -12048,6 +17112,94 @@
   <p:cSld>
     <p:spTree>
       <p:nvGrpSpPr>
+        <p:cNvPr id="1" name="Shape 124"/>
+        <p:cNvGrpSpPr/>
+        <p:nvPr/>
+      </p:nvGrpSpPr>
+      <p:grpSpPr>
+        <a:xfrm>
+          <a:off x="0" y="0"/>
+          <a:ext cx="0" cy="0"/>
+          <a:chOff x="0" y="0"/>
+          <a:chExt cx="0" cy="0"/>
+        </a:xfrm>
+      </p:grpSpPr>
+      <p:pic>
+        <p:nvPicPr>
+          <p:cNvPr id="3" name="Picture 2">
+            <a:extLst>
+              <a:ext uri="{FF2B5EF4-FFF2-40B4-BE49-F238E27FC236}">
+                <a16:creationId xmlns:a16="http://schemas.microsoft.com/office/drawing/2014/main" id="{026B5D73-7330-DCB1-68FB-4604F83B37EB}"/>
+              </a:ext>
+            </a:extLst>
+          </p:cNvPr>
+          <p:cNvPicPr>
+            <a:picLocks noChangeAspect="1"/>
+          </p:cNvPicPr>
+          <p:nvPr/>
+        </p:nvPicPr>
+        <p:blipFill>
+          <a:blip r:embed="rId3"/>
+          <a:stretch>
+            <a:fillRect/>
+          </a:stretch>
+        </p:blipFill>
+        <p:spPr>
+          <a:xfrm>
+            <a:off x="23550" y="0"/>
+            <a:ext cx="8808750" cy="5143500"/>
+          </a:xfrm>
+          <a:prstGeom prst="rect">
+            <a:avLst/>
+          </a:prstGeom>
+        </p:spPr>
+      </p:pic>
+      <p:sp>
+        <p:nvSpPr>
+          <p:cNvPr id="5" name="Title 4">
+            <a:extLst>
+              <a:ext uri="{FF2B5EF4-FFF2-40B4-BE49-F238E27FC236}">
+                <a16:creationId xmlns:a16="http://schemas.microsoft.com/office/drawing/2014/main" id="{2A20BFEA-B95E-BD45-5138-C013AFF7DD04}"/>
+              </a:ext>
+            </a:extLst>
+          </p:cNvPr>
+          <p:cNvSpPr>
+            <a:spLocks noGrp="1"/>
+          </p:cNvSpPr>
+          <p:nvPr>
+            <p:ph type="title"/>
+          </p:nvPr>
+        </p:nvSpPr>
+        <p:spPr/>
+        <p:txBody>
+          <a:bodyPr/>
+          <a:lstStyle/>
+          <a:p>
+            <a:r>
+              <a:rPr lang="en-US" dirty="0"/>
+              <a:t>What is a 311 Service Request?</a:t>
+            </a:r>
+          </a:p>
+        </p:txBody>
+      </p:sp>
+    </p:spTree>
+    <p:extLst>
+      <p:ext uri="{BB962C8B-B14F-4D97-AF65-F5344CB8AC3E}">
+        <p14:creationId xmlns:p14="http://schemas.microsoft.com/office/powerpoint/2010/main" val="4085974762"/>
+      </p:ext>
+    </p:extLst>
+  </p:cSld>
+  <p:clrMapOvr>
+    <a:masterClrMapping/>
+  </p:clrMapOvr>
+</p:sld>
+</file>
+
+<file path=ppt/slides/slide8.xml><?xml version="1.0" encoding="utf-8"?>
+<p:sld xmlns:a="http://schemas.openxmlformats.org/drawingml/2006/main" xmlns:r="http://schemas.openxmlformats.org/officeDocument/2006/relationships" xmlns:p="http://schemas.openxmlformats.org/presentationml/2006/main">
+  <p:cSld>
+    <p:spTree>
+      <p:nvGrpSpPr>
         <p:cNvPr id="1" name="Shape 131"/>
         <p:cNvGrpSpPr/>
         <p:nvPr/>
@@ -12188,7 +17340,7 @@
 </p:sld>
 </file>
 
-<file path=ppt/slides/slide8.xml><?xml version="1.0" encoding="utf-8"?>
+<file path=ppt/slides/slide9.xml><?xml version="1.0" encoding="utf-8"?>
 <p:sld xmlns:a="http://schemas.openxmlformats.org/drawingml/2006/main" xmlns:r="http://schemas.openxmlformats.org/officeDocument/2006/relationships" xmlns:p="http://schemas.openxmlformats.org/presentationml/2006/main">
   <p:cSld>
     <p:spTree>
@@ -12325,805 +17477,6 @@
           </a:ln>
         </p:spPr>
       </p:pic>
-    </p:spTree>
-  </p:cSld>
-  <p:clrMapOvr>
-    <a:masterClrMapping/>
-  </p:clrMapOvr>
-</p:sld>
-</file>
-
-<file path=ppt/slides/slide9.xml><?xml version="1.0" encoding="utf-8"?>
-<p:sld xmlns:a="http://schemas.openxmlformats.org/drawingml/2006/main" xmlns:r="http://schemas.openxmlformats.org/officeDocument/2006/relationships" xmlns:p="http://schemas.openxmlformats.org/presentationml/2006/main">
-  <p:cSld>
-    <p:spTree>
-      <p:nvGrpSpPr>
-        <p:cNvPr id="1" name="Shape 145"/>
-        <p:cNvGrpSpPr/>
-        <p:nvPr/>
-      </p:nvGrpSpPr>
-      <p:grpSpPr>
-        <a:xfrm>
-          <a:off x="0" y="0"/>
-          <a:ext cx="0" cy="0"/>
-          <a:chOff x="0" y="0"/>
-          <a:chExt cx="0" cy="0"/>
-        </a:xfrm>
-      </p:grpSpPr>
-      <p:sp>
-        <p:nvSpPr>
-          <p:cNvPr id="146" name="Google Shape;146;p22"/>
-          <p:cNvSpPr txBox="1">
-            <a:spLocks noGrp="1"/>
-          </p:cNvSpPr>
-          <p:nvPr>
-            <p:ph type="title"/>
-          </p:nvPr>
-        </p:nvSpPr>
-        <p:spPr>
-          <a:xfrm>
-            <a:off x="311700" y="445025"/>
-            <a:ext cx="8520600" cy="572700"/>
-          </a:xfrm>
-          <a:prstGeom prst="rect">
-            <a:avLst/>
-          </a:prstGeom>
-        </p:spPr>
-        <p:txBody>
-          <a:bodyPr spcFirstLastPara="1" wrap="square" lIns="91425" tIns="91425" rIns="91425" bIns="91425" anchor="t" anchorCtr="0">
-            <a:noAutofit/>
-          </a:bodyPr>
-          <a:lstStyle/>
-          <a:p>
-            <a:pPr marL="0" lvl="0" indent="0" algn="l" rtl="0">
-              <a:spcBef>
-                <a:spcPts val="0"/>
-              </a:spcBef>
-              <a:spcAft>
-                <a:spcPts val="0"/>
-              </a:spcAft>
-              <a:buNone/>
-            </a:pPr>
-            <a:r>
-              <a:rPr lang="en"/>
-              <a:t>Data Pipeline</a:t>
-            </a:r>
-            <a:endParaRPr/>
-          </a:p>
-        </p:txBody>
-      </p:sp>
-      <p:sp>
-        <p:nvSpPr>
-          <p:cNvPr id="147" name="Google Shape;147;p22"/>
-          <p:cNvSpPr txBox="1">
-            <a:spLocks noGrp="1"/>
-          </p:cNvSpPr>
-          <p:nvPr>
-            <p:ph type="body" idx="1"/>
-          </p:nvPr>
-        </p:nvSpPr>
-        <p:spPr>
-          <a:xfrm>
-            <a:off x="311700" y="1142600"/>
-            <a:ext cx="8590200" cy="3416400"/>
-          </a:xfrm>
-          <a:prstGeom prst="rect">
-            <a:avLst/>
-          </a:prstGeom>
-        </p:spPr>
-        <p:txBody>
-          <a:bodyPr spcFirstLastPara="1" wrap="square" lIns="91425" tIns="91425" rIns="91425" bIns="91425" anchor="t" anchorCtr="0">
-            <a:noAutofit/>
-          </a:bodyPr>
-          <a:lstStyle/>
-          <a:p>
-            <a:pPr marL="457200" lvl="0" indent="0" algn="l" rtl="0">
-              <a:spcBef>
-                <a:spcPts val="0"/>
-              </a:spcBef>
-              <a:spcAft>
-                <a:spcPts val="0"/>
-              </a:spcAft>
-              <a:buNone/>
-            </a:pPr>
-            <a:endParaRPr sz="2100"/>
-          </a:p>
-          <a:p>
-            <a:pPr marL="0" lvl="0" indent="0" algn="l" rtl="0">
-              <a:spcBef>
-                <a:spcPts val="1600"/>
-              </a:spcBef>
-              <a:spcAft>
-                <a:spcPts val="1600"/>
-              </a:spcAft>
-              <a:buNone/>
-            </a:pPr>
-            <a:endParaRPr/>
-          </a:p>
-        </p:txBody>
-      </p:sp>
-      <p:sp>
-        <p:nvSpPr>
-          <p:cNvPr id="148" name="Google Shape;148;p22"/>
-          <p:cNvSpPr/>
-          <p:nvPr/>
-        </p:nvSpPr>
-        <p:spPr>
-          <a:xfrm>
-            <a:off x="404300" y="1317700"/>
-            <a:ext cx="1624644" cy="1137996"/>
-          </a:xfrm>
-          <a:prstGeom prst="cloud">
-            <a:avLst/>
-          </a:prstGeom>
-          <a:solidFill>
-            <a:schemeClr val="lt2"/>
-          </a:solidFill>
-          <a:ln w="9525" cap="flat" cmpd="sng">
-            <a:solidFill>
-              <a:schemeClr val="dk2"/>
-            </a:solidFill>
-            <a:prstDash val="solid"/>
-            <a:round/>
-            <a:headEnd type="none" w="sm" len="sm"/>
-            <a:tailEnd type="none" w="sm" len="sm"/>
-          </a:ln>
-        </p:spPr>
-        <p:txBody>
-          <a:bodyPr spcFirstLastPara="1" wrap="square" lIns="91425" tIns="91425" rIns="91425" bIns="91425" anchor="ctr" anchorCtr="0">
-            <a:noAutofit/>
-          </a:bodyPr>
-          <a:lstStyle/>
-          <a:p>
-            <a:pPr marL="0" lvl="0" indent="0" algn="ctr" rtl="0">
-              <a:spcBef>
-                <a:spcPts val="0"/>
-              </a:spcBef>
-              <a:spcAft>
-                <a:spcPts val="0"/>
-              </a:spcAft>
-              <a:buNone/>
-            </a:pPr>
-            <a:r>
-              <a:rPr lang="en"/>
-              <a:t>NYC OpenData</a:t>
-            </a:r>
-            <a:endParaRPr/>
-          </a:p>
-        </p:txBody>
-      </p:sp>
-      <p:sp>
-        <p:nvSpPr>
-          <p:cNvPr id="149" name="Google Shape;149;p22"/>
-          <p:cNvSpPr/>
-          <p:nvPr/>
-        </p:nvSpPr>
-        <p:spPr>
-          <a:xfrm>
-            <a:off x="2073875" y="1849275"/>
-            <a:ext cx="435600" cy="209700"/>
-          </a:xfrm>
-          <a:prstGeom prst="rightArrow">
-            <a:avLst>
-              <a:gd name="adj1" fmla="val 50000"/>
-              <a:gd name="adj2" fmla="val 50000"/>
-            </a:avLst>
-          </a:prstGeom>
-          <a:solidFill>
-            <a:schemeClr val="lt2"/>
-          </a:solidFill>
-          <a:ln w="9525" cap="flat" cmpd="sng">
-            <a:solidFill>
-              <a:schemeClr val="dk2"/>
-            </a:solidFill>
-            <a:prstDash val="solid"/>
-            <a:round/>
-            <a:headEnd type="none" w="sm" len="sm"/>
-            <a:tailEnd type="none" w="sm" len="sm"/>
-          </a:ln>
-        </p:spPr>
-        <p:txBody>
-          <a:bodyPr spcFirstLastPara="1" wrap="square" lIns="91425" tIns="91425" rIns="91425" bIns="91425" anchor="ctr" anchorCtr="0">
-            <a:noAutofit/>
-          </a:bodyPr>
-          <a:lstStyle/>
-          <a:p>
-            <a:pPr marL="0" lvl="0" indent="0" algn="l" rtl="0">
-              <a:spcBef>
-                <a:spcPts val="0"/>
-              </a:spcBef>
-              <a:spcAft>
-                <a:spcPts val="0"/>
-              </a:spcAft>
-              <a:buNone/>
-            </a:pPr>
-            <a:endParaRPr/>
-          </a:p>
-        </p:txBody>
-      </p:sp>
-      <p:sp>
-        <p:nvSpPr>
-          <p:cNvPr id="150" name="Google Shape;150;p22"/>
-          <p:cNvSpPr/>
-          <p:nvPr/>
-        </p:nvSpPr>
-        <p:spPr>
-          <a:xfrm>
-            <a:off x="2601475" y="1437525"/>
-            <a:ext cx="1108200" cy="1033200"/>
-          </a:xfrm>
-          <a:prstGeom prst="wave">
-            <a:avLst>
-              <a:gd name="adj1" fmla="val 12500"/>
-              <a:gd name="adj2" fmla="val 0"/>
-            </a:avLst>
-          </a:prstGeom>
-          <a:solidFill>
-            <a:schemeClr val="lt2"/>
-          </a:solidFill>
-          <a:ln w="9525" cap="flat" cmpd="sng">
-            <a:solidFill>
-              <a:schemeClr val="dk2"/>
-            </a:solidFill>
-            <a:prstDash val="solid"/>
-            <a:round/>
-            <a:headEnd type="none" w="sm" len="sm"/>
-            <a:tailEnd type="none" w="sm" len="sm"/>
-          </a:ln>
-        </p:spPr>
-        <p:txBody>
-          <a:bodyPr spcFirstLastPara="1" wrap="square" lIns="91425" tIns="91425" rIns="91425" bIns="91425" anchor="ctr" anchorCtr="0">
-            <a:noAutofit/>
-          </a:bodyPr>
-          <a:lstStyle/>
-          <a:p>
-            <a:pPr marL="0" lvl="0" indent="0" algn="ctr" rtl="0">
-              <a:spcBef>
-                <a:spcPts val="0"/>
-              </a:spcBef>
-              <a:spcAft>
-                <a:spcPts val="0"/>
-              </a:spcAft>
-              <a:buNone/>
-            </a:pPr>
-            <a:r>
-              <a:rPr lang="en"/>
-              <a:t>JSON</a:t>
-            </a:r>
-            <a:endParaRPr/>
-          </a:p>
-        </p:txBody>
-      </p:sp>
-      <p:sp>
-        <p:nvSpPr>
-          <p:cNvPr id="151" name="Google Shape;151;p22"/>
-          <p:cNvSpPr/>
-          <p:nvPr/>
-        </p:nvSpPr>
-        <p:spPr>
-          <a:xfrm>
-            <a:off x="4425525" y="1385125"/>
-            <a:ext cx="1748740" cy="1138000"/>
-          </a:xfrm>
-          <a:prstGeom prst="flowChartPredefinedProcess">
-            <a:avLst/>
-          </a:prstGeom>
-          <a:solidFill>
-            <a:schemeClr val="lt2"/>
-          </a:solidFill>
-          <a:ln w="9525" cap="flat" cmpd="sng">
-            <a:solidFill>
-              <a:schemeClr val="dk2"/>
-            </a:solidFill>
-            <a:prstDash val="solid"/>
-            <a:round/>
-            <a:headEnd type="none" w="sm" len="sm"/>
-            <a:tailEnd type="none" w="sm" len="sm"/>
-          </a:ln>
-        </p:spPr>
-        <p:txBody>
-          <a:bodyPr spcFirstLastPara="1" wrap="square" lIns="91425" tIns="91425" rIns="91425" bIns="91425" anchor="ctr" anchorCtr="0">
-            <a:noAutofit/>
-          </a:bodyPr>
-          <a:lstStyle/>
-          <a:p>
-            <a:pPr marL="0" lvl="0" indent="0" algn="ctr" rtl="0">
-              <a:spcBef>
-                <a:spcPts val="0"/>
-              </a:spcBef>
-              <a:spcAft>
-                <a:spcPts val="0"/>
-              </a:spcAft>
-              <a:buNone/>
-            </a:pPr>
-            <a:r>
-              <a:rPr lang="en"/>
-              <a:t>Data Cleaning</a:t>
-            </a:r>
-            <a:endParaRPr/>
-          </a:p>
-        </p:txBody>
-      </p:sp>
-      <p:sp>
-        <p:nvSpPr>
-          <p:cNvPr id="152" name="Google Shape;152;p22"/>
-          <p:cNvSpPr/>
-          <p:nvPr/>
-        </p:nvSpPr>
-        <p:spPr>
-          <a:xfrm>
-            <a:off x="6890135" y="1385125"/>
-            <a:ext cx="1748740" cy="1138000"/>
-          </a:xfrm>
-          <a:prstGeom prst="flowChartPredefinedProcess">
-            <a:avLst/>
-          </a:prstGeom>
-          <a:solidFill>
-            <a:schemeClr val="lt2"/>
-          </a:solidFill>
-          <a:ln w="9525" cap="flat" cmpd="sng">
-            <a:solidFill>
-              <a:schemeClr val="dk2"/>
-            </a:solidFill>
-            <a:prstDash val="solid"/>
-            <a:round/>
-            <a:headEnd type="none" w="sm" len="sm"/>
-            <a:tailEnd type="none" w="sm" len="sm"/>
-          </a:ln>
-        </p:spPr>
-        <p:txBody>
-          <a:bodyPr spcFirstLastPara="1" wrap="square" lIns="91425" tIns="91425" rIns="91425" bIns="91425" anchor="ctr" anchorCtr="0">
-            <a:noAutofit/>
-          </a:bodyPr>
-          <a:lstStyle/>
-          <a:p>
-            <a:pPr marL="0" lvl="0" indent="0" algn="ctr" rtl="0">
-              <a:spcBef>
-                <a:spcPts val="0"/>
-              </a:spcBef>
-              <a:spcAft>
-                <a:spcPts val="0"/>
-              </a:spcAft>
-              <a:buNone/>
-            </a:pPr>
-            <a:r>
-              <a:rPr lang="en"/>
-              <a:t>Data Analysis</a:t>
-            </a:r>
-            <a:endParaRPr/>
-          </a:p>
-        </p:txBody>
-      </p:sp>
-      <p:sp>
-        <p:nvSpPr>
-          <p:cNvPr id="153" name="Google Shape;153;p22"/>
-          <p:cNvSpPr/>
-          <p:nvPr/>
-        </p:nvSpPr>
-        <p:spPr>
-          <a:xfrm>
-            <a:off x="6314400" y="1849275"/>
-            <a:ext cx="435600" cy="209700"/>
-          </a:xfrm>
-          <a:prstGeom prst="rightArrow">
-            <a:avLst>
-              <a:gd name="adj1" fmla="val 50000"/>
-              <a:gd name="adj2" fmla="val 50000"/>
-            </a:avLst>
-          </a:prstGeom>
-          <a:solidFill>
-            <a:schemeClr val="lt2"/>
-          </a:solidFill>
-          <a:ln w="9525" cap="flat" cmpd="sng">
-            <a:solidFill>
-              <a:schemeClr val="dk2"/>
-            </a:solidFill>
-            <a:prstDash val="solid"/>
-            <a:round/>
-            <a:headEnd type="none" w="sm" len="sm"/>
-            <a:tailEnd type="none" w="sm" len="sm"/>
-          </a:ln>
-        </p:spPr>
-        <p:txBody>
-          <a:bodyPr spcFirstLastPara="1" wrap="square" lIns="91425" tIns="91425" rIns="91425" bIns="91425" anchor="ctr" anchorCtr="0">
-            <a:noAutofit/>
-          </a:bodyPr>
-          <a:lstStyle/>
-          <a:p>
-            <a:pPr marL="0" lvl="0" indent="0" algn="l" rtl="0">
-              <a:spcBef>
-                <a:spcPts val="0"/>
-              </a:spcBef>
-              <a:spcAft>
-                <a:spcPts val="0"/>
-              </a:spcAft>
-              <a:buNone/>
-            </a:pPr>
-            <a:endParaRPr/>
-          </a:p>
-        </p:txBody>
-      </p:sp>
-      <p:sp>
-        <p:nvSpPr>
-          <p:cNvPr id="154" name="Google Shape;154;p22"/>
-          <p:cNvSpPr/>
-          <p:nvPr/>
-        </p:nvSpPr>
-        <p:spPr>
-          <a:xfrm>
-            <a:off x="3849800" y="1849275"/>
-            <a:ext cx="435600" cy="209700"/>
-          </a:xfrm>
-          <a:prstGeom prst="rightArrow">
-            <a:avLst>
-              <a:gd name="adj1" fmla="val 50000"/>
-              <a:gd name="adj2" fmla="val 50000"/>
-            </a:avLst>
-          </a:prstGeom>
-          <a:solidFill>
-            <a:schemeClr val="lt2"/>
-          </a:solidFill>
-          <a:ln w="9525" cap="flat" cmpd="sng">
-            <a:solidFill>
-              <a:schemeClr val="dk2"/>
-            </a:solidFill>
-            <a:prstDash val="solid"/>
-            <a:round/>
-            <a:headEnd type="none" w="sm" len="sm"/>
-            <a:tailEnd type="none" w="sm" len="sm"/>
-          </a:ln>
-        </p:spPr>
-        <p:txBody>
-          <a:bodyPr spcFirstLastPara="1" wrap="square" lIns="91425" tIns="91425" rIns="91425" bIns="91425" anchor="ctr" anchorCtr="0">
-            <a:noAutofit/>
-          </a:bodyPr>
-          <a:lstStyle/>
-          <a:p>
-            <a:pPr marL="0" lvl="0" indent="0" algn="l" rtl="0">
-              <a:spcBef>
-                <a:spcPts val="0"/>
-              </a:spcBef>
-              <a:spcAft>
-                <a:spcPts val="0"/>
-              </a:spcAft>
-              <a:buNone/>
-            </a:pPr>
-            <a:endParaRPr/>
-          </a:p>
-        </p:txBody>
-      </p:sp>
-      <p:sp>
-        <p:nvSpPr>
-          <p:cNvPr id="155" name="Google Shape;155;p22"/>
-          <p:cNvSpPr txBox="1"/>
-          <p:nvPr/>
-        </p:nvSpPr>
-        <p:spPr>
-          <a:xfrm>
-            <a:off x="602725" y="2746400"/>
-            <a:ext cx="1471200" cy="400200"/>
-          </a:xfrm>
-          <a:prstGeom prst="rect">
-            <a:avLst/>
-          </a:prstGeom>
-          <a:noFill/>
-          <a:ln>
-            <a:noFill/>
-          </a:ln>
-        </p:spPr>
-        <p:txBody>
-          <a:bodyPr spcFirstLastPara="1" wrap="square" lIns="91425" tIns="91425" rIns="91425" bIns="91425" anchor="t" anchorCtr="0">
-            <a:spAutoFit/>
-          </a:bodyPr>
-          <a:lstStyle/>
-          <a:p>
-            <a:pPr marL="0" lvl="0" indent="0" algn="l" rtl="0">
-              <a:spcBef>
-                <a:spcPts val="0"/>
-              </a:spcBef>
-              <a:spcAft>
-                <a:spcPts val="0"/>
-              </a:spcAft>
-              <a:buNone/>
-            </a:pPr>
-            <a:r>
-              <a:rPr lang="en">
-                <a:solidFill>
-                  <a:schemeClr val="dk1"/>
-                </a:solidFill>
-                <a:latin typeface="Average"/>
-                <a:ea typeface="Average"/>
-                <a:cs typeface="Average"/>
-                <a:sym typeface="Average"/>
-              </a:rPr>
-              <a:t>Website API</a:t>
-            </a:r>
-            <a:endParaRPr>
-              <a:solidFill>
-                <a:schemeClr val="dk1"/>
-              </a:solidFill>
-              <a:latin typeface="Average"/>
-              <a:ea typeface="Average"/>
-              <a:cs typeface="Average"/>
-              <a:sym typeface="Average"/>
-            </a:endParaRPr>
-          </a:p>
-        </p:txBody>
-      </p:sp>
-      <p:sp>
-        <p:nvSpPr>
-          <p:cNvPr id="156" name="Google Shape;156;p22"/>
-          <p:cNvSpPr txBox="1"/>
-          <p:nvPr/>
-        </p:nvSpPr>
-        <p:spPr>
-          <a:xfrm>
-            <a:off x="2419975" y="2746400"/>
-            <a:ext cx="1865400" cy="1046700"/>
-          </a:xfrm>
-          <a:prstGeom prst="rect">
-            <a:avLst/>
-          </a:prstGeom>
-          <a:noFill/>
-          <a:ln>
-            <a:noFill/>
-          </a:ln>
-        </p:spPr>
-        <p:txBody>
-          <a:bodyPr spcFirstLastPara="1" wrap="square" lIns="91425" tIns="91425" rIns="91425" bIns="91425" anchor="t" anchorCtr="0">
-            <a:spAutoFit/>
-          </a:bodyPr>
-          <a:lstStyle/>
-          <a:p>
-            <a:pPr marL="457200" lvl="0" indent="-317500" algn="l" rtl="0">
-              <a:spcBef>
-                <a:spcPts val="0"/>
-              </a:spcBef>
-              <a:spcAft>
-                <a:spcPts val="0"/>
-              </a:spcAft>
-              <a:buClr>
-                <a:schemeClr val="dk1"/>
-              </a:buClr>
-              <a:buSzPts val="1400"/>
-              <a:buFont typeface="Average"/>
-              <a:buChar char="●"/>
-            </a:pPr>
-            <a:r>
-              <a:rPr lang="en">
-                <a:solidFill>
-                  <a:schemeClr val="dk1"/>
-                </a:solidFill>
-                <a:latin typeface="Average"/>
-                <a:ea typeface="Average"/>
-                <a:cs typeface="Average"/>
-                <a:sym typeface="Average"/>
-              </a:rPr>
-              <a:t>Python GET requests</a:t>
-            </a:r>
-            <a:endParaRPr>
-              <a:solidFill>
-                <a:schemeClr val="dk1"/>
-              </a:solidFill>
-              <a:latin typeface="Average"/>
-              <a:ea typeface="Average"/>
-              <a:cs typeface="Average"/>
-              <a:sym typeface="Average"/>
-            </a:endParaRPr>
-          </a:p>
-          <a:p>
-            <a:pPr marL="457200" lvl="0" indent="-317500" algn="l" rtl="0">
-              <a:spcBef>
-                <a:spcPts val="0"/>
-              </a:spcBef>
-              <a:spcAft>
-                <a:spcPts val="0"/>
-              </a:spcAft>
-              <a:buClr>
-                <a:schemeClr val="dk1"/>
-              </a:buClr>
-              <a:buSzPts val="1400"/>
-              <a:buFont typeface="Average"/>
-              <a:buChar char="●"/>
-            </a:pPr>
-            <a:r>
-              <a:rPr lang="en">
-                <a:solidFill>
-                  <a:schemeClr val="dk1"/>
-                </a:solidFill>
-                <a:latin typeface="Average"/>
-                <a:ea typeface="Average"/>
-                <a:cs typeface="Average"/>
-                <a:sym typeface="Average"/>
-              </a:rPr>
-              <a:t>Filtered data</a:t>
-            </a:r>
-            <a:endParaRPr>
-              <a:solidFill>
-                <a:schemeClr val="dk1"/>
-              </a:solidFill>
-              <a:latin typeface="Average"/>
-              <a:ea typeface="Average"/>
-              <a:cs typeface="Average"/>
-              <a:sym typeface="Average"/>
-            </a:endParaRPr>
-          </a:p>
-          <a:p>
-            <a:pPr marL="457200" lvl="0" indent="-317500" algn="l" rtl="0">
-              <a:spcBef>
-                <a:spcPts val="0"/>
-              </a:spcBef>
-              <a:spcAft>
-                <a:spcPts val="0"/>
-              </a:spcAft>
-              <a:buClr>
-                <a:schemeClr val="dk1"/>
-              </a:buClr>
-              <a:buSzPts val="1400"/>
-              <a:buFont typeface="Average"/>
-              <a:buChar char="●"/>
-            </a:pPr>
-            <a:r>
-              <a:rPr lang="en">
-                <a:solidFill>
-                  <a:schemeClr val="dk1"/>
-                </a:solidFill>
-                <a:latin typeface="Average"/>
-                <a:ea typeface="Average"/>
-                <a:cs typeface="Average"/>
-                <a:sym typeface="Average"/>
-              </a:rPr>
-              <a:t>2 JSONs</a:t>
-            </a:r>
-            <a:endParaRPr>
-              <a:solidFill>
-                <a:schemeClr val="dk1"/>
-              </a:solidFill>
-              <a:latin typeface="Average"/>
-              <a:ea typeface="Average"/>
-              <a:cs typeface="Average"/>
-              <a:sym typeface="Average"/>
-            </a:endParaRPr>
-          </a:p>
-        </p:txBody>
-      </p:sp>
-      <p:sp>
-        <p:nvSpPr>
-          <p:cNvPr id="157" name="Google Shape;157;p22"/>
-          <p:cNvSpPr txBox="1"/>
-          <p:nvPr/>
-        </p:nvSpPr>
-        <p:spPr>
-          <a:xfrm>
-            <a:off x="4367200" y="2746400"/>
-            <a:ext cx="1865400" cy="1046700"/>
-          </a:xfrm>
-          <a:prstGeom prst="rect">
-            <a:avLst/>
-          </a:prstGeom>
-          <a:noFill/>
-          <a:ln>
-            <a:noFill/>
-          </a:ln>
-        </p:spPr>
-        <p:txBody>
-          <a:bodyPr spcFirstLastPara="1" wrap="square" lIns="91425" tIns="91425" rIns="91425" bIns="91425" anchor="t" anchorCtr="0">
-            <a:spAutoFit/>
-          </a:bodyPr>
-          <a:lstStyle/>
-          <a:p>
-            <a:pPr marL="457200" lvl="0" indent="-317500" algn="l" rtl="0">
-              <a:spcBef>
-                <a:spcPts val="0"/>
-              </a:spcBef>
-              <a:spcAft>
-                <a:spcPts val="0"/>
-              </a:spcAft>
-              <a:buClr>
-                <a:schemeClr val="dk1"/>
-              </a:buClr>
-              <a:buSzPts val="1400"/>
-              <a:buFont typeface="Average"/>
-              <a:buChar char="●"/>
-            </a:pPr>
-            <a:r>
-              <a:rPr lang="en">
-                <a:solidFill>
-                  <a:schemeClr val="dk1"/>
-                </a:solidFill>
-                <a:latin typeface="Average"/>
-                <a:ea typeface="Average"/>
-                <a:cs typeface="Average"/>
-                <a:sym typeface="Average"/>
-              </a:rPr>
-              <a:t>Drop columns</a:t>
-            </a:r>
-            <a:endParaRPr>
-              <a:solidFill>
-                <a:schemeClr val="dk1"/>
-              </a:solidFill>
-              <a:latin typeface="Average"/>
-              <a:ea typeface="Average"/>
-              <a:cs typeface="Average"/>
-              <a:sym typeface="Average"/>
-            </a:endParaRPr>
-          </a:p>
-          <a:p>
-            <a:pPr marL="457200" lvl="0" indent="-317500" algn="l" rtl="0">
-              <a:spcBef>
-                <a:spcPts val="0"/>
-              </a:spcBef>
-              <a:spcAft>
-                <a:spcPts val="0"/>
-              </a:spcAft>
-              <a:buClr>
-                <a:schemeClr val="dk1"/>
-              </a:buClr>
-              <a:buSzPts val="1400"/>
-              <a:buFont typeface="Average"/>
-              <a:buChar char="●"/>
-            </a:pPr>
-            <a:r>
-              <a:rPr lang="en">
-                <a:solidFill>
-                  <a:schemeClr val="dk1"/>
-                </a:solidFill>
-                <a:latin typeface="Average"/>
-                <a:ea typeface="Average"/>
-                <a:cs typeface="Average"/>
-                <a:sym typeface="Average"/>
-              </a:rPr>
-              <a:t>Remove NaN</a:t>
-            </a:r>
-            <a:endParaRPr>
-              <a:solidFill>
-                <a:schemeClr val="dk1"/>
-              </a:solidFill>
-              <a:latin typeface="Average"/>
-              <a:ea typeface="Average"/>
-              <a:cs typeface="Average"/>
-              <a:sym typeface="Average"/>
-            </a:endParaRPr>
-          </a:p>
-          <a:p>
-            <a:pPr marL="457200" lvl="0" indent="-317500" algn="l" rtl="0">
-              <a:spcBef>
-                <a:spcPts val="0"/>
-              </a:spcBef>
-              <a:spcAft>
-                <a:spcPts val="0"/>
-              </a:spcAft>
-              <a:buClr>
-                <a:schemeClr val="dk1"/>
-              </a:buClr>
-              <a:buSzPts val="1400"/>
-              <a:buFont typeface="Average"/>
-              <a:buChar char="●"/>
-            </a:pPr>
-            <a:r>
-              <a:rPr lang="en">
-                <a:solidFill>
-                  <a:schemeClr val="dk1"/>
-                </a:solidFill>
-                <a:latin typeface="Average"/>
-                <a:ea typeface="Average"/>
-                <a:cs typeface="Average"/>
-                <a:sym typeface="Average"/>
-              </a:rPr>
-              <a:t>Format data types</a:t>
-            </a:r>
-            <a:endParaRPr>
-              <a:solidFill>
-                <a:schemeClr val="dk1"/>
-              </a:solidFill>
-              <a:latin typeface="Average"/>
-              <a:ea typeface="Average"/>
-              <a:cs typeface="Average"/>
-              <a:sym typeface="Average"/>
-            </a:endParaRPr>
-          </a:p>
-        </p:txBody>
-      </p:sp>
     </p:spTree>
   </p:cSld>
   <p:clrMapOvr>
